--- a/Slide/SLIDE_23.pptx
+++ b/Slide/SLIDE_23.pptx
@@ -5,10 +5,10 @@
     <p:sldMasterId id="2147483648" r:id="rId1"/>
   </p:sldMasterIdLst>
   <p:notesMasterIdLst>
-    <p:notesMasterId r:id="rId10"/>
+    <p:notesMasterId r:id="rId21"/>
   </p:notesMasterIdLst>
   <p:handoutMasterIdLst>
-    <p:handoutMasterId r:id="rId11"/>
+    <p:handoutMasterId r:id="rId22"/>
   </p:handoutMasterIdLst>
   <p:sldIdLst>
     <p:sldId id="256" r:id="rId2"/>
@@ -18,7 +18,18 @@
     <p:sldId id="650" r:id="rId6"/>
     <p:sldId id="651" r:id="rId7"/>
     <p:sldId id="652" r:id="rId8"/>
-    <p:sldId id="625" r:id="rId9"/>
+    <p:sldId id="653" r:id="rId9"/>
+    <p:sldId id="661" r:id="rId10"/>
+    <p:sldId id="660" r:id="rId11"/>
+    <p:sldId id="654" r:id="rId12"/>
+    <p:sldId id="662" r:id="rId13"/>
+    <p:sldId id="655" r:id="rId14"/>
+    <p:sldId id="663" r:id="rId15"/>
+    <p:sldId id="657" r:id="rId16"/>
+    <p:sldId id="664" r:id="rId17"/>
+    <p:sldId id="659" r:id="rId18"/>
+    <p:sldId id="665" r:id="rId19"/>
+    <p:sldId id="625" r:id="rId20"/>
   </p:sldIdLst>
   <p:sldSz cx="10693400" cy="7561263"/>
   <p:notesSz cx="9874250" cy="6797675"/>
@@ -218,7 +229,7 @@
           <a:p>
             <a:fld id="{0BC65444-5612-4993-A297-66E4EA569180}" type="datetime1">
               <a:rPr lang="ko-KR" altLang="en-US" smtClean="0"/>
-              <a:t>2025-11-23</a:t>
+              <a:t>2025-11-24</a:t>
             </a:fld>
             <a:endParaRPr lang="ko-KR" altLang="en-US"/>
           </a:p>
@@ -384,7 +395,7 @@
           <a:p>
             <a:fld id="{6FD3867D-DA73-4C30-B686-2D05E2BBC364}" type="datetime1">
               <a:rPr lang="ko-KR" altLang="en-US" smtClean="0"/>
-              <a:t>2025-11-23</a:t>
+              <a:t>2025-11-24</a:t>
             </a:fld>
             <a:endParaRPr lang="ko-KR" altLang="en-US"/>
           </a:p>
@@ -713,6 +724,796 @@
 </p:notes>
 </file>
 
+<file path=ppt/notesSlides/notesSlide10.xml><?xml version="1.0" encoding="utf-8"?>
+<p:notes xmlns:a="http://schemas.openxmlformats.org/drawingml/2006/main" xmlns:r="http://schemas.openxmlformats.org/officeDocument/2006/relationships" xmlns:p="http://schemas.openxmlformats.org/presentationml/2006/main">
+  <p:cSld>
+    <p:spTree>
+      <p:nvGrpSpPr>
+        <p:cNvPr id="1" name="">
+          <a:extLst>
+            <a:ext uri="{FF2B5EF4-FFF2-40B4-BE49-F238E27FC236}">
+              <a16:creationId xmlns:a16="http://schemas.microsoft.com/office/drawing/2014/main" id="{B46C5369-3E1F-C091-1516-51CC4584E440}"/>
+            </a:ext>
+          </a:extLst>
+        </p:cNvPr>
+        <p:cNvGrpSpPr/>
+        <p:nvPr/>
+      </p:nvGrpSpPr>
+      <p:grpSpPr>
+        <a:xfrm>
+          <a:off x="0" y="0"/>
+          <a:ext cx="0" cy="0"/>
+          <a:chOff x="0" y="0"/>
+          <a:chExt cx="0" cy="0"/>
+        </a:xfrm>
+      </p:grpSpPr>
+      <p:sp>
+        <p:nvSpPr>
+          <p:cNvPr id="2" name="슬라이드 이미지 개체 틀 1">
+            <a:extLst>
+              <a:ext uri="{FF2B5EF4-FFF2-40B4-BE49-F238E27FC236}">
+                <a16:creationId xmlns:a16="http://schemas.microsoft.com/office/drawing/2014/main" id="{86F8664E-2EE1-B59B-DFB3-D239703DDB40}"/>
+              </a:ext>
+            </a:extLst>
+          </p:cNvPr>
+          <p:cNvSpPr>
+            <a:spLocks noGrp="1" noRot="1" noChangeAspect="1"/>
+          </p:cNvSpPr>
+          <p:nvPr>
+            <p:ph type="sldImg"/>
+          </p:nvPr>
+        </p:nvSpPr>
+        <p:spPr/>
+      </p:sp>
+      <p:sp>
+        <p:nvSpPr>
+          <p:cNvPr id="3" name="슬라이드 노트 개체 틀 2">
+            <a:extLst>
+              <a:ext uri="{FF2B5EF4-FFF2-40B4-BE49-F238E27FC236}">
+                <a16:creationId xmlns:a16="http://schemas.microsoft.com/office/drawing/2014/main" id="{F1433833-092A-2B17-35C2-9AD5EB64CE01}"/>
+              </a:ext>
+            </a:extLst>
+          </p:cNvPr>
+          <p:cNvSpPr>
+            <a:spLocks noGrp="1"/>
+          </p:cNvSpPr>
+          <p:nvPr>
+            <p:ph type="body" idx="1"/>
+          </p:nvPr>
+        </p:nvSpPr>
+        <p:spPr/>
+        <p:txBody>
+          <a:bodyPr/>
+          <a:lstStyle/>
+          <a:p>
+            <a:endParaRPr lang="ko-KR" altLang="en-US"/>
+          </a:p>
+        </p:txBody>
+      </p:sp>
+    </p:spTree>
+    <p:extLst>
+      <p:ext uri="{BB962C8B-B14F-4D97-AF65-F5344CB8AC3E}">
+        <p14:creationId xmlns:p14="http://schemas.microsoft.com/office/powerpoint/2010/main" val="2807834532"/>
+      </p:ext>
+    </p:extLst>
+  </p:cSld>
+  <p:clrMapOvr>
+    <a:masterClrMapping/>
+  </p:clrMapOvr>
+</p:notes>
+</file>
+
+<file path=ppt/notesSlides/notesSlide11.xml><?xml version="1.0" encoding="utf-8"?>
+<p:notes xmlns:a="http://schemas.openxmlformats.org/drawingml/2006/main" xmlns:r="http://schemas.openxmlformats.org/officeDocument/2006/relationships" xmlns:p="http://schemas.openxmlformats.org/presentationml/2006/main">
+  <p:cSld>
+    <p:spTree>
+      <p:nvGrpSpPr>
+        <p:cNvPr id="1" name="">
+          <a:extLst>
+            <a:ext uri="{FF2B5EF4-FFF2-40B4-BE49-F238E27FC236}">
+              <a16:creationId xmlns:a16="http://schemas.microsoft.com/office/drawing/2014/main" id="{B46C5369-3E1F-C091-1516-51CC4584E440}"/>
+            </a:ext>
+          </a:extLst>
+        </p:cNvPr>
+        <p:cNvGrpSpPr/>
+        <p:nvPr/>
+      </p:nvGrpSpPr>
+      <p:grpSpPr>
+        <a:xfrm>
+          <a:off x="0" y="0"/>
+          <a:ext cx="0" cy="0"/>
+          <a:chOff x="0" y="0"/>
+          <a:chExt cx="0" cy="0"/>
+        </a:xfrm>
+      </p:grpSpPr>
+      <p:sp>
+        <p:nvSpPr>
+          <p:cNvPr id="2" name="슬라이드 이미지 개체 틀 1">
+            <a:extLst>
+              <a:ext uri="{FF2B5EF4-FFF2-40B4-BE49-F238E27FC236}">
+                <a16:creationId xmlns:a16="http://schemas.microsoft.com/office/drawing/2014/main" id="{86F8664E-2EE1-B59B-DFB3-D239703DDB40}"/>
+              </a:ext>
+            </a:extLst>
+          </p:cNvPr>
+          <p:cNvSpPr>
+            <a:spLocks noGrp="1" noRot="1" noChangeAspect="1"/>
+          </p:cNvSpPr>
+          <p:nvPr>
+            <p:ph type="sldImg"/>
+          </p:nvPr>
+        </p:nvSpPr>
+        <p:spPr/>
+      </p:sp>
+      <p:sp>
+        <p:nvSpPr>
+          <p:cNvPr id="3" name="슬라이드 노트 개체 틀 2">
+            <a:extLst>
+              <a:ext uri="{FF2B5EF4-FFF2-40B4-BE49-F238E27FC236}">
+                <a16:creationId xmlns:a16="http://schemas.microsoft.com/office/drawing/2014/main" id="{F1433833-092A-2B17-35C2-9AD5EB64CE01}"/>
+              </a:ext>
+            </a:extLst>
+          </p:cNvPr>
+          <p:cNvSpPr>
+            <a:spLocks noGrp="1"/>
+          </p:cNvSpPr>
+          <p:nvPr>
+            <p:ph type="body" idx="1"/>
+          </p:nvPr>
+        </p:nvSpPr>
+        <p:spPr/>
+        <p:txBody>
+          <a:bodyPr/>
+          <a:lstStyle/>
+          <a:p>
+            <a:endParaRPr lang="ko-KR" altLang="en-US"/>
+          </a:p>
+        </p:txBody>
+      </p:sp>
+    </p:spTree>
+    <p:extLst>
+      <p:ext uri="{BB962C8B-B14F-4D97-AF65-F5344CB8AC3E}">
+        <p14:creationId xmlns:p14="http://schemas.microsoft.com/office/powerpoint/2010/main" val="4245467442"/>
+      </p:ext>
+    </p:extLst>
+  </p:cSld>
+  <p:clrMapOvr>
+    <a:masterClrMapping/>
+  </p:clrMapOvr>
+</p:notes>
+</file>
+
+<file path=ppt/notesSlides/notesSlide12.xml><?xml version="1.0" encoding="utf-8"?>
+<p:notes xmlns:a="http://schemas.openxmlformats.org/drawingml/2006/main" xmlns:r="http://schemas.openxmlformats.org/officeDocument/2006/relationships" xmlns:p="http://schemas.openxmlformats.org/presentationml/2006/main">
+  <p:cSld>
+    <p:spTree>
+      <p:nvGrpSpPr>
+        <p:cNvPr id="1" name="">
+          <a:extLst>
+            <a:ext uri="{FF2B5EF4-FFF2-40B4-BE49-F238E27FC236}">
+              <a16:creationId xmlns:a16="http://schemas.microsoft.com/office/drawing/2014/main" id="{B46C5369-3E1F-C091-1516-51CC4584E440}"/>
+            </a:ext>
+          </a:extLst>
+        </p:cNvPr>
+        <p:cNvGrpSpPr/>
+        <p:nvPr/>
+      </p:nvGrpSpPr>
+      <p:grpSpPr>
+        <a:xfrm>
+          <a:off x="0" y="0"/>
+          <a:ext cx="0" cy="0"/>
+          <a:chOff x="0" y="0"/>
+          <a:chExt cx="0" cy="0"/>
+        </a:xfrm>
+      </p:grpSpPr>
+      <p:sp>
+        <p:nvSpPr>
+          <p:cNvPr id="2" name="슬라이드 이미지 개체 틀 1">
+            <a:extLst>
+              <a:ext uri="{FF2B5EF4-FFF2-40B4-BE49-F238E27FC236}">
+                <a16:creationId xmlns:a16="http://schemas.microsoft.com/office/drawing/2014/main" id="{86F8664E-2EE1-B59B-DFB3-D239703DDB40}"/>
+              </a:ext>
+            </a:extLst>
+          </p:cNvPr>
+          <p:cNvSpPr>
+            <a:spLocks noGrp="1" noRot="1" noChangeAspect="1"/>
+          </p:cNvSpPr>
+          <p:nvPr>
+            <p:ph type="sldImg"/>
+          </p:nvPr>
+        </p:nvSpPr>
+        <p:spPr/>
+      </p:sp>
+      <p:sp>
+        <p:nvSpPr>
+          <p:cNvPr id="3" name="슬라이드 노트 개체 틀 2">
+            <a:extLst>
+              <a:ext uri="{FF2B5EF4-FFF2-40B4-BE49-F238E27FC236}">
+                <a16:creationId xmlns:a16="http://schemas.microsoft.com/office/drawing/2014/main" id="{F1433833-092A-2B17-35C2-9AD5EB64CE01}"/>
+              </a:ext>
+            </a:extLst>
+          </p:cNvPr>
+          <p:cNvSpPr>
+            <a:spLocks noGrp="1"/>
+          </p:cNvSpPr>
+          <p:nvPr>
+            <p:ph type="body" idx="1"/>
+          </p:nvPr>
+        </p:nvSpPr>
+        <p:spPr/>
+        <p:txBody>
+          <a:bodyPr/>
+          <a:lstStyle/>
+          <a:p>
+            <a:endParaRPr lang="ko-KR" altLang="en-US"/>
+          </a:p>
+        </p:txBody>
+      </p:sp>
+    </p:spTree>
+    <p:extLst>
+      <p:ext uri="{BB962C8B-B14F-4D97-AF65-F5344CB8AC3E}">
+        <p14:creationId xmlns:p14="http://schemas.microsoft.com/office/powerpoint/2010/main" val="2180321264"/>
+      </p:ext>
+    </p:extLst>
+  </p:cSld>
+  <p:clrMapOvr>
+    <a:masterClrMapping/>
+  </p:clrMapOvr>
+</p:notes>
+</file>
+
+<file path=ppt/notesSlides/notesSlide13.xml><?xml version="1.0" encoding="utf-8"?>
+<p:notes xmlns:a="http://schemas.openxmlformats.org/drawingml/2006/main" xmlns:r="http://schemas.openxmlformats.org/officeDocument/2006/relationships" xmlns:p="http://schemas.openxmlformats.org/presentationml/2006/main">
+  <p:cSld>
+    <p:spTree>
+      <p:nvGrpSpPr>
+        <p:cNvPr id="1" name="">
+          <a:extLst>
+            <a:ext uri="{FF2B5EF4-FFF2-40B4-BE49-F238E27FC236}">
+              <a16:creationId xmlns:a16="http://schemas.microsoft.com/office/drawing/2014/main" id="{B46C5369-3E1F-C091-1516-51CC4584E440}"/>
+            </a:ext>
+          </a:extLst>
+        </p:cNvPr>
+        <p:cNvGrpSpPr/>
+        <p:nvPr/>
+      </p:nvGrpSpPr>
+      <p:grpSpPr>
+        <a:xfrm>
+          <a:off x="0" y="0"/>
+          <a:ext cx="0" cy="0"/>
+          <a:chOff x="0" y="0"/>
+          <a:chExt cx="0" cy="0"/>
+        </a:xfrm>
+      </p:grpSpPr>
+      <p:sp>
+        <p:nvSpPr>
+          <p:cNvPr id="2" name="슬라이드 이미지 개체 틀 1">
+            <a:extLst>
+              <a:ext uri="{FF2B5EF4-FFF2-40B4-BE49-F238E27FC236}">
+                <a16:creationId xmlns:a16="http://schemas.microsoft.com/office/drawing/2014/main" id="{86F8664E-2EE1-B59B-DFB3-D239703DDB40}"/>
+              </a:ext>
+            </a:extLst>
+          </p:cNvPr>
+          <p:cNvSpPr>
+            <a:spLocks noGrp="1" noRot="1" noChangeAspect="1"/>
+          </p:cNvSpPr>
+          <p:nvPr>
+            <p:ph type="sldImg"/>
+          </p:nvPr>
+        </p:nvSpPr>
+        <p:spPr/>
+      </p:sp>
+      <p:sp>
+        <p:nvSpPr>
+          <p:cNvPr id="3" name="슬라이드 노트 개체 틀 2">
+            <a:extLst>
+              <a:ext uri="{FF2B5EF4-FFF2-40B4-BE49-F238E27FC236}">
+                <a16:creationId xmlns:a16="http://schemas.microsoft.com/office/drawing/2014/main" id="{F1433833-092A-2B17-35C2-9AD5EB64CE01}"/>
+              </a:ext>
+            </a:extLst>
+          </p:cNvPr>
+          <p:cNvSpPr>
+            <a:spLocks noGrp="1"/>
+          </p:cNvSpPr>
+          <p:nvPr>
+            <p:ph type="body" idx="1"/>
+          </p:nvPr>
+        </p:nvSpPr>
+        <p:spPr/>
+        <p:txBody>
+          <a:bodyPr/>
+          <a:lstStyle/>
+          <a:p>
+            <a:endParaRPr lang="ko-KR" altLang="en-US"/>
+          </a:p>
+        </p:txBody>
+      </p:sp>
+    </p:spTree>
+    <p:extLst>
+      <p:ext uri="{BB962C8B-B14F-4D97-AF65-F5344CB8AC3E}">
+        <p14:creationId xmlns:p14="http://schemas.microsoft.com/office/powerpoint/2010/main" val="2418665104"/>
+      </p:ext>
+    </p:extLst>
+  </p:cSld>
+  <p:clrMapOvr>
+    <a:masterClrMapping/>
+  </p:clrMapOvr>
+</p:notes>
+</file>
+
+<file path=ppt/notesSlides/notesSlide14.xml><?xml version="1.0" encoding="utf-8"?>
+<p:notes xmlns:a="http://schemas.openxmlformats.org/drawingml/2006/main" xmlns:r="http://schemas.openxmlformats.org/officeDocument/2006/relationships" xmlns:p="http://schemas.openxmlformats.org/presentationml/2006/main">
+  <p:cSld>
+    <p:spTree>
+      <p:nvGrpSpPr>
+        <p:cNvPr id="1" name="">
+          <a:extLst>
+            <a:ext uri="{FF2B5EF4-FFF2-40B4-BE49-F238E27FC236}">
+              <a16:creationId xmlns:a16="http://schemas.microsoft.com/office/drawing/2014/main" id="{B46C5369-3E1F-C091-1516-51CC4584E440}"/>
+            </a:ext>
+          </a:extLst>
+        </p:cNvPr>
+        <p:cNvGrpSpPr/>
+        <p:nvPr/>
+      </p:nvGrpSpPr>
+      <p:grpSpPr>
+        <a:xfrm>
+          <a:off x="0" y="0"/>
+          <a:ext cx="0" cy="0"/>
+          <a:chOff x="0" y="0"/>
+          <a:chExt cx="0" cy="0"/>
+        </a:xfrm>
+      </p:grpSpPr>
+      <p:sp>
+        <p:nvSpPr>
+          <p:cNvPr id="2" name="슬라이드 이미지 개체 틀 1">
+            <a:extLst>
+              <a:ext uri="{FF2B5EF4-FFF2-40B4-BE49-F238E27FC236}">
+                <a16:creationId xmlns:a16="http://schemas.microsoft.com/office/drawing/2014/main" id="{86F8664E-2EE1-B59B-DFB3-D239703DDB40}"/>
+              </a:ext>
+            </a:extLst>
+          </p:cNvPr>
+          <p:cNvSpPr>
+            <a:spLocks noGrp="1" noRot="1" noChangeAspect="1"/>
+          </p:cNvSpPr>
+          <p:nvPr>
+            <p:ph type="sldImg"/>
+          </p:nvPr>
+        </p:nvSpPr>
+        <p:spPr/>
+      </p:sp>
+      <p:sp>
+        <p:nvSpPr>
+          <p:cNvPr id="3" name="슬라이드 노트 개체 틀 2">
+            <a:extLst>
+              <a:ext uri="{FF2B5EF4-FFF2-40B4-BE49-F238E27FC236}">
+                <a16:creationId xmlns:a16="http://schemas.microsoft.com/office/drawing/2014/main" id="{F1433833-092A-2B17-35C2-9AD5EB64CE01}"/>
+              </a:ext>
+            </a:extLst>
+          </p:cNvPr>
+          <p:cNvSpPr>
+            <a:spLocks noGrp="1"/>
+          </p:cNvSpPr>
+          <p:nvPr>
+            <p:ph type="body" idx="1"/>
+          </p:nvPr>
+        </p:nvSpPr>
+        <p:spPr/>
+        <p:txBody>
+          <a:bodyPr/>
+          <a:lstStyle/>
+          <a:p>
+            <a:endParaRPr lang="ko-KR" altLang="en-US"/>
+          </a:p>
+        </p:txBody>
+      </p:sp>
+    </p:spTree>
+    <p:extLst>
+      <p:ext uri="{BB962C8B-B14F-4D97-AF65-F5344CB8AC3E}">
+        <p14:creationId xmlns:p14="http://schemas.microsoft.com/office/powerpoint/2010/main" val="2819088782"/>
+      </p:ext>
+    </p:extLst>
+  </p:cSld>
+  <p:clrMapOvr>
+    <a:masterClrMapping/>
+  </p:clrMapOvr>
+</p:notes>
+</file>
+
+<file path=ppt/notesSlides/notesSlide15.xml><?xml version="1.0" encoding="utf-8"?>
+<p:notes xmlns:a="http://schemas.openxmlformats.org/drawingml/2006/main" xmlns:r="http://schemas.openxmlformats.org/officeDocument/2006/relationships" xmlns:p="http://schemas.openxmlformats.org/presentationml/2006/main">
+  <p:cSld>
+    <p:spTree>
+      <p:nvGrpSpPr>
+        <p:cNvPr id="1" name="">
+          <a:extLst>
+            <a:ext uri="{FF2B5EF4-FFF2-40B4-BE49-F238E27FC236}">
+              <a16:creationId xmlns:a16="http://schemas.microsoft.com/office/drawing/2014/main" id="{B46C5369-3E1F-C091-1516-51CC4584E440}"/>
+            </a:ext>
+          </a:extLst>
+        </p:cNvPr>
+        <p:cNvGrpSpPr/>
+        <p:nvPr/>
+      </p:nvGrpSpPr>
+      <p:grpSpPr>
+        <a:xfrm>
+          <a:off x="0" y="0"/>
+          <a:ext cx="0" cy="0"/>
+          <a:chOff x="0" y="0"/>
+          <a:chExt cx="0" cy="0"/>
+        </a:xfrm>
+      </p:grpSpPr>
+      <p:sp>
+        <p:nvSpPr>
+          <p:cNvPr id="2" name="슬라이드 이미지 개체 틀 1">
+            <a:extLst>
+              <a:ext uri="{FF2B5EF4-FFF2-40B4-BE49-F238E27FC236}">
+                <a16:creationId xmlns:a16="http://schemas.microsoft.com/office/drawing/2014/main" id="{86F8664E-2EE1-B59B-DFB3-D239703DDB40}"/>
+              </a:ext>
+            </a:extLst>
+          </p:cNvPr>
+          <p:cNvSpPr>
+            <a:spLocks noGrp="1" noRot="1" noChangeAspect="1"/>
+          </p:cNvSpPr>
+          <p:nvPr>
+            <p:ph type="sldImg"/>
+          </p:nvPr>
+        </p:nvSpPr>
+        <p:spPr/>
+      </p:sp>
+      <p:sp>
+        <p:nvSpPr>
+          <p:cNvPr id="3" name="슬라이드 노트 개체 틀 2">
+            <a:extLst>
+              <a:ext uri="{FF2B5EF4-FFF2-40B4-BE49-F238E27FC236}">
+                <a16:creationId xmlns:a16="http://schemas.microsoft.com/office/drawing/2014/main" id="{F1433833-092A-2B17-35C2-9AD5EB64CE01}"/>
+              </a:ext>
+            </a:extLst>
+          </p:cNvPr>
+          <p:cNvSpPr>
+            <a:spLocks noGrp="1"/>
+          </p:cNvSpPr>
+          <p:nvPr>
+            <p:ph type="body" idx="1"/>
+          </p:nvPr>
+        </p:nvSpPr>
+        <p:spPr/>
+        <p:txBody>
+          <a:bodyPr/>
+          <a:lstStyle/>
+          <a:p>
+            <a:endParaRPr lang="ko-KR" altLang="en-US"/>
+          </a:p>
+        </p:txBody>
+      </p:sp>
+    </p:spTree>
+    <p:extLst>
+      <p:ext uri="{BB962C8B-B14F-4D97-AF65-F5344CB8AC3E}">
+        <p14:creationId xmlns:p14="http://schemas.microsoft.com/office/powerpoint/2010/main" val="780647593"/>
+      </p:ext>
+    </p:extLst>
+  </p:cSld>
+  <p:clrMapOvr>
+    <a:masterClrMapping/>
+  </p:clrMapOvr>
+</p:notes>
+</file>
+
+<file path=ppt/notesSlides/notesSlide16.xml><?xml version="1.0" encoding="utf-8"?>
+<p:notes xmlns:a="http://schemas.openxmlformats.org/drawingml/2006/main" xmlns:r="http://schemas.openxmlformats.org/officeDocument/2006/relationships" xmlns:p="http://schemas.openxmlformats.org/presentationml/2006/main">
+  <p:cSld>
+    <p:spTree>
+      <p:nvGrpSpPr>
+        <p:cNvPr id="1" name="">
+          <a:extLst>
+            <a:ext uri="{FF2B5EF4-FFF2-40B4-BE49-F238E27FC236}">
+              <a16:creationId xmlns:a16="http://schemas.microsoft.com/office/drawing/2014/main" id="{B46C5369-3E1F-C091-1516-51CC4584E440}"/>
+            </a:ext>
+          </a:extLst>
+        </p:cNvPr>
+        <p:cNvGrpSpPr/>
+        <p:nvPr/>
+      </p:nvGrpSpPr>
+      <p:grpSpPr>
+        <a:xfrm>
+          <a:off x="0" y="0"/>
+          <a:ext cx="0" cy="0"/>
+          <a:chOff x="0" y="0"/>
+          <a:chExt cx="0" cy="0"/>
+        </a:xfrm>
+      </p:grpSpPr>
+      <p:sp>
+        <p:nvSpPr>
+          <p:cNvPr id="2" name="슬라이드 이미지 개체 틀 1">
+            <a:extLst>
+              <a:ext uri="{FF2B5EF4-FFF2-40B4-BE49-F238E27FC236}">
+                <a16:creationId xmlns:a16="http://schemas.microsoft.com/office/drawing/2014/main" id="{86F8664E-2EE1-B59B-DFB3-D239703DDB40}"/>
+              </a:ext>
+            </a:extLst>
+          </p:cNvPr>
+          <p:cNvSpPr>
+            <a:spLocks noGrp="1" noRot="1" noChangeAspect="1"/>
+          </p:cNvSpPr>
+          <p:nvPr>
+            <p:ph type="sldImg"/>
+          </p:nvPr>
+        </p:nvSpPr>
+        <p:spPr/>
+      </p:sp>
+      <p:sp>
+        <p:nvSpPr>
+          <p:cNvPr id="3" name="슬라이드 노트 개체 틀 2">
+            <a:extLst>
+              <a:ext uri="{FF2B5EF4-FFF2-40B4-BE49-F238E27FC236}">
+                <a16:creationId xmlns:a16="http://schemas.microsoft.com/office/drawing/2014/main" id="{F1433833-092A-2B17-35C2-9AD5EB64CE01}"/>
+              </a:ext>
+            </a:extLst>
+          </p:cNvPr>
+          <p:cNvSpPr>
+            <a:spLocks noGrp="1"/>
+          </p:cNvSpPr>
+          <p:nvPr>
+            <p:ph type="body" idx="1"/>
+          </p:nvPr>
+        </p:nvSpPr>
+        <p:spPr/>
+        <p:txBody>
+          <a:bodyPr/>
+          <a:lstStyle/>
+          <a:p>
+            <a:endParaRPr lang="ko-KR" altLang="en-US"/>
+          </a:p>
+        </p:txBody>
+      </p:sp>
+    </p:spTree>
+    <p:extLst>
+      <p:ext uri="{BB962C8B-B14F-4D97-AF65-F5344CB8AC3E}">
+        <p14:creationId xmlns:p14="http://schemas.microsoft.com/office/powerpoint/2010/main" val="2978216602"/>
+      </p:ext>
+    </p:extLst>
+  </p:cSld>
+  <p:clrMapOvr>
+    <a:masterClrMapping/>
+  </p:clrMapOvr>
+</p:notes>
+</file>
+
+<file path=ppt/notesSlides/notesSlide17.xml><?xml version="1.0" encoding="utf-8"?>
+<p:notes xmlns:a="http://schemas.openxmlformats.org/drawingml/2006/main" xmlns:r="http://schemas.openxmlformats.org/officeDocument/2006/relationships" xmlns:p="http://schemas.openxmlformats.org/presentationml/2006/main">
+  <p:cSld>
+    <p:spTree>
+      <p:nvGrpSpPr>
+        <p:cNvPr id="1" name="">
+          <a:extLst>
+            <a:ext uri="{FF2B5EF4-FFF2-40B4-BE49-F238E27FC236}">
+              <a16:creationId xmlns:a16="http://schemas.microsoft.com/office/drawing/2014/main" id="{B46C5369-3E1F-C091-1516-51CC4584E440}"/>
+            </a:ext>
+          </a:extLst>
+        </p:cNvPr>
+        <p:cNvGrpSpPr/>
+        <p:nvPr/>
+      </p:nvGrpSpPr>
+      <p:grpSpPr>
+        <a:xfrm>
+          <a:off x="0" y="0"/>
+          <a:ext cx="0" cy="0"/>
+          <a:chOff x="0" y="0"/>
+          <a:chExt cx="0" cy="0"/>
+        </a:xfrm>
+      </p:grpSpPr>
+      <p:sp>
+        <p:nvSpPr>
+          <p:cNvPr id="2" name="슬라이드 이미지 개체 틀 1">
+            <a:extLst>
+              <a:ext uri="{FF2B5EF4-FFF2-40B4-BE49-F238E27FC236}">
+                <a16:creationId xmlns:a16="http://schemas.microsoft.com/office/drawing/2014/main" id="{86F8664E-2EE1-B59B-DFB3-D239703DDB40}"/>
+              </a:ext>
+            </a:extLst>
+          </p:cNvPr>
+          <p:cNvSpPr>
+            <a:spLocks noGrp="1" noRot="1" noChangeAspect="1"/>
+          </p:cNvSpPr>
+          <p:nvPr>
+            <p:ph type="sldImg"/>
+          </p:nvPr>
+        </p:nvSpPr>
+        <p:spPr/>
+      </p:sp>
+      <p:sp>
+        <p:nvSpPr>
+          <p:cNvPr id="3" name="슬라이드 노트 개체 틀 2">
+            <a:extLst>
+              <a:ext uri="{FF2B5EF4-FFF2-40B4-BE49-F238E27FC236}">
+                <a16:creationId xmlns:a16="http://schemas.microsoft.com/office/drawing/2014/main" id="{F1433833-092A-2B17-35C2-9AD5EB64CE01}"/>
+              </a:ext>
+            </a:extLst>
+          </p:cNvPr>
+          <p:cNvSpPr>
+            <a:spLocks noGrp="1"/>
+          </p:cNvSpPr>
+          <p:nvPr>
+            <p:ph type="body" idx="1"/>
+          </p:nvPr>
+        </p:nvSpPr>
+        <p:spPr/>
+        <p:txBody>
+          <a:bodyPr/>
+          <a:lstStyle/>
+          <a:p>
+            <a:endParaRPr lang="ko-KR" altLang="en-US"/>
+          </a:p>
+        </p:txBody>
+      </p:sp>
+    </p:spTree>
+    <p:extLst>
+      <p:ext uri="{BB962C8B-B14F-4D97-AF65-F5344CB8AC3E}">
+        <p14:creationId xmlns:p14="http://schemas.microsoft.com/office/powerpoint/2010/main" val="256998132"/>
+      </p:ext>
+    </p:extLst>
+  </p:cSld>
+  <p:clrMapOvr>
+    <a:masterClrMapping/>
+  </p:clrMapOvr>
+</p:notes>
+</file>
+
+<file path=ppt/notesSlides/notesSlide18.xml><?xml version="1.0" encoding="utf-8"?>
+<p:notes xmlns:a="http://schemas.openxmlformats.org/drawingml/2006/main" xmlns:r="http://schemas.openxmlformats.org/officeDocument/2006/relationships" xmlns:p="http://schemas.openxmlformats.org/presentationml/2006/main">
+  <p:cSld>
+    <p:spTree>
+      <p:nvGrpSpPr>
+        <p:cNvPr id="1" name="">
+          <a:extLst>
+            <a:ext uri="{FF2B5EF4-FFF2-40B4-BE49-F238E27FC236}">
+              <a16:creationId xmlns:a16="http://schemas.microsoft.com/office/drawing/2014/main" id="{B46C5369-3E1F-C091-1516-51CC4584E440}"/>
+            </a:ext>
+          </a:extLst>
+        </p:cNvPr>
+        <p:cNvGrpSpPr/>
+        <p:nvPr/>
+      </p:nvGrpSpPr>
+      <p:grpSpPr>
+        <a:xfrm>
+          <a:off x="0" y="0"/>
+          <a:ext cx="0" cy="0"/>
+          <a:chOff x="0" y="0"/>
+          <a:chExt cx="0" cy="0"/>
+        </a:xfrm>
+      </p:grpSpPr>
+      <p:sp>
+        <p:nvSpPr>
+          <p:cNvPr id="2" name="슬라이드 이미지 개체 틀 1">
+            <a:extLst>
+              <a:ext uri="{FF2B5EF4-FFF2-40B4-BE49-F238E27FC236}">
+                <a16:creationId xmlns:a16="http://schemas.microsoft.com/office/drawing/2014/main" id="{86F8664E-2EE1-B59B-DFB3-D239703DDB40}"/>
+              </a:ext>
+            </a:extLst>
+          </p:cNvPr>
+          <p:cNvSpPr>
+            <a:spLocks noGrp="1" noRot="1" noChangeAspect="1"/>
+          </p:cNvSpPr>
+          <p:nvPr>
+            <p:ph type="sldImg"/>
+          </p:nvPr>
+        </p:nvSpPr>
+        <p:spPr/>
+      </p:sp>
+      <p:sp>
+        <p:nvSpPr>
+          <p:cNvPr id="3" name="슬라이드 노트 개체 틀 2">
+            <a:extLst>
+              <a:ext uri="{FF2B5EF4-FFF2-40B4-BE49-F238E27FC236}">
+                <a16:creationId xmlns:a16="http://schemas.microsoft.com/office/drawing/2014/main" id="{F1433833-092A-2B17-35C2-9AD5EB64CE01}"/>
+              </a:ext>
+            </a:extLst>
+          </p:cNvPr>
+          <p:cNvSpPr>
+            <a:spLocks noGrp="1"/>
+          </p:cNvSpPr>
+          <p:nvPr>
+            <p:ph type="body" idx="1"/>
+          </p:nvPr>
+        </p:nvSpPr>
+        <p:spPr/>
+        <p:txBody>
+          <a:bodyPr/>
+          <a:lstStyle/>
+          <a:p>
+            <a:endParaRPr lang="ko-KR" altLang="en-US"/>
+          </a:p>
+        </p:txBody>
+      </p:sp>
+    </p:spTree>
+    <p:extLst>
+      <p:ext uri="{BB962C8B-B14F-4D97-AF65-F5344CB8AC3E}">
+        <p14:creationId xmlns:p14="http://schemas.microsoft.com/office/powerpoint/2010/main" val="2394152705"/>
+      </p:ext>
+    </p:extLst>
+  </p:cSld>
+  <p:clrMapOvr>
+    <a:masterClrMapping/>
+  </p:clrMapOvr>
+</p:notes>
+</file>
+
+<file path=ppt/notesSlides/notesSlide19.xml><?xml version="1.0" encoding="utf-8"?>
+<p:notes xmlns:a="http://schemas.openxmlformats.org/drawingml/2006/main" xmlns:r="http://schemas.openxmlformats.org/officeDocument/2006/relationships" xmlns:p="http://schemas.openxmlformats.org/presentationml/2006/main">
+  <p:cSld>
+    <p:spTree>
+      <p:nvGrpSpPr>
+        <p:cNvPr id="1" name="">
+          <a:extLst>
+            <a:ext uri="{FF2B5EF4-FFF2-40B4-BE49-F238E27FC236}">
+              <a16:creationId xmlns:a16="http://schemas.microsoft.com/office/drawing/2014/main" id="{B46C5369-3E1F-C091-1516-51CC4584E440}"/>
+            </a:ext>
+          </a:extLst>
+        </p:cNvPr>
+        <p:cNvGrpSpPr/>
+        <p:nvPr/>
+      </p:nvGrpSpPr>
+      <p:grpSpPr>
+        <a:xfrm>
+          <a:off x="0" y="0"/>
+          <a:ext cx="0" cy="0"/>
+          <a:chOff x="0" y="0"/>
+          <a:chExt cx="0" cy="0"/>
+        </a:xfrm>
+      </p:grpSpPr>
+      <p:sp>
+        <p:nvSpPr>
+          <p:cNvPr id="2" name="슬라이드 이미지 개체 틀 1">
+            <a:extLst>
+              <a:ext uri="{FF2B5EF4-FFF2-40B4-BE49-F238E27FC236}">
+                <a16:creationId xmlns:a16="http://schemas.microsoft.com/office/drawing/2014/main" id="{86F8664E-2EE1-B59B-DFB3-D239703DDB40}"/>
+              </a:ext>
+            </a:extLst>
+          </p:cNvPr>
+          <p:cNvSpPr>
+            <a:spLocks noGrp="1" noRot="1" noChangeAspect="1"/>
+          </p:cNvSpPr>
+          <p:nvPr>
+            <p:ph type="sldImg"/>
+          </p:nvPr>
+        </p:nvSpPr>
+        <p:spPr/>
+      </p:sp>
+      <p:sp>
+        <p:nvSpPr>
+          <p:cNvPr id="3" name="슬라이드 노트 개체 틀 2">
+            <a:extLst>
+              <a:ext uri="{FF2B5EF4-FFF2-40B4-BE49-F238E27FC236}">
+                <a16:creationId xmlns:a16="http://schemas.microsoft.com/office/drawing/2014/main" id="{F1433833-092A-2B17-35C2-9AD5EB64CE01}"/>
+              </a:ext>
+            </a:extLst>
+          </p:cNvPr>
+          <p:cNvSpPr>
+            <a:spLocks noGrp="1"/>
+          </p:cNvSpPr>
+          <p:nvPr>
+            <p:ph type="body" idx="1"/>
+          </p:nvPr>
+        </p:nvSpPr>
+        <p:spPr/>
+        <p:txBody>
+          <a:bodyPr/>
+          <a:lstStyle/>
+          <a:p>
+            <a:endParaRPr lang="ko-KR" altLang="en-US"/>
+          </a:p>
+        </p:txBody>
+      </p:sp>
+    </p:spTree>
+    <p:extLst>
+      <p:ext uri="{BB962C8B-B14F-4D97-AF65-F5344CB8AC3E}">
+        <p14:creationId xmlns:p14="http://schemas.microsoft.com/office/powerpoint/2010/main" val="17297163"/>
+      </p:ext>
+    </p:extLst>
+  </p:cSld>
+  <p:clrMapOvr>
+    <a:masterClrMapping/>
+  </p:clrMapOvr>
+</p:notes>
+</file>
+
 <file path=ppt/notesSlides/notesSlide2.xml><?xml version="1.0" encoding="utf-8"?>
 <p:notes xmlns:a="http://schemas.openxmlformats.org/drawingml/2006/main" xmlns:r="http://schemas.openxmlformats.org/officeDocument/2006/relationships" xmlns:p="http://schemas.openxmlformats.org/presentationml/2006/main">
   <p:cSld>
@@ -1256,7 +2057,86 @@
     </p:spTree>
     <p:extLst>
       <p:ext uri="{BB962C8B-B14F-4D97-AF65-F5344CB8AC3E}">
-        <p14:creationId xmlns:p14="http://schemas.microsoft.com/office/powerpoint/2010/main" val="17297163"/>
+        <p14:creationId xmlns:p14="http://schemas.microsoft.com/office/powerpoint/2010/main" val="2530711861"/>
+      </p:ext>
+    </p:extLst>
+  </p:cSld>
+  <p:clrMapOvr>
+    <a:masterClrMapping/>
+  </p:clrMapOvr>
+</p:notes>
+</file>
+
+<file path=ppt/notesSlides/notesSlide9.xml><?xml version="1.0" encoding="utf-8"?>
+<p:notes xmlns:a="http://schemas.openxmlformats.org/drawingml/2006/main" xmlns:r="http://schemas.openxmlformats.org/officeDocument/2006/relationships" xmlns:p="http://schemas.openxmlformats.org/presentationml/2006/main">
+  <p:cSld>
+    <p:spTree>
+      <p:nvGrpSpPr>
+        <p:cNvPr id="1" name="">
+          <a:extLst>
+            <a:ext uri="{FF2B5EF4-FFF2-40B4-BE49-F238E27FC236}">
+              <a16:creationId xmlns:a16="http://schemas.microsoft.com/office/drawing/2014/main" id="{B46C5369-3E1F-C091-1516-51CC4584E440}"/>
+            </a:ext>
+          </a:extLst>
+        </p:cNvPr>
+        <p:cNvGrpSpPr/>
+        <p:nvPr/>
+      </p:nvGrpSpPr>
+      <p:grpSpPr>
+        <a:xfrm>
+          <a:off x="0" y="0"/>
+          <a:ext cx="0" cy="0"/>
+          <a:chOff x="0" y="0"/>
+          <a:chExt cx="0" cy="0"/>
+        </a:xfrm>
+      </p:grpSpPr>
+      <p:sp>
+        <p:nvSpPr>
+          <p:cNvPr id="2" name="슬라이드 이미지 개체 틀 1">
+            <a:extLst>
+              <a:ext uri="{FF2B5EF4-FFF2-40B4-BE49-F238E27FC236}">
+                <a16:creationId xmlns:a16="http://schemas.microsoft.com/office/drawing/2014/main" id="{86F8664E-2EE1-B59B-DFB3-D239703DDB40}"/>
+              </a:ext>
+            </a:extLst>
+          </p:cNvPr>
+          <p:cNvSpPr>
+            <a:spLocks noGrp="1" noRot="1" noChangeAspect="1"/>
+          </p:cNvSpPr>
+          <p:nvPr>
+            <p:ph type="sldImg"/>
+          </p:nvPr>
+        </p:nvSpPr>
+        <p:spPr/>
+      </p:sp>
+      <p:sp>
+        <p:nvSpPr>
+          <p:cNvPr id="3" name="슬라이드 노트 개체 틀 2">
+            <a:extLst>
+              <a:ext uri="{FF2B5EF4-FFF2-40B4-BE49-F238E27FC236}">
+                <a16:creationId xmlns:a16="http://schemas.microsoft.com/office/drawing/2014/main" id="{F1433833-092A-2B17-35C2-9AD5EB64CE01}"/>
+              </a:ext>
+            </a:extLst>
+          </p:cNvPr>
+          <p:cNvSpPr>
+            <a:spLocks noGrp="1"/>
+          </p:cNvSpPr>
+          <p:nvPr>
+            <p:ph type="body" idx="1"/>
+          </p:nvPr>
+        </p:nvSpPr>
+        <p:spPr/>
+        <p:txBody>
+          <a:bodyPr/>
+          <a:lstStyle/>
+          <a:p>
+            <a:endParaRPr lang="ko-KR" altLang="en-US"/>
+          </a:p>
+        </p:txBody>
+      </p:sp>
+    </p:spTree>
+    <p:extLst>
+      <p:ext uri="{BB962C8B-B14F-4D97-AF65-F5344CB8AC3E}">
+        <p14:creationId xmlns:p14="http://schemas.microsoft.com/office/powerpoint/2010/main" val="3077633936"/>
       </p:ext>
     </p:extLst>
   </p:cSld>
@@ -1454,7 +2334,7 @@
           <a:p>
             <a:fld id="{EB123EF1-6E1E-49A8-89C7-5D842E70784B}" type="datetime1">
               <a:rPr lang="ko-KR" altLang="en-US" smtClean="0"/>
-              <a:t>2025-11-23</a:t>
+              <a:t>2025-11-24</a:t>
             </a:fld>
             <a:endParaRPr lang="ko-KR" altLang="en-US"/>
           </a:p>
@@ -1749,7 +2629,7 @@
           <a:p>
             <a:fld id="{5C89D9B9-AAC4-4186-832C-ACCB8141D63A}" type="datetime1">
               <a:rPr lang="ko-KR" altLang="en-US" smtClean="0"/>
-              <a:t>2025-11-23</a:t>
+              <a:t>2025-11-24</a:t>
             </a:fld>
             <a:endParaRPr lang="ko-KR" altLang="en-US"/>
           </a:p>
@@ -2049,7 +2929,7 @@
           <a:p>
             <a:fld id="{5C89D9B9-AAC4-4186-832C-ACCB8141D63A}" type="datetime1">
               <a:rPr lang="ko-KR" altLang="en-US" smtClean="0"/>
-              <a:t>2025-11-23</a:t>
+              <a:t>2025-11-24</a:t>
             </a:fld>
             <a:endParaRPr lang="ko-KR" altLang="en-US"/>
           </a:p>
@@ -2177,7 +3057,7 @@
           <a:p>
             <a:fld id="{3B6FB339-8C5D-44DF-A368-296A032EEE0C}" type="datetime1">
               <a:rPr lang="ko-KR" altLang="en-US" smtClean="0"/>
-              <a:t>2025-11-23</a:t>
+              <a:t>2025-11-24</a:t>
             </a:fld>
             <a:endParaRPr lang="ko-KR" altLang="en-US"/>
           </a:p>
@@ -2730,6 +3610,5803 @@
 </p:sld>
 </file>
 
+<file path=ppt/slides/slide10.xml><?xml version="1.0" encoding="utf-8"?>
+<p:sld xmlns:a="http://schemas.openxmlformats.org/drawingml/2006/main" xmlns:r="http://schemas.openxmlformats.org/officeDocument/2006/relationships" xmlns:p="http://schemas.openxmlformats.org/presentationml/2006/main">
+  <p:cSld>
+    <p:spTree>
+      <p:nvGrpSpPr>
+        <p:cNvPr id="1" name="">
+          <a:extLst>
+            <a:ext uri="{FF2B5EF4-FFF2-40B4-BE49-F238E27FC236}">
+              <a16:creationId xmlns:a16="http://schemas.microsoft.com/office/drawing/2014/main" id="{E871697D-9580-B24A-F1FC-3CF451DEE104}"/>
+            </a:ext>
+          </a:extLst>
+        </p:cNvPr>
+        <p:cNvGrpSpPr/>
+        <p:nvPr/>
+      </p:nvGrpSpPr>
+      <p:grpSpPr>
+        <a:xfrm>
+          <a:off x="0" y="0"/>
+          <a:ext cx="0" cy="0"/>
+          <a:chOff x="0" y="0"/>
+          <a:chExt cx="0" cy="0"/>
+        </a:xfrm>
+      </p:grpSpPr>
+      <p:pic>
+        <p:nvPicPr>
+          <p:cNvPr id="7" name="Picture 6">
+            <a:extLst>
+              <a:ext uri="{FF2B5EF4-FFF2-40B4-BE49-F238E27FC236}">
+                <a16:creationId xmlns:a16="http://schemas.microsoft.com/office/drawing/2014/main" id="{D7945CC2-28F9-4A66-91B1-DC51417A1360}"/>
+              </a:ext>
+            </a:extLst>
+          </p:cNvPr>
+          <p:cNvPicPr>
+            <a:picLocks noChangeAspect="1"/>
+          </p:cNvPicPr>
+          <p:nvPr/>
+        </p:nvPicPr>
+        <p:blipFill>
+          <a:blip r:embed="rId3">
+            <a:extLst>
+              <a:ext uri="{28A0092B-C50C-407E-A947-70E740481C1C}">
+                <a14:useLocalDpi xmlns:a14="http://schemas.microsoft.com/office/drawing/2010/main" val="0"/>
+              </a:ext>
+            </a:extLst>
+          </a:blip>
+          <a:stretch>
+            <a:fillRect/>
+          </a:stretch>
+        </p:blipFill>
+        <p:spPr>
+          <a:xfrm>
+            <a:off x="9372917" y="-107801"/>
+            <a:ext cx="1571625" cy="747713"/>
+          </a:xfrm>
+          <a:prstGeom prst="rect">
+            <a:avLst/>
+          </a:prstGeom>
+        </p:spPr>
+      </p:pic>
+      <p:sp>
+        <p:nvSpPr>
+          <p:cNvPr id="64" name="슬라이드 번호 개체 틀 2">
+            <a:extLst>
+              <a:ext uri="{FF2B5EF4-FFF2-40B4-BE49-F238E27FC236}">
+                <a16:creationId xmlns:a16="http://schemas.microsoft.com/office/drawing/2014/main" id="{E24F6677-9527-B590-58C4-88BA25798912}"/>
+              </a:ext>
+            </a:extLst>
+          </p:cNvPr>
+          <p:cNvSpPr txBox="1">
+            <a:spLocks/>
+          </p:cNvSpPr>
+          <p:nvPr/>
+        </p:nvSpPr>
+        <p:spPr>
+          <a:xfrm>
+            <a:off x="7925012" y="7042731"/>
+            <a:ext cx="2495127" cy="402567"/>
+          </a:xfrm>
+          <a:prstGeom prst="rect">
+            <a:avLst/>
+          </a:prstGeom>
+        </p:spPr>
+        <p:txBody>
+          <a:bodyPr vert="horz" lIns="99569" tIns="49785" rIns="99569" bIns="49785" rtlCol="0" anchor="ctr"/>
+          <a:lstStyle>
+            <a:defPPr>
+              <a:defRPr lang="ko-KR"/>
+            </a:defPPr>
+            <a:lvl1pPr marL="0" algn="r" defTabSz="995690" rtl="0" eaLnBrk="1" latinLnBrk="1" hangingPunct="1">
+              <a:defRPr sz="1300" kern="1200">
+                <a:solidFill>
+                  <a:schemeClr val="tx1">
+                    <a:tint val="75000"/>
+                  </a:schemeClr>
+                </a:solidFill>
+                <a:latin typeface="+mn-lt"/>
+                <a:ea typeface="+mn-ea"/>
+                <a:cs typeface="+mn-cs"/>
+              </a:defRPr>
+            </a:lvl1pPr>
+            <a:lvl2pPr marL="497845" algn="l" defTabSz="995690" rtl="0" eaLnBrk="1" latinLnBrk="1" hangingPunct="1">
+              <a:defRPr sz="2000" kern="1200">
+                <a:solidFill>
+                  <a:schemeClr val="tx1"/>
+                </a:solidFill>
+                <a:latin typeface="+mn-lt"/>
+                <a:ea typeface="+mn-ea"/>
+                <a:cs typeface="+mn-cs"/>
+              </a:defRPr>
+            </a:lvl2pPr>
+            <a:lvl3pPr marL="995690" algn="l" defTabSz="995690" rtl="0" eaLnBrk="1" latinLnBrk="1" hangingPunct="1">
+              <a:defRPr sz="2000" kern="1200">
+                <a:solidFill>
+                  <a:schemeClr val="tx1"/>
+                </a:solidFill>
+                <a:latin typeface="+mn-lt"/>
+                <a:ea typeface="+mn-ea"/>
+                <a:cs typeface="+mn-cs"/>
+              </a:defRPr>
+            </a:lvl3pPr>
+            <a:lvl4pPr marL="1493535" algn="l" defTabSz="995690" rtl="0" eaLnBrk="1" latinLnBrk="1" hangingPunct="1">
+              <a:defRPr sz="2000" kern="1200">
+                <a:solidFill>
+                  <a:schemeClr val="tx1"/>
+                </a:solidFill>
+                <a:latin typeface="+mn-lt"/>
+                <a:ea typeface="+mn-ea"/>
+                <a:cs typeface="+mn-cs"/>
+              </a:defRPr>
+            </a:lvl4pPr>
+            <a:lvl5pPr marL="1991380" algn="l" defTabSz="995690" rtl="0" eaLnBrk="1" latinLnBrk="1" hangingPunct="1">
+              <a:defRPr sz="2000" kern="1200">
+                <a:solidFill>
+                  <a:schemeClr val="tx1"/>
+                </a:solidFill>
+                <a:latin typeface="+mn-lt"/>
+                <a:ea typeface="+mn-ea"/>
+                <a:cs typeface="+mn-cs"/>
+              </a:defRPr>
+            </a:lvl5pPr>
+            <a:lvl6pPr marL="2489225" algn="l" defTabSz="995690" rtl="0" eaLnBrk="1" latinLnBrk="1" hangingPunct="1">
+              <a:defRPr sz="2000" kern="1200">
+                <a:solidFill>
+                  <a:schemeClr val="tx1"/>
+                </a:solidFill>
+                <a:latin typeface="+mn-lt"/>
+                <a:ea typeface="+mn-ea"/>
+                <a:cs typeface="+mn-cs"/>
+              </a:defRPr>
+            </a:lvl6pPr>
+            <a:lvl7pPr marL="2987070" algn="l" defTabSz="995690" rtl="0" eaLnBrk="1" latinLnBrk="1" hangingPunct="1">
+              <a:defRPr sz="2000" kern="1200">
+                <a:solidFill>
+                  <a:schemeClr val="tx1"/>
+                </a:solidFill>
+                <a:latin typeface="+mn-lt"/>
+                <a:ea typeface="+mn-ea"/>
+                <a:cs typeface="+mn-cs"/>
+              </a:defRPr>
+            </a:lvl7pPr>
+            <a:lvl8pPr marL="3484916" algn="l" defTabSz="995690" rtl="0" eaLnBrk="1" latinLnBrk="1" hangingPunct="1">
+              <a:defRPr sz="2000" kern="1200">
+                <a:solidFill>
+                  <a:schemeClr val="tx1"/>
+                </a:solidFill>
+                <a:latin typeface="+mn-lt"/>
+                <a:ea typeface="+mn-ea"/>
+                <a:cs typeface="+mn-cs"/>
+              </a:defRPr>
+            </a:lvl8pPr>
+            <a:lvl9pPr marL="3982761" algn="l" defTabSz="995690" rtl="0" eaLnBrk="1" latinLnBrk="1" hangingPunct="1">
+              <a:defRPr sz="2000" kern="1200">
+                <a:solidFill>
+                  <a:schemeClr val="tx1"/>
+                </a:solidFill>
+                <a:latin typeface="+mn-lt"/>
+                <a:ea typeface="+mn-ea"/>
+                <a:cs typeface="+mn-cs"/>
+              </a:defRPr>
+            </a:lvl9pPr>
+          </a:lstStyle>
+          <a:p>
+            <a:fld id="{1B597EC8-03FB-421D-BA76-5865596B8B77}" type="slidenum">
+              <a:rPr lang="ko-KR" altLang="en-US" smtClean="0"/>
+              <a:pPr/>
+              <a:t>9</a:t>
+            </a:fld>
+            <a:endParaRPr lang="ko-KR" altLang="en-US" dirty="0"/>
+          </a:p>
+        </p:txBody>
+      </p:sp>
+      <p:sp>
+        <p:nvSpPr>
+          <p:cNvPr id="2" name="TextBox 1">
+            <a:extLst>
+              <a:ext uri="{FF2B5EF4-FFF2-40B4-BE49-F238E27FC236}">
+                <a16:creationId xmlns:a16="http://schemas.microsoft.com/office/drawing/2014/main" id="{E03D9315-840B-297E-6DF5-E7088C14CDC7}"/>
+              </a:ext>
+            </a:extLst>
+          </p:cNvPr>
+          <p:cNvSpPr txBox="1"/>
+          <p:nvPr/>
+        </p:nvSpPr>
+        <p:spPr>
+          <a:xfrm>
+            <a:off x="162124" y="115965"/>
+            <a:ext cx="8327848" cy="589072"/>
+          </a:xfrm>
+          <a:prstGeom prst="rect">
+            <a:avLst/>
+          </a:prstGeom>
+          <a:noFill/>
+        </p:spPr>
+        <p:txBody>
+          <a:bodyPr wrap="square" rtlCol="0">
+            <a:spAutoFit/>
+          </a:bodyPr>
+          <a:lstStyle/>
+          <a:p>
+            <a:pPr>
+              <a:lnSpc>
+                <a:spcPct val="150000"/>
+              </a:lnSpc>
+            </a:pPr>
+            <a:r>
+              <a:rPr lang="en-US" altLang="ko-KR" sz="2400" dirty="0">
+                <a:solidFill>
+                  <a:schemeClr val="accent6"/>
+                </a:solidFill>
+                <a:latin typeface="Caladea"/>
+                <a:ea typeface="HY견고딕" pitchFamily="18" charset="-127"/>
+              </a:rPr>
+              <a:t>UBFC: Vid_14 </a:t>
+            </a:r>
+          </a:p>
+        </p:txBody>
+      </p:sp>
+      <p:sp>
+        <p:nvSpPr>
+          <p:cNvPr id="15" name="AutoShape 4" descr="Output image">
+            <a:extLst>
+              <a:ext uri="{FF2B5EF4-FFF2-40B4-BE49-F238E27FC236}">
+                <a16:creationId xmlns:a16="http://schemas.microsoft.com/office/drawing/2014/main" id="{6D6FBE01-F851-694A-905C-7E34796C12B4}"/>
+              </a:ext>
+            </a:extLst>
+          </p:cNvPr>
+          <p:cNvSpPr>
+            <a:spLocks noChangeAspect="1" noChangeArrowheads="1"/>
+          </p:cNvSpPr>
+          <p:nvPr/>
+        </p:nvSpPr>
+        <p:spPr bwMode="auto">
+          <a:xfrm>
+            <a:off x="190500" y="152400"/>
+            <a:ext cx="10617200" cy="7561263"/>
+          </a:xfrm>
+          <a:prstGeom prst="rect">
+            <a:avLst/>
+          </a:prstGeom>
+          <a:noFill/>
+          <a:extLst>
+            <a:ext uri="{909E8E84-426E-40DD-AFC4-6F175D3DCCD1}">
+              <a14:hiddenFill xmlns:a14="http://schemas.microsoft.com/office/drawing/2010/main">
+                <a:solidFill>
+                  <a:srgbClr val="FFFFFF"/>
+                </a:solidFill>
+              </a14:hiddenFill>
+            </a:ext>
+          </a:extLst>
+        </p:spPr>
+        <p:txBody>
+          <a:bodyPr vert="horz" wrap="square" lIns="91440" tIns="45720" rIns="91440" bIns="45720" numCol="1" anchor="t" anchorCtr="0" compatLnSpc="1">
+            <a:prstTxWarp prst="textNoShape">
+              <a:avLst/>
+            </a:prstTxWarp>
+          </a:bodyPr>
+          <a:lstStyle/>
+          <a:p>
+            <a:endParaRPr lang="en-US"/>
+          </a:p>
+        </p:txBody>
+      </p:sp>
+      <p:pic>
+        <p:nvPicPr>
+          <p:cNvPr id="5" name="Picture 4">
+            <a:extLst>
+              <a:ext uri="{FF2B5EF4-FFF2-40B4-BE49-F238E27FC236}">
+                <a16:creationId xmlns:a16="http://schemas.microsoft.com/office/drawing/2014/main" id="{772A26C4-9842-E21A-6886-F2E727C38B98}"/>
+              </a:ext>
+            </a:extLst>
+          </p:cNvPr>
+          <p:cNvPicPr>
+            <a:picLocks noChangeAspect="1"/>
+          </p:cNvPicPr>
+          <p:nvPr/>
+        </p:nvPicPr>
+        <p:blipFill>
+          <a:blip r:embed="rId4">
+            <a:extLst>
+              <a:ext uri="{28A0092B-C50C-407E-A947-70E740481C1C}">
+                <a14:useLocalDpi xmlns:a14="http://schemas.microsoft.com/office/drawing/2010/main" val="0"/>
+              </a:ext>
+            </a:extLst>
+          </a:blip>
+          <a:stretch>
+            <a:fillRect/>
+          </a:stretch>
+        </p:blipFill>
+        <p:spPr>
+          <a:xfrm>
+            <a:off x="738188" y="965238"/>
+            <a:ext cx="8974050" cy="3299283"/>
+          </a:xfrm>
+          <a:prstGeom prst="rect">
+            <a:avLst/>
+          </a:prstGeom>
+        </p:spPr>
+      </p:pic>
+    </p:spTree>
+    <p:extLst>
+      <p:ext uri="{BB962C8B-B14F-4D97-AF65-F5344CB8AC3E}">
+        <p14:creationId xmlns:p14="http://schemas.microsoft.com/office/powerpoint/2010/main" val="780373091"/>
+      </p:ext>
+    </p:extLst>
+  </p:cSld>
+  <p:clrMapOvr>
+    <a:masterClrMapping/>
+  </p:clrMapOvr>
+</p:sld>
+</file>
+
+<file path=ppt/slides/slide11.xml><?xml version="1.0" encoding="utf-8"?>
+<p:sld xmlns:a="http://schemas.openxmlformats.org/drawingml/2006/main" xmlns:r="http://schemas.openxmlformats.org/officeDocument/2006/relationships" xmlns:p="http://schemas.openxmlformats.org/presentationml/2006/main">
+  <p:cSld>
+    <p:spTree>
+      <p:nvGrpSpPr>
+        <p:cNvPr id="1" name="">
+          <a:extLst>
+            <a:ext uri="{FF2B5EF4-FFF2-40B4-BE49-F238E27FC236}">
+              <a16:creationId xmlns:a16="http://schemas.microsoft.com/office/drawing/2014/main" id="{E871697D-9580-B24A-F1FC-3CF451DEE104}"/>
+            </a:ext>
+          </a:extLst>
+        </p:cNvPr>
+        <p:cNvGrpSpPr/>
+        <p:nvPr/>
+      </p:nvGrpSpPr>
+      <p:grpSpPr>
+        <a:xfrm>
+          <a:off x="0" y="0"/>
+          <a:ext cx="0" cy="0"/>
+          <a:chOff x="0" y="0"/>
+          <a:chExt cx="0" cy="0"/>
+        </a:xfrm>
+      </p:grpSpPr>
+      <p:pic>
+        <p:nvPicPr>
+          <p:cNvPr id="7" name="Picture 6">
+            <a:extLst>
+              <a:ext uri="{FF2B5EF4-FFF2-40B4-BE49-F238E27FC236}">
+                <a16:creationId xmlns:a16="http://schemas.microsoft.com/office/drawing/2014/main" id="{D7945CC2-28F9-4A66-91B1-DC51417A1360}"/>
+              </a:ext>
+            </a:extLst>
+          </p:cNvPr>
+          <p:cNvPicPr>
+            <a:picLocks noChangeAspect="1"/>
+          </p:cNvPicPr>
+          <p:nvPr/>
+        </p:nvPicPr>
+        <p:blipFill>
+          <a:blip r:embed="rId3">
+            <a:extLst>
+              <a:ext uri="{28A0092B-C50C-407E-A947-70E740481C1C}">
+                <a14:useLocalDpi xmlns:a14="http://schemas.microsoft.com/office/drawing/2010/main" val="0"/>
+              </a:ext>
+            </a:extLst>
+          </a:blip>
+          <a:stretch>
+            <a:fillRect/>
+          </a:stretch>
+        </p:blipFill>
+        <p:spPr>
+          <a:xfrm>
+            <a:off x="9372917" y="-107801"/>
+            <a:ext cx="1571625" cy="747713"/>
+          </a:xfrm>
+          <a:prstGeom prst="rect">
+            <a:avLst/>
+          </a:prstGeom>
+        </p:spPr>
+      </p:pic>
+      <p:sp>
+        <p:nvSpPr>
+          <p:cNvPr id="64" name="슬라이드 번호 개체 틀 2">
+            <a:extLst>
+              <a:ext uri="{FF2B5EF4-FFF2-40B4-BE49-F238E27FC236}">
+                <a16:creationId xmlns:a16="http://schemas.microsoft.com/office/drawing/2014/main" id="{E24F6677-9527-B590-58C4-88BA25798912}"/>
+              </a:ext>
+            </a:extLst>
+          </p:cNvPr>
+          <p:cNvSpPr txBox="1">
+            <a:spLocks/>
+          </p:cNvSpPr>
+          <p:nvPr/>
+        </p:nvSpPr>
+        <p:spPr>
+          <a:xfrm>
+            <a:off x="7925012" y="7042731"/>
+            <a:ext cx="2495127" cy="402567"/>
+          </a:xfrm>
+          <a:prstGeom prst="rect">
+            <a:avLst/>
+          </a:prstGeom>
+        </p:spPr>
+        <p:txBody>
+          <a:bodyPr vert="horz" lIns="99569" tIns="49785" rIns="99569" bIns="49785" rtlCol="0" anchor="ctr"/>
+          <a:lstStyle>
+            <a:defPPr>
+              <a:defRPr lang="ko-KR"/>
+            </a:defPPr>
+            <a:lvl1pPr marL="0" algn="r" defTabSz="995690" rtl="0" eaLnBrk="1" latinLnBrk="1" hangingPunct="1">
+              <a:defRPr sz="1300" kern="1200">
+                <a:solidFill>
+                  <a:schemeClr val="tx1">
+                    <a:tint val="75000"/>
+                  </a:schemeClr>
+                </a:solidFill>
+                <a:latin typeface="+mn-lt"/>
+                <a:ea typeface="+mn-ea"/>
+                <a:cs typeface="+mn-cs"/>
+              </a:defRPr>
+            </a:lvl1pPr>
+            <a:lvl2pPr marL="497845" algn="l" defTabSz="995690" rtl="0" eaLnBrk="1" latinLnBrk="1" hangingPunct="1">
+              <a:defRPr sz="2000" kern="1200">
+                <a:solidFill>
+                  <a:schemeClr val="tx1"/>
+                </a:solidFill>
+                <a:latin typeface="+mn-lt"/>
+                <a:ea typeface="+mn-ea"/>
+                <a:cs typeface="+mn-cs"/>
+              </a:defRPr>
+            </a:lvl2pPr>
+            <a:lvl3pPr marL="995690" algn="l" defTabSz="995690" rtl="0" eaLnBrk="1" latinLnBrk="1" hangingPunct="1">
+              <a:defRPr sz="2000" kern="1200">
+                <a:solidFill>
+                  <a:schemeClr val="tx1"/>
+                </a:solidFill>
+                <a:latin typeface="+mn-lt"/>
+                <a:ea typeface="+mn-ea"/>
+                <a:cs typeface="+mn-cs"/>
+              </a:defRPr>
+            </a:lvl3pPr>
+            <a:lvl4pPr marL="1493535" algn="l" defTabSz="995690" rtl="0" eaLnBrk="1" latinLnBrk="1" hangingPunct="1">
+              <a:defRPr sz="2000" kern="1200">
+                <a:solidFill>
+                  <a:schemeClr val="tx1"/>
+                </a:solidFill>
+                <a:latin typeface="+mn-lt"/>
+                <a:ea typeface="+mn-ea"/>
+                <a:cs typeface="+mn-cs"/>
+              </a:defRPr>
+            </a:lvl4pPr>
+            <a:lvl5pPr marL="1991380" algn="l" defTabSz="995690" rtl="0" eaLnBrk="1" latinLnBrk="1" hangingPunct="1">
+              <a:defRPr sz="2000" kern="1200">
+                <a:solidFill>
+                  <a:schemeClr val="tx1"/>
+                </a:solidFill>
+                <a:latin typeface="+mn-lt"/>
+                <a:ea typeface="+mn-ea"/>
+                <a:cs typeface="+mn-cs"/>
+              </a:defRPr>
+            </a:lvl5pPr>
+            <a:lvl6pPr marL="2489225" algn="l" defTabSz="995690" rtl="0" eaLnBrk="1" latinLnBrk="1" hangingPunct="1">
+              <a:defRPr sz="2000" kern="1200">
+                <a:solidFill>
+                  <a:schemeClr val="tx1"/>
+                </a:solidFill>
+                <a:latin typeface="+mn-lt"/>
+                <a:ea typeface="+mn-ea"/>
+                <a:cs typeface="+mn-cs"/>
+              </a:defRPr>
+            </a:lvl6pPr>
+            <a:lvl7pPr marL="2987070" algn="l" defTabSz="995690" rtl="0" eaLnBrk="1" latinLnBrk="1" hangingPunct="1">
+              <a:defRPr sz="2000" kern="1200">
+                <a:solidFill>
+                  <a:schemeClr val="tx1"/>
+                </a:solidFill>
+                <a:latin typeface="+mn-lt"/>
+                <a:ea typeface="+mn-ea"/>
+                <a:cs typeface="+mn-cs"/>
+              </a:defRPr>
+            </a:lvl7pPr>
+            <a:lvl8pPr marL="3484916" algn="l" defTabSz="995690" rtl="0" eaLnBrk="1" latinLnBrk="1" hangingPunct="1">
+              <a:defRPr sz="2000" kern="1200">
+                <a:solidFill>
+                  <a:schemeClr val="tx1"/>
+                </a:solidFill>
+                <a:latin typeface="+mn-lt"/>
+                <a:ea typeface="+mn-ea"/>
+                <a:cs typeface="+mn-cs"/>
+              </a:defRPr>
+            </a:lvl8pPr>
+            <a:lvl9pPr marL="3982761" algn="l" defTabSz="995690" rtl="0" eaLnBrk="1" latinLnBrk="1" hangingPunct="1">
+              <a:defRPr sz="2000" kern="1200">
+                <a:solidFill>
+                  <a:schemeClr val="tx1"/>
+                </a:solidFill>
+                <a:latin typeface="+mn-lt"/>
+                <a:ea typeface="+mn-ea"/>
+                <a:cs typeface="+mn-cs"/>
+              </a:defRPr>
+            </a:lvl9pPr>
+          </a:lstStyle>
+          <a:p>
+            <a:fld id="{1B597EC8-03FB-421D-BA76-5865596B8B77}" type="slidenum">
+              <a:rPr lang="ko-KR" altLang="en-US" smtClean="0"/>
+              <a:pPr/>
+              <a:t>10</a:t>
+            </a:fld>
+            <a:endParaRPr lang="ko-KR" altLang="en-US" dirty="0"/>
+          </a:p>
+        </p:txBody>
+      </p:sp>
+      <p:sp>
+        <p:nvSpPr>
+          <p:cNvPr id="2" name="TextBox 1">
+            <a:extLst>
+              <a:ext uri="{FF2B5EF4-FFF2-40B4-BE49-F238E27FC236}">
+                <a16:creationId xmlns:a16="http://schemas.microsoft.com/office/drawing/2014/main" id="{E03D9315-840B-297E-6DF5-E7088C14CDC7}"/>
+              </a:ext>
+            </a:extLst>
+          </p:cNvPr>
+          <p:cNvSpPr txBox="1"/>
+          <p:nvPr/>
+        </p:nvSpPr>
+        <p:spPr>
+          <a:xfrm>
+            <a:off x="162124" y="115965"/>
+            <a:ext cx="8327848" cy="589072"/>
+          </a:xfrm>
+          <a:prstGeom prst="rect">
+            <a:avLst/>
+          </a:prstGeom>
+          <a:noFill/>
+        </p:spPr>
+        <p:txBody>
+          <a:bodyPr wrap="square" rtlCol="0">
+            <a:spAutoFit/>
+          </a:bodyPr>
+          <a:lstStyle/>
+          <a:p>
+            <a:pPr>
+              <a:lnSpc>
+                <a:spcPct val="150000"/>
+              </a:lnSpc>
+            </a:pPr>
+            <a:r>
+              <a:rPr lang="en-US" altLang="ko-KR" sz="2400" dirty="0">
+                <a:solidFill>
+                  <a:schemeClr val="accent6"/>
+                </a:solidFill>
+                <a:latin typeface="Caladea"/>
+                <a:ea typeface="HY견고딕" pitchFamily="18" charset="-127"/>
+              </a:rPr>
+              <a:t>UBFC: Vid_15 </a:t>
+            </a:r>
+          </a:p>
+        </p:txBody>
+      </p:sp>
+      <p:sp>
+        <p:nvSpPr>
+          <p:cNvPr id="15" name="AutoShape 4" descr="Output image">
+            <a:extLst>
+              <a:ext uri="{FF2B5EF4-FFF2-40B4-BE49-F238E27FC236}">
+                <a16:creationId xmlns:a16="http://schemas.microsoft.com/office/drawing/2014/main" id="{6D6FBE01-F851-694A-905C-7E34796C12B4}"/>
+              </a:ext>
+            </a:extLst>
+          </p:cNvPr>
+          <p:cNvSpPr>
+            <a:spLocks noChangeAspect="1" noChangeArrowheads="1"/>
+          </p:cNvSpPr>
+          <p:nvPr/>
+        </p:nvSpPr>
+        <p:spPr bwMode="auto">
+          <a:xfrm>
+            <a:off x="190500" y="152400"/>
+            <a:ext cx="10617200" cy="7561263"/>
+          </a:xfrm>
+          <a:prstGeom prst="rect">
+            <a:avLst/>
+          </a:prstGeom>
+          <a:noFill/>
+          <a:extLst>
+            <a:ext uri="{909E8E84-426E-40DD-AFC4-6F175D3DCCD1}">
+              <a14:hiddenFill xmlns:a14="http://schemas.microsoft.com/office/drawing/2010/main">
+                <a:solidFill>
+                  <a:srgbClr val="FFFFFF"/>
+                </a:solidFill>
+              </a14:hiddenFill>
+            </a:ext>
+          </a:extLst>
+        </p:spPr>
+        <p:txBody>
+          <a:bodyPr vert="horz" wrap="square" lIns="91440" tIns="45720" rIns="91440" bIns="45720" numCol="1" anchor="t" anchorCtr="0" compatLnSpc="1">
+            <a:prstTxWarp prst="textNoShape">
+              <a:avLst/>
+            </a:prstTxWarp>
+          </a:bodyPr>
+          <a:lstStyle/>
+          <a:p>
+            <a:endParaRPr lang="en-US"/>
+          </a:p>
+        </p:txBody>
+      </p:sp>
+      <p:pic>
+        <p:nvPicPr>
+          <p:cNvPr id="5" name="Picture 4">
+            <a:extLst>
+              <a:ext uri="{FF2B5EF4-FFF2-40B4-BE49-F238E27FC236}">
+                <a16:creationId xmlns:a16="http://schemas.microsoft.com/office/drawing/2014/main" id="{7983877D-8B94-54BC-8C25-04212B36F13F}"/>
+              </a:ext>
+            </a:extLst>
+          </p:cNvPr>
+          <p:cNvPicPr>
+            <a:picLocks noChangeAspect="1"/>
+          </p:cNvPicPr>
+          <p:nvPr/>
+        </p:nvPicPr>
+        <p:blipFill>
+          <a:blip r:embed="rId4">
+            <a:extLst>
+              <a:ext uri="{28A0092B-C50C-407E-A947-70E740481C1C}">
+                <a14:useLocalDpi xmlns:a14="http://schemas.microsoft.com/office/drawing/2010/main" val="0"/>
+              </a:ext>
+            </a:extLst>
+          </a:blip>
+          <a:stretch>
+            <a:fillRect/>
+          </a:stretch>
+        </p:blipFill>
+        <p:spPr>
+          <a:xfrm>
+            <a:off x="53900" y="979657"/>
+            <a:ext cx="10617200" cy="4493025"/>
+          </a:xfrm>
+          <a:prstGeom prst="rect">
+            <a:avLst/>
+          </a:prstGeom>
+        </p:spPr>
+      </p:pic>
+      <p:sp>
+        <p:nvSpPr>
+          <p:cNvPr id="6" name="TextBox 5">
+            <a:extLst>
+              <a:ext uri="{FF2B5EF4-FFF2-40B4-BE49-F238E27FC236}">
+                <a16:creationId xmlns:a16="http://schemas.microsoft.com/office/drawing/2014/main" id="{DD9F117D-11C5-E8E2-5331-B2F984E54286}"/>
+              </a:ext>
+            </a:extLst>
+          </p:cNvPr>
+          <p:cNvSpPr txBox="1"/>
+          <p:nvPr/>
+        </p:nvSpPr>
+        <p:spPr>
+          <a:xfrm>
+            <a:off x="306140" y="5392110"/>
+            <a:ext cx="4580136" cy="461665"/>
+          </a:xfrm>
+          <a:prstGeom prst="rect">
+            <a:avLst/>
+          </a:prstGeom>
+          <a:noFill/>
+        </p:spPr>
+        <p:txBody>
+          <a:bodyPr wrap="square">
+            <a:spAutoFit/>
+          </a:bodyPr>
+          <a:lstStyle/>
+          <a:p>
+            <a:r>
+              <a:rPr lang="en-US" sz="1200" dirty="0">
+                <a:latin typeface="Consolas" panose="020B0609020204030204" pitchFamily="49" charset="0"/>
+              </a:rPr>
+              <a:t>| seq id | </a:t>
+            </a:r>
+            <a:r>
+              <a:rPr lang="el-GR" sz="1200" dirty="0">
+                <a:latin typeface="Consolas" panose="020B0609020204030204" pitchFamily="49" charset="0"/>
+              </a:rPr>
+              <a:t>Δ</a:t>
+            </a:r>
+            <a:r>
+              <a:rPr lang="en-US" sz="1200" dirty="0" err="1">
+                <a:latin typeface="Consolas" panose="020B0609020204030204" pitchFamily="49" charset="0"/>
+              </a:rPr>
+              <a:t>orig</a:t>
+            </a:r>
+            <a:r>
+              <a:rPr lang="en-US" sz="1200" dirty="0">
+                <a:latin typeface="Consolas" panose="020B0609020204030204" pitchFamily="49" charset="0"/>
+              </a:rPr>
+              <a:t>  | </a:t>
+            </a:r>
+            <a:r>
+              <a:rPr lang="el-GR" sz="1200" dirty="0">
+                <a:latin typeface="Consolas" panose="020B0609020204030204" pitchFamily="49" charset="0"/>
+              </a:rPr>
+              <a:t>Δ</a:t>
+            </a:r>
+            <a:r>
+              <a:rPr lang="en-US" sz="1200" dirty="0" err="1">
+                <a:latin typeface="Consolas" panose="020B0609020204030204" pitchFamily="49" charset="0"/>
+              </a:rPr>
+              <a:t>corr</a:t>
+            </a:r>
+            <a:r>
+              <a:rPr lang="en-US" sz="1200" dirty="0">
+                <a:latin typeface="Consolas" panose="020B0609020204030204" pitchFamily="49" charset="0"/>
+              </a:rPr>
+              <a:t>  | delta </a:t>
+            </a:r>
+            <a:r>
+              <a:rPr lang="en-US" sz="1200" dirty="0" err="1">
+                <a:latin typeface="Consolas" panose="020B0609020204030204" pitchFamily="49" charset="0"/>
+              </a:rPr>
+              <a:t>fr</a:t>
+            </a:r>
+            <a:r>
+              <a:rPr lang="en-US" sz="1200" dirty="0">
+                <a:latin typeface="Consolas" panose="020B0609020204030204" pitchFamily="49" charset="0"/>
+              </a:rPr>
+              <a:t> | remain </a:t>
+            </a:r>
+            <a:r>
+              <a:rPr lang="en-US" sz="1200" dirty="0" err="1">
+                <a:latin typeface="Consolas" panose="020B0609020204030204" pitchFamily="49" charset="0"/>
+              </a:rPr>
+              <a:t>fr</a:t>
+            </a:r>
+            <a:r>
+              <a:rPr lang="en-US" sz="1200" dirty="0">
+                <a:latin typeface="Consolas" panose="020B0609020204030204" pitchFamily="49" charset="0"/>
+              </a:rPr>
+              <a:t> |</a:t>
+            </a:r>
+          </a:p>
+          <a:p>
+            <a:r>
+              <a:rPr lang="en-US" sz="1200" dirty="0">
+                <a:latin typeface="Consolas" panose="020B0609020204030204" pitchFamily="49" charset="0"/>
+              </a:rPr>
+              <a:t>| seq id | 48.00  | 64.00  | 48.000   | 0.000     |</a:t>
+            </a:r>
+          </a:p>
+        </p:txBody>
+      </p:sp>
+    </p:spTree>
+    <p:extLst>
+      <p:ext uri="{BB962C8B-B14F-4D97-AF65-F5344CB8AC3E}">
+        <p14:creationId xmlns:p14="http://schemas.microsoft.com/office/powerpoint/2010/main" val="1262542422"/>
+      </p:ext>
+    </p:extLst>
+  </p:cSld>
+  <p:clrMapOvr>
+    <a:masterClrMapping/>
+  </p:clrMapOvr>
+</p:sld>
+</file>
+
+<file path=ppt/slides/slide12.xml><?xml version="1.0" encoding="utf-8"?>
+<p:sld xmlns:a="http://schemas.openxmlformats.org/drawingml/2006/main" xmlns:r="http://schemas.openxmlformats.org/officeDocument/2006/relationships" xmlns:p="http://schemas.openxmlformats.org/presentationml/2006/main">
+  <p:cSld>
+    <p:spTree>
+      <p:nvGrpSpPr>
+        <p:cNvPr id="1" name="">
+          <a:extLst>
+            <a:ext uri="{FF2B5EF4-FFF2-40B4-BE49-F238E27FC236}">
+              <a16:creationId xmlns:a16="http://schemas.microsoft.com/office/drawing/2014/main" id="{E871697D-9580-B24A-F1FC-3CF451DEE104}"/>
+            </a:ext>
+          </a:extLst>
+        </p:cNvPr>
+        <p:cNvGrpSpPr/>
+        <p:nvPr/>
+      </p:nvGrpSpPr>
+      <p:grpSpPr>
+        <a:xfrm>
+          <a:off x="0" y="0"/>
+          <a:ext cx="0" cy="0"/>
+          <a:chOff x="0" y="0"/>
+          <a:chExt cx="0" cy="0"/>
+        </a:xfrm>
+      </p:grpSpPr>
+      <p:pic>
+        <p:nvPicPr>
+          <p:cNvPr id="7" name="Picture 6">
+            <a:extLst>
+              <a:ext uri="{FF2B5EF4-FFF2-40B4-BE49-F238E27FC236}">
+                <a16:creationId xmlns:a16="http://schemas.microsoft.com/office/drawing/2014/main" id="{D7945CC2-28F9-4A66-91B1-DC51417A1360}"/>
+              </a:ext>
+            </a:extLst>
+          </p:cNvPr>
+          <p:cNvPicPr>
+            <a:picLocks noChangeAspect="1"/>
+          </p:cNvPicPr>
+          <p:nvPr/>
+        </p:nvPicPr>
+        <p:blipFill>
+          <a:blip r:embed="rId3">
+            <a:extLst>
+              <a:ext uri="{28A0092B-C50C-407E-A947-70E740481C1C}">
+                <a14:useLocalDpi xmlns:a14="http://schemas.microsoft.com/office/drawing/2010/main" val="0"/>
+              </a:ext>
+            </a:extLst>
+          </a:blip>
+          <a:stretch>
+            <a:fillRect/>
+          </a:stretch>
+        </p:blipFill>
+        <p:spPr>
+          <a:xfrm>
+            <a:off x="9372917" y="-107801"/>
+            <a:ext cx="1571625" cy="747713"/>
+          </a:xfrm>
+          <a:prstGeom prst="rect">
+            <a:avLst/>
+          </a:prstGeom>
+        </p:spPr>
+      </p:pic>
+      <p:sp>
+        <p:nvSpPr>
+          <p:cNvPr id="64" name="슬라이드 번호 개체 틀 2">
+            <a:extLst>
+              <a:ext uri="{FF2B5EF4-FFF2-40B4-BE49-F238E27FC236}">
+                <a16:creationId xmlns:a16="http://schemas.microsoft.com/office/drawing/2014/main" id="{E24F6677-9527-B590-58C4-88BA25798912}"/>
+              </a:ext>
+            </a:extLst>
+          </p:cNvPr>
+          <p:cNvSpPr txBox="1">
+            <a:spLocks/>
+          </p:cNvSpPr>
+          <p:nvPr/>
+        </p:nvSpPr>
+        <p:spPr>
+          <a:xfrm>
+            <a:off x="7925012" y="7042731"/>
+            <a:ext cx="2495127" cy="402567"/>
+          </a:xfrm>
+          <a:prstGeom prst="rect">
+            <a:avLst/>
+          </a:prstGeom>
+        </p:spPr>
+        <p:txBody>
+          <a:bodyPr vert="horz" lIns="99569" tIns="49785" rIns="99569" bIns="49785" rtlCol="0" anchor="ctr"/>
+          <a:lstStyle>
+            <a:defPPr>
+              <a:defRPr lang="ko-KR"/>
+            </a:defPPr>
+            <a:lvl1pPr marL="0" algn="r" defTabSz="995690" rtl="0" eaLnBrk="1" latinLnBrk="1" hangingPunct="1">
+              <a:defRPr sz="1300" kern="1200">
+                <a:solidFill>
+                  <a:schemeClr val="tx1">
+                    <a:tint val="75000"/>
+                  </a:schemeClr>
+                </a:solidFill>
+                <a:latin typeface="+mn-lt"/>
+                <a:ea typeface="+mn-ea"/>
+                <a:cs typeface="+mn-cs"/>
+              </a:defRPr>
+            </a:lvl1pPr>
+            <a:lvl2pPr marL="497845" algn="l" defTabSz="995690" rtl="0" eaLnBrk="1" latinLnBrk="1" hangingPunct="1">
+              <a:defRPr sz="2000" kern="1200">
+                <a:solidFill>
+                  <a:schemeClr val="tx1"/>
+                </a:solidFill>
+                <a:latin typeface="+mn-lt"/>
+                <a:ea typeface="+mn-ea"/>
+                <a:cs typeface="+mn-cs"/>
+              </a:defRPr>
+            </a:lvl2pPr>
+            <a:lvl3pPr marL="995690" algn="l" defTabSz="995690" rtl="0" eaLnBrk="1" latinLnBrk="1" hangingPunct="1">
+              <a:defRPr sz="2000" kern="1200">
+                <a:solidFill>
+                  <a:schemeClr val="tx1"/>
+                </a:solidFill>
+                <a:latin typeface="+mn-lt"/>
+                <a:ea typeface="+mn-ea"/>
+                <a:cs typeface="+mn-cs"/>
+              </a:defRPr>
+            </a:lvl3pPr>
+            <a:lvl4pPr marL="1493535" algn="l" defTabSz="995690" rtl="0" eaLnBrk="1" latinLnBrk="1" hangingPunct="1">
+              <a:defRPr sz="2000" kern="1200">
+                <a:solidFill>
+                  <a:schemeClr val="tx1"/>
+                </a:solidFill>
+                <a:latin typeface="+mn-lt"/>
+                <a:ea typeface="+mn-ea"/>
+                <a:cs typeface="+mn-cs"/>
+              </a:defRPr>
+            </a:lvl4pPr>
+            <a:lvl5pPr marL="1991380" algn="l" defTabSz="995690" rtl="0" eaLnBrk="1" latinLnBrk="1" hangingPunct="1">
+              <a:defRPr sz="2000" kern="1200">
+                <a:solidFill>
+                  <a:schemeClr val="tx1"/>
+                </a:solidFill>
+                <a:latin typeface="+mn-lt"/>
+                <a:ea typeface="+mn-ea"/>
+                <a:cs typeface="+mn-cs"/>
+              </a:defRPr>
+            </a:lvl5pPr>
+            <a:lvl6pPr marL="2489225" algn="l" defTabSz="995690" rtl="0" eaLnBrk="1" latinLnBrk="1" hangingPunct="1">
+              <a:defRPr sz="2000" kern="1200">
+                <a:solidFill>
+                  <a:schemeClr val="tx1"/>
+                </a:solidFill>
+                <a:latin typeface="+mn-lt"/>
+                <a:ea typeface="+mn-ea"/>
+                <a:cs typeface="+mn-cs"/>
+              </a:defRPr>
+            </a:lvl6pPr>
+            <a:lvl7pPr marL="2987070" algn="l" defTabSz="995690" rtl="0" eaLnBrk="1" latinLnBrk="1" hangingPunct="1">
+              <a:defRPr sz="2000" kern="1200">
+                <a:solidFill>
+                  <a:schemeClr val="tx1"/>
+                </a:solidFill>
+                <a:latin typeface="+mn-lt"/>
+                <a:ea typeface="+mn-ea"/>
+                <a:cs typeface="+mn-cs"/>
+              </a:defRPr>
+            </a:lvl7pPr>
+            <a:lvl8pPr marL="3484916" algn="l" defTabSz="995690" rtl="0" eaLnBrk="1" latinLnBrk="1" hangingPunct="1">
+              <a:defRPr sz="2000" kern="1200">
+                <a:solidFill>
+                  <a:schemeClr val="tx1"/>
+                </a:solidFill>
+                <a:latin typeface="+mn-lt"/>
+                <a:ea typeface="+mn-ea"/>
+                <a:cs typeface="+mn-cs"/>
+              </a:defRPr>
+            </a:lvl8pPr>
+            <a:lvl9pPr marL="3982761" algn="l" defTabSz="995690" rtl="0" eaLnBrk="1" latinLnBrk="1" hangingPunct="1">
+              <a:defRPr sz="2000" kern="1200">
+                <a:solidFill>
+                  <a:schemeClr val="tx1"/>
+                </a:solidFill>
+                <a:latin typeface="+mn-lt"/>
+                <a:ea typeface="+mn-ea"/>
+                <a:cs typeface="+mn-cs"/>
+              </a:defRPr>
+            </a:lvl9pPr>
+          </a:lstStyle>
+          <a:p>
+            <a:fld id="{1B597EC8-03FB-421D-BA76-5865596B8B77}" type="slidenum">
+              <a:rPr lang="ko-KR" altLang="en-US" smtClean="0"/>
+              <a:pPr/>
+              <a:t>11</a:t>
+            </a:fld>
+            <a:endParaRPr lang="ko-KR" altLang="en-US" dirty="0"/>
+          </a:p>
+        </p:txBody>
+      </p:sp>
+      <p:sp>
+        <p:nvSpPr>
+          <p:cNvPr id="2" name="TextBox 1">
+            <a:extLst>
+              <a:ext uri="{FF2B5EF4-FFF2-40B4-BE49-F238E27FC236}">
+                <a16:creationId xmlns:a16="http://schemas.microsoft.com/office/drawing/2014/main" id="{E03D9315-840B-297E-6DF5-E7088C14CDC7}"/>
+              </a:ext>
+            </a:extLst>
+          </p:cNvPr>
+          <p:cNvSpPr txBox="1"/>
+          <p:nvPr/>
+        </p:nvSpPr>
+        <p:spPr>
+          <a:xfrm>
+            <a:off x="162124" y="115965"/>
+            <a:ext cx="8327848" cy="589072"/>
+          </a:xfrm>
+          <a:prstGeom prst="rect">
+            <a:avLst/>
+          </a:prstGeom>
+          <a:noFill/>
+        </p:spPr>
+        <p:txBody>
+          <a:bodyPr wrap="square" rtlCol="0">
+            <a:spAutoFit/>
+          </a:bodyPr>
+          <a:lstStyle/>
+          <a:p>
+            <a:pPr>
+              <a:lnSpc>
+                <a:spcPct val="150000"/>
+              </a:lnSpc>
+            </a:pPr>
+            <a:r>
+              <a:rPr lang="en-US" altLang="ko-KR" sz="2400" dirty="0">
+                <a:solidFill>
+                  <a:schemeClr val="accent6"/>
+                </a:solidFill>
+                <a:latin typeface="Caladea"/>
+                <a:ea typeface="HY견고딕" pitchFamily="18" charset="-127"/>
+              </a:rPr>
+              <a:t>UBFC: Vid_15 </a:t>
+            </a:r>
+          </a:p>
+        </p:txBody>
+      </p:sp>
+      <p:sp>
+        <p:nvSpPr>
+          <p:cNvPr id="15" name="AutoShape 4" descr="Output image">
+            <a:extLst>
+              <a:ext uri="{FF2B5EF4-FFF2-40B4-BE49-F238E27FC236}">
+                <a16:creationId xmlns:a16="http://schemas.microsoft.com/office/drawing/2014/main" id="{6D6FBE01-F851-694A-905C-7E34796C12B4}"/>
+              </a:ext>
+            </a:extLst>
+          </p:cNvPr>
+          <p:cNvSpPr>
+            <a:spLocks noChangeAspect="1" noChangeArrowheads="1"/>
+          </p:cNvSpPr>
+          <p:nvPr/>
+        </p:nvSpPr>
+        <p:spPr bwMode="auto">
+          <a:xfrm>
+            <a:off x="190500" y="152400"/>
+            <a:ext cx="10617200" cy="7561263"/>
+          </a:xfrm>
+          <a:prstGeom prst="rect">
+            <a:avLst/>
+          </a:prstGeom>
+          <a:noFill/>
+          <a:extLst>
+            <a:ext uri="{909E8E84-426E-40DD-AFC4-6F175D3DCCD1}">
+              <a14:hiddenFill xmlns:a14="http://schemas.microsoft.com/office/drawing/2010/main">
+                <a:solidFill>
+                  <a:srgbClr val="FFFFFF"/>
+                </a:solidFill>
+              </a14:hiddenFill>
+            </a:ext>
+          </a:extLst>
+        </p:spPr>
+        <p:txBody>
+          <a:bodyPr vert="horz" wrap="square" lIns="91440" tIns="45720" rIns="91440" bIns="45720" numCol="1" anchor="t" anchorCtr="0" compatLnSpc="1">
+            <a:prstTxWarp prst="textNoShape">
+              <a:avLst/>
+            </a:prstTxWarp>
+          </a:bodyPr>
+          <a:lstStyle/>
+          <a:p>
+            <a:endParaRPr lang="en-US"/>
+          </a:p>
+        </p:txBody>
+      </p:sp>
+      <p:pic>
+        <p:nvPicPr>
+          <p:cNvPr id="9" name="Picture 8">
+            <a:extLst>
+              <a:ext uri="{FF2B5EF4-FFF2-40B4-BE49-F238E27FC236}">
+                <a16:creationId xmlns:a16="http://schemas.microsoft.com/office/drawing/2014/main" id="{3F8F2141-53C7-B510-A7CD-BD04D89CB3CB}"/>
+              </a:ext>
+            </a:extLst>
+          </p:cNvPr>
+          <p:cNvPicPr>
+            <a:picLocks noChangeAspect="1"/>
+          </p:cNvPicPr>
+          <p:nvPr/>
+        </p:nvPicPr>
+        <p:blipFill>
+          <a:blip r:embed="rId4">
+            <a:extLst>
+              <a:ext uri="{28A0092B-C50C-407E-A947-70E740481C1C}">
+                <a14:useLocalDpi xmlns:a14="http://schemas.microsoft.com/office/drawing/2010/main" val="0"/>
+              </a:ext>
+            </a:extLst>
+          </a:blip>
+          <a:stretch>
+            <a:fillRect/>
+          </a:stretch>
+        </p:blipFill>
+        <p:spPr>
+          <a:xfrm>
+            <a:off x="0" y="1285505"/>
+            <a:ext cx="10693400" cy="4990253"/>
+          </a:xfrm>
+          <a:prstGeom prst="rect">
+            <a:avLst/>
+          </a:prstGeom>
+        </p:spPr>
+      </p:pic>
+    </p:spTree>
+    <p:extLst>
+      <p:ext uri="{BB962C8B-B14F-4D97-AF65-F5344CB8AC3E}">
+        <p14:creationId xmlns:p14="http://schemas.microsoft.com/office/powerpoint/2010/main" val="2783322902"/>
+      </p:ext>
+    </p:extLst>
+  </p:cSld>
+  <p:clrMapOvr>
+    <a:masterClrMapping/>
+  </p:clrMapOvr>
+</p:sld>
+</file>
+
+<file path=ppt/slides/slide13.xml><?xml version="1.0" encoding="utf-8"?>
+<p:sld xmlns:a="http://schemas.openxmlformats.org/drawingml/2006/main" xmlns:r="http://schemas.openxmlformats.org/officeDocument/2006/relationships" xmlns:p="http://schemas.openxmlformats.org/presentationml/2006/main">
+  <p:cSld>
+    <p:spTree>
+      <p:nvGrpSpPr>
+        <p:cNvPr id="1" name="">
+          <a:extLst>
+            <a:ext uri="{FF2B5EF4-FFF2-40B4-BE49-F238E27FC236}">
+              <a16:creationId xmlns:a16="http://schemas.microsoft.com/office/drawing/2014/main" id="{E871697D-9580-B24A-F1FC-3CF451DEE104}"/>
+            </a:ext>
+          </a:extLst>
+        </p:cNvPr>
+        <p:cNvGrpSpPr/>
+        <p:nvPr/>
+      </p:nvGrpSpPr>
+      <p:grpSpPr>
+        <a:xfrm>
+          <a:off x="0" y="0"/>
+          <a:ext cx="0" cy="0"/>
+          <a:chOff x="0" y="0"/>
+          <a:chExt cx="0" cy="0"/>
+        </a:xfrm>
+      </p:grpSpPr>
+      <p:pic>
+        <p:nvPicPr>
+          <p:cNvPr id="7" name="Picture 6">
+            <a:extLst>
+              <a:ext uri="{FF2B5EF4-FFF2-40B4-BE49-F238E27FC236}">
+                <a16:creationId xmlns:a16="http://schemas.microsoft.com/office/drawing/2014/main" id="{D7945CC2-28F9-4A66-91B1-DC51417A1360}"/>
+              </a:ext>
+            </a:extLst>
+          </p:cNvPr>
+          <p:cNvPicPr>
+            <a:picLocks noChangeAspect="1"/>
+          </p:cNvPicPr>
+          <p:nvPr/>
+        </p:nvPicPr>
+        <p:blipFill>
+          <a:blip r:embed="rId3">
+            <a:extLst>
+              <a:ext uri="{28A0092B-C50C-407E-A947-70E740481C1C}">
+                <a14:useLocalDpi xmlns:a14="http://schemas.microsoft.com/office/drawing/2010/main" val="0"/>
+              </a:ext>
+            </a:extLst>
+          </a:blip>
+          <a:stretch>
+            <a:fillRect/>
+          </a:stretch>
+        </p:blipFill>
+        <p:spPr>
+          <a:xfrm>
+            <a:off x="9372917" y="-107801"/>
+            <a:ext cx="1571625" cy="747713"/>
+          </a:xfrm>
+          <a:prstGeom prst="rect">
+            <a:avLst/>
+          </a:prstGeom>
+        </p:spPr>
+      </p:pic>
+      <p:sp>
+        <p:nvSpPr>
+          <p:cNvPr id="64" name="슬라이드 번호 개체 틀 2">
+            <a:extLst>
+              <a:ext uri="{FF2B5EF4-FFF2-40B4-BE49-F238E27FC236}">
+                <a16:creationId xmlns:a16="http://schemas.microsoft.com/office/drawing/2014/main" id="{E24F6677-9527-B590-58C4-88BA25798912}"/>
+              </a:ext>
+            </a:extLst>
+          </p:cNvPr>
+          <p:cNvSpPr txBox="1">
+            <a:spLocks/>
+          </p:cNvSpPr>
+          <p:nvPr/>
+        </p:nvSpPr>
+        <p:spPr>
+          <a:xfrm>
+            <a:off x="7925012" y="7042731"/>
+            <a:ext cx="2495127" cy="402567"/>
+          </a:xfrm>
+          <a:prstGeom prst="rect">
+            <a:avLst/>
+          </a:prstGeom>
+        </p:spPr>
+        <p:txBody>
+          <a:bodyPr vert="horz" lIns="99569" tIns="49785" rIns="99569" bIns="49785" rtlCol="0" anchor="ctr"/>
+          <a:lstStyle>
+            <a:defPPr>
+              <a:defRPr lang="ko-KR"/>
+            </a:defPPr>
+            <a:lvl1pPr marL="0" algn="r" defTabSz="995690" rtl="0" eaLnBrk="1" latinLnBrk="1" hangingPunct="1">
+              <a:defRPr sz="1300" kern="1200">
+                <a:solidFill>
+                  <a:schemeClr val="tx1">
+                    <a:tint val="75000"/>
+                  </a:schemeClr>
+                </a:solidFill>
+                <a:latin typeface="+mn-lt"/>
+                <a:ea typeface="+mn-ea"/>
+                <a:cs typeface="+mn-cs"/>
+              </a:defRPr>
+            </a:lvl1pPr>
+            <a:lvl2pPr marL="497845" algn="l" defTabSz="995690" rtl="0" eaLnBrk="1" latinLnBrk="1" hangingPunct="1">
+              <a:defRPr sz="2000" kern="1200">
+                <a:solidFill>
+                  <a:schemeClr val="tx1"/>
+                </a:solidFill>
+                <a:latin typeface="+mn-lt"/>
+                <a:ea typeface="+mn-ea"/>
+                <a:cs typeface="+mn-cs"/>
+              </a:defRPr>
+            </a:lvl2pPr>
+            <a:lvl3pPr marL="995690" algn="l" defTabSz="995690" rtl="0" eaLnBrk="1" latinLnBrk="1" hangingPunct="1">
+              <a:defRPr sz="2000" kern="1200">
+                <a:solidFill>
+                  <a:schemeClr val="tx1"/>
+                </a:solidFill>
+                <a:latin typeface="+mn-lt"/>
+                <a:ea typeface="+mn-ea"/>
+                <a:cs typeface="+mn-cs"/>
+              </a:defRPr>
+            </a:lvl3pPr>
+            <a:lvl4pPr marL="1493535" algn="l" defTabSz="995690" rtl="0" eaLnBrk="1" latinLnBrk="1" hangingPunct="1">
+              <a:defRPr sz="2000" kern="1200">
+                <a:solidFill>
+                  <a:schemeClr val="tx1"/>
+                </a:solidFill>
+                <a:latin typeface="+mn-lt"/>
+                <a:ea typeface="+mn-ea"/>
+                <a:cs typeface="+mn-cs"/>
+              </a:defRPr>
+            </a:lvl4pPr>
+            <a:lvl5pPr marL="1991380" algn="l" defTabSz="995690" rtl="0" eaLnBrk="1" latinLnBrk="1" hangingPunct="1">
+              <a:defRPr sz="2000" kern="1200">
+                <a:solidFill>
+                  <a:schemeClr val="tx1"/>
+                </a:solidFill>
+                <a:latin typeface="+mn-lt"/>
+                <a:ea typeface="+mn-ea"/>
+                <a:cs typeface="+mn-cs"/>
+              </a:defRPr>
+            </a:lvl5pPr>
+            <a:lvl6pPr marL="2489225" algn="l" defTabSz="995690" rtl="0" eaLnBrk="1" latinLnBrk="1" hangingPunct="1">
+              <a:defRPr sz="2000" kern="1200">
+                <a:solidFill>
+                  <a:schemeClr val="tx1"/>
+                </a:solidFill>
+                <a:latin typeface="+mn-lt"/>
+                <a:ea typeface="+mn-ea"/>
+                <a:cs typeface="+mn-cs"/>
+              </a:defRPr>
+            </a:lvl6pPr>
+            <a:lvl7pPr marL="2987070" algn="l" defTabSz="995690" rtl="0" eaLnBrk="1" latinLnBrk="1" hangingPunct="1">
+              <a:defRPr sz="2000" kern="1200">
+                <a:solidFill>
+                  <a:schemeClr val="tx1"/>
+                </a:solidFill>
+                <a:latin typeface="+mn-lt"/>
+                <a:ea typeface="+mn-ea"/>
+                <a:cs typeface="+mn-cs"/>
+              </a:defRPr>
+            </a:lvl7pPr>
+            <a:lvl8pPr marL="3484916" algn="l" defTabSz="995690" rtl="0" eaLnBrk="1" latinLnBrk="1" hangingPunct="1">
+              <a:defRPr sz="2000" kern="1200">
+                <a:solidFill>
+                  <a:schemeClr val="tx1"/>
+                </a:solidFill>
+                <a:latin typeface="+mn-lt"/>
+                <a:ea typeface="+mn-ea"/>
+                <a:cs typeface="+mn-cs"/>
+              </a:defRPr>
+            </a:lvl8pPr>
+            <a:lvl9pPr marL="3982761" algn="l" defTabSz="995690" rtl="0" eaLnBrk="1" latinLnBrk="1" hangingPunct="1">
+              <a:defRPr sz="2000" kern="1200">
+                <a:solidFill>
+                  <a:schemeClr val="tx1"/>
+                </a:solidFill>
+                <a:latin typeface="+mn-lt"/>
+                <a:ea typeface="+mn-ea"/>
+                <a:cs typeface="+mn-cs"/>
+              </a:defRPr>
+            </a:lvl9pPr>
+          </a:lstStyle>
+          <a:p>
+            <a:fld id="{1B597EC8-03FB-421D-BA76-5865596B8B77}" type="slidenum">
+              <a:rPr lang="ko-KR" altLang="en-US" smtClean="0"/>
+              <a:pPr/>
+              <a:t>12</a:t>
+            </a:fld>
+            <a:endParaRPr lang="ko-KR" altLang="en-US" dirty="0"/>
+          </a:p>
+        </p:txBody>
+      </p:sp>
+      <p:sp>
+        <p:nvSpPr>
+          <p:cNvPr id="2" name="TextBox 1">
+            <a:extLst>
+              <a:ext uri="{FF2B5EF4-FFF2-40B4-BE49-F238E27FC236}">
+                <a16:creationId xmlns:a16="http://schemas.microsoft.com/office/drawing/2014/main" id="{E03D9315-840B-297E-6DF5-E7088C14CDC7}"/>
+              </a:ext>
+            </a:extLst>
+          </p:cNvPr>
+          <p:cNvSpPr txBox="1"/>
+          <p:nvPr/>
+        </p:nvSpPr>
+        <p:spPr>
+          <a:xfrm>
+            <a:off x="162124" y="115965"/>
+            <a:ext cx="8327848" cy="589072"/>
+          </a:xfrm>
+          <a:prstGeom prst="rect">
+            <a:avLst/>
+          </a:prstGeom>
+          <a:noFill/>
+        </p:spPr>
+        <p:txBody>
+          <a:bodyPr wrap="square" rtlCol="0">
+            <a:spAutoFit/>
+          </a:bodyPr>
+          <a:lstStyle/>
+          <a:p>
+            <a:pPr>
+              <a:lnSpc>
+                <a:spcPct val="150000"/>
+              </a:lnSpc>
+            </a:pPr>
+            <a:r>
+              <a:rPr lang="en-US" altLang="ko-KR" sz="2400" dirty="0">
+                <a:solidFill>
+                  <a:schemeClr val="accent6"/>
+                </a:solidFill>
+                <a:latin typeface="Caladea"/>
+                <a:ea typeface="HY견고딕" pitchFamily="18" charset="-127"/>
+              </a:rPr>
+              <a:t>UBFC: Vid_20 </a:t>
+            </a:r>
+          </a:p>
+        </p:txBody>
+      </p:sp>
+      <p:sp>
+        <p:nvSpPr>
+          <p:cNvPr id="15" name="AutoShape 4" descr="Output image">
+            <a:extLst>
+              <a:ext uri="{FF2B5EF4-FFF2-40B4-BE49-F238E27FC236}">
+                <a16:creationId xmlns:a16="http://schemas.microsoft.com/office/drawing/2014/main" id="{6D6FBE01-F851-694A-905C-7E34796C12B4}"/>
+              </a:ext>
+            </a:extLst>
+          </p:cNvPr>
+          <p:cNvSpPr>
+            <a:spLocks noChangeAspect="1" noChangeArrowheads="1"/>
+          </p:cNvSpPr>
+          <p:nvPr/>
+        </p:nvSpPr>
+        <p:spPr bwMode="auto">
+          <a:xfrm>
+            <a:off x="190500" y="152400"/>
+            <a:ext cx="10617200" cy="7561263"/>
+          </a:xfrm>
+          <a:prstGeom prst="rect">
+            <a:avLst/>
+          </a:prstGeom>
+          <a:noFill/>
+          <a:extLst>
+            <a:ext uri="{909E8E84-426E-40DD-AFC4-6F175D3DCCD1}">
+              <a14:hiddenFill xmlns:a14="http://schemas.microsoft.com/office/drawing/2010/main">
+                <a:solidFill>
+                  <a:srgbClr val="FFFFFF"/>
+                </a:solidFill>
+              </a14:hiddenFill>
+            </a:ext>
+          </a:extLst>
+        </p:spPr>
+        <p:txBody>
+          <a:bodyPr vert="horz" wrap="square" lIns="91440" tIns="45720" rIns="91440" bIns="45720" numCol="1" anchor="t" anchorCtr="0" compatLnSpc="1">
+            <a:prstTxWarp prst="textNoShape">
+              <a:avLst/>
+            </a:prstTxWarp>
+          </a:bodyPr>
+          <a:lstStyle/>
+          <a:p>
+            <a:endParaRPr lang="en-US"/>
+          </a:p>
+        </p:txBody>
+      </p:sp>
+      <p:pic>
+        <p:nvPicPr>
+          <p:cNvPr id="4" name="Picture 3">
+            <a:extLst>
+              <a:ext uri="{FF2B5EF4-FFF2-40B4-BE49-F238E27FC236}">
+                <a16:creationId xmlns:a16="http://schemas.microsoft.com/office/drawing/2014/main" id="{F8A3529C-F2CA-250D-2C65-D0DC25FE0B27}"/>
+              </a:ext>
+            </a:extLst>
+          </p:cNvPr>
+          <p:cNvPicPr>
+            <a:picLocks noChangeAspect="1"/>
+          </p:cNvPicPr>
+          <p:nvPr/>
+        </p:nvPicPr>
+        <p:blipFill>
+          <a:blip r:embed="rId4">
+            <a:extLst>
+              <a:ext uri="{28A0092B-C50C-407E-A947-70E740481C1C}">
+                <a14:useLocalDpi xmlns:a14="http://schemas.microsoft.com/office/drawing/2010/main" val="0"/>
+              </a:ext>
+            </a:extLst>
+          </a:blip>
+          <a:stretch>
+            <a:fillRect/>
+          </a:stretch>
+        </p:blipFill>
+        <p:spPr>
+          <a:xfrm>
+            <a:off x="0" y="951057"/>
+            <a:ext cx="10693400" cy="4493025"/>
+          </a:xfrm>
+          <a:prstGeom prst="rect">
+            <a:avLst/>
+          </a:prstGeom>
+        </p:spPr>
+      </p:pic>
+      <p:sp>
+        <p:nvSpPr>
+          <p:cNvPr id="6" name="TextBox 5">
+            <a:extLst>
+              <a:ext uri="{FF2B5EF4-FFF2-40B4-BE49-F238E27FC236}">
+                <a16:creationId xmlns:a16="http://schemas.microsoft.com/office/drawing/2014/main" id="{C79C2677-4A4F-78B4-4B36-45074B71589B}"/>
+              </a:ext>
+            </a:extLst>
+          </p:cNvPr>
+          <p:cNvSpPr txBox="1"/>
+          <p:nvPr/>
+        </p:nvSpPr>
+        <p:spPr>
+          <a:xfrm>
+            <a:off x="306140" y="5392110"/>
+            <a:ext cx="4580136" cy="461665"/>
+          </a:xfrm>
+          <a:prstGeom prst="rect">
+            <a:avLst/>
+          </a:prstGeom>
+          <a:noFill/>
+        </p:spPr>
+        <p:txBody>
+          <a:bodyPr wrap="square">
+            <a:spAutoFit/>
+          </a:bodyPr>
+          <a:lstStyle/>
+          <a:p>
+            <a:r>
+              <a:rPr lang="en-US" sz="1200" dirty="0">
+                <a:latin typeface="Consolas" panose="020B0609020204030204" pitchFamily="49" charset="0"/>
+              </a:rPr>
+              <a:t>| seq id | </a:t>
+            </a:r>
+            <a:r>
+              <a:rPr lang="el-GR" sz="1200" dirty="0">
+                <a:latin typeface="Consolas" panose="020B0609020204030204" pitchFamily="49" charset="0"/>
+              </a:rPr>
+              <a:t>Δ</a:t>
+            </a:r>
+            <a:r>
+              <a:rPr lang="en-US" sz="1200" dirty="0" err="1">
+                <a:latin typeface="Consolas" panose="020B0609020204030204" pitchFamily="49" charset="0"/>
+              </a:rPr>
+              <a:t>orig</a:t>
+            </a:r>
+            <a:r>
+              <a:rPr lang="en-US" sz="1200" dirty="0">
+                <a:latin typeface="Consolas" panose="020B0609020204030204" pitchFamily="49" charset="0"/>
+              </a:rPr>
+              <a:t>  | </a:t>
+            </a:r>
+            <a:r>
+              <a:rPr lang="el-GR" sz="1200" dirty="0">
+                <a:latin typeface="Consolas" panose="020B0609020204030204" pitchFamily="49" charset="0"/>
+              </a:rPr>
+              <a:t>Δ</a:t>
+            </a:r>
+            <a:r>
+              <a:rPr lang="en-US" sz="1200" dirty="0" err="1">
+                <a:latin typeface="Consolas" panose="020B0609020204030204" pitchFamily="49" charset="0"/>
+              </a:rPr>
+              <a:t>corr</a:t>
+            </a:r>
+            <a:r>
+              <a:rPr lang="en-US" sz="1200" dirty="0">
+                <a:latin typeface="Consolas" panose="020B0609020204030204" pitchFamily="49" charset="0"/>
+              </a:rPr>
+              <a:t>  | delta </a:t>
+            </a:r>
+            <a:r>
+              <a:rPr lang="en-US" sz="1200" dirty="0" err="1">
+                <a:latin typeface="Consolas" panose="020B0609020204030204" pitchFamily="49" charset="0"/>
+              </a:rPr>
+              <a:t>fr</a:t>
+            </a:r>
+            <a:r>
+              <a:rPr lang="en-US" sz="1200" dirty="0">
+                <a:latin typeface="Consolas" panose="020B0609020204030204" pitchFamily="49" charset="0"/>
+              </a:rPr>
+              <a:t> | remain </a:t>
+            </a:r>
+            <a:r>
+              <a:rPr lang="en-US" sz="1200" dirty="0" err="1">
+                <a:latin typeface="Consolas" panose="020B0609020204030204" pitchFamily="49" charset="0"/>
+              </a:rPr>
+              <a:t>fr</a:t>
+            </a:r>
+            <a:r>
+              <a:rPr lang="en-US" sz="1200" dirty="0">
+                <a:latin typeface="Consolas" panose="020B0609020204030204" pitchFamily="49" charset="0"/>
+              </a:rPr>
+              <a:t> |</a:t>
+            </a:r>
+          </a:p>
+          <a:p>
+            <a:r>
+              <a:rPr lang="en-US" sz="1200" dirty="0">
+                <a:latin typeface="Consolas" panose="020B0609020204030204" pitchFamily="49" charset="0"/>
+              </a:rPr>
+              <a:t>| seq id | 77.00  | 77.00  | 77.000   | 0.000     |</a:t>
+            </a:r>
+          </a:p>
+        </p:txBody>
+      </p:sp>
+    </p:spTree>
+    <p:extLst>
+      <p:ext uri="{BB962C8B-B14F-4D97-AF65-F5344CB8AC3E}">
+        <p14:creationId xmlns:p14="http://schemas.microsoft.com/office/powerpoint/2010/main" val="1559755337"/>
+      </p:ext>
+    </p:extLst>
+  </p:cSld>
+  <p:clrMapOvr>
+    <a:masterClrMapping/>
+  </p:clrMapOvr>
+</p:sld>
+</file>
+
+<file path=ppt/slides/slide14.xml><?xml version="1.0" encoding="utf-8"?>
+<p:sld xmlns:a="http://schemas.openxmlformats.org/drawingml/2006/main" xmlns:r="http://schemas.openxmlformats.org/officeDocument/2006/relationships" xmlns:p="http://schemas.openxmlformats.org/presentationml/2006/main">
+  <p:cSld>
+    <p:spTree>
+      <p:nvGrpSpPr>
+        <p:cNvPr id="1" name="">
+          <a:extLst>
+            <a:ext uri="{FF2B5EF4-FFF2-40B4-BE49-F238E27FC236}">
+              <a16:creationId xmlns:a16="http://schemas.microsoft.com/office/drawing/2014/main" id="{E871697D-9580-B24A-F1FC-3CF451DEE104}"/>
+            </a:ext>
+          </a:extLst>
+        </p:cNvPr>
+        <p:cNvGrpSpPr/>
+        <p:nvPr/>
+      </p:nvGrpSpPr>
+      <p:grpSpPr>
+        <a:xfrm>
+          <a:off x="0" y="0"/>
+          <a:ext cx="0" cy="0"/>
+          <a:chOff x="0" y="0"/>
+          <a:chExt cx="0" cy="0"/>
+        </a:xfrm>
+      </p:grpSpPr>
+      <p:pic>
+        <p:nvPicPr>
+          <p:cNvPr id="7" name="Picture 6">
+            <a:extLst>
+              <a:ext uri="{FF2B5EF4-FFF2-40B4-BE49-F238E27FC236}">
+                <a16:creationId xmlns:a16="http://schemas.microsoft.com/office/drawing/2014/main" id="{D7945CC2-28F9-4A66-91B1-DC51417A1360}"/>
+              </a:ext>
+            </a:extLst>
+          </p:cNvPr>
+          <p:cNvPicPr>
+            <a:picLocks noChangeAspect="1"/>
+          </p:cNvPicPr>
+          <p:nvPr/>
+        </p:nvPicPr>
+        <p:blipFill>
+          <a:blip r:embed="rId3">
+            <a:extLst>
+              <a:ext uri="{28A0092B-C50C-407E-A947-70E740481C1C}">
+                <a14:useLocalDpi xmlns:a14="http://schemas.microsoft.com/office/drawing/2010/main" val="0"/>
+              </a:ext>
+            </a:extLst>
+          </a:blip>
+          <a:stretch>
+            <a:fillRect/>
+          </a:stretch>
+        </p:blipFill>
+        <p:spPr>
+          <a:xfrm>
+            <a:off x="9372917" y="-107801"/>
+            <a:ext cx="1571625" cy="747713"/>
+          </a:xfrm>
+          <a:prstGeom prst="rect">
+            <a:avLst/>
+          </a:prstGeom>
+        </p:spPr>
+      </p:pic>
+      <p:sp>
+        <p:nvSpPr>
+          <p:cNvPr id="64" name="슬라이드 번호 개체 틀 2">
+            <a:extLst>
+              <a:ext uri="{FF2B5EF4-FFF2-40B4-BE49-F238E27FC236}">
+                <a16:creationId xmlns:a16="http://schemas.microsoft.com/office/drawing/2014/main" id="{E24F6677-9527-B590-58C4-88BA25798912}"/>
+              </a:ext>
+            </a:extLst>
+          </p:cNvPr>
+          <p:cNvSpPr txBox="1">
+            <a:spLocks/>
+          </p:cNvSpPr>
+          <p:nvPr/>
+        </p:nvSpPr>
+        <p:spPr>
+          <a:xfrm>
+            <a:off x="7925012" y="7042731"/>
+            <a:ext cx="2495127" cy="402567"/>
+          </a:xfrm>
+          <a:prstGeom prst="rect">
+            <a:avLst/>
+          </a:prstGeom>
+        </p:spPr>
+        <p:txBody>
+          <a:bodyPr vert="horz" lIns="99569" tIns="49785" rIns="99569" bIns="49785" rtlCol="0" anchor="ctr"/>
+          <a:lstStyle>
+            <a:defPPr>
+              <a:defRPr lang="ko-KR"/>
+            </a:defPPr>
+            <a:lvl1pPr marL="0" algn="r" defTabSz="995690" rtl="0" eaLnBrk="1" latinLnBrk="1" hangingPunct="1">
+              <a:defRPr sz="1300" kern="1200">
+                <a:solidFill>
+                  <a:schemeClr val="tx1">
+                    <a:tint val="75000"/>
+                  </a:schemeClr>
+                </a:solidFill>
+                <a:latin typeface="+mn-lt"/>
+                <a:ea typeface="+mn-ea"/>
+                <a:cs typeface="+mn-cs"/>
+              </a:defRPr>
+            </a:lvl1pPr>
+            <a:lvl2pPr marL="497845" algn="l" defTabSz="995690" rtl="0" eaLnBrk="1" latinLnBrk="1" hangingPunct="1">
+              <a:defRPr sz="2000" kern="1200">
+                <a:solidFill>
+                  <a:schemeClr val="tx1"/>
+                </a:solidFill>
+                <a:latin typeface="+mn-lt"/>
+                <a:ea typeface="+mn-ea"/>
+                <a:cs typeface="+mn-cs"/>
+              </a:defRPr>
+            </a:lvl2pPr>
+            <a:lvl3pPr marL="995690" algn="l" defTabSz="995690" rtl="0" eaLnBrk="1" latinLnBrk="1" hangingPunct="1">
+              <a:defRPr sz="2000" kern="1200">
+                <a:solidFill>
+                  <a:schemeClr val="tx1"/>
+                </a:solidFill>
+                <a:latin typeface="+mn-lt"/>
+                <a:ea typeface="+mn-ea"/>
+                <a:cs typeface="+mn-cs"/>
+              </a:defRPr>
+            </a:lvl3pPr>
+            <a:lvl4pPr marL="1493535" algn="l" defTabSz="995690" rtl="0" eaLnBrk="1" latinLnBrk="1" hangingPunct="1">
+              <a:defRPr sz="2000" kern="1200">
+                <a:solidFill>
+                  <a:schemeClr val="tx1"/>
+                </a:solidFill>
+                <a:latin typeface="+mn-lt"/>
+                <a:ea typeface="+mn-ea"/>
+                <a:cs typeface="+mn-cs"/>
+              </a:defRPr>
+            </a:lvl4pPr>
+            <a:lvl5pPr marL="1991380" algn="l" defTabSz="995690" rtl="0" eaLnBrk="1" latinLnBrk="1" hangingPunct="1">
+              <a:defRPr sz="2000" kern="1200">
+                <a:solidFill>
+                  <a:schemeClr val="tx1"/>
+                </a:solidFill>
+                <a:latin typeface="+mn-lt"/>
+                <a:ea typeface="+mn-ea"/>
+                <a:cs typeface="+mn-cs"/>
+              </a:defRPr>
+            </a:lvl5pPr>
+            <a:lvl6pPr marL="2489225" algn="l" defTabSz="995690" rtl="0" eaLnBrk="1" latinLnBrk="1" hangingPunct="1">
+              <a:defRPr sz="2000" kern="1200">
+                <a:solidFill>
+                  <a:schemeClr val="tx1"/>
+                </a:solidFill>
+                <a:latin typeface="+mn-lt"/>
+                <a:ea typeface="+mn-ea"/>
+                <a:cs typeface="+mn-cs"/>
+              </a:defRPr>
+            </a:lvl6pPr>
+            <a:lvl7pPr marL="2987070" algn="l" defTabSz="995690" rtl="0" eaLnBrk="1" latinLnBrk="1" hangingPunct="1">
+              <a:defRPr sz="2000" kern="1200">
+                <a:solidFill>
+                  <a:schemeClr val="tx1"/>
+                </a:solidFill>
+                <a:latin typeface="+mn-lt"/>
+                <a:ea typeface="+mn-ea"/>
+                <a:cs typeface="+mn-cs"/>
+              </a:defRPr>
+            </a:lvl7pPr>
+            <a:lvl8pPr marL="3484916" algn="l" defTabSz="995690" rtl="0" eaLnBrk="1" latinLnBrk="1" hangingPunct="1">
+              <a:defRPr sz="2000" kern="1200">
+                <a:solidFill>
+                  <a:schemeClr val="tx1"/>
+                </a:solidFill>
+                <a:latin typeface="+mn-lt"/>
+                <a:ea typeface="+mn-ea"/>
+                <a:cs typeface="+mn-cs"/>
+              </a:defRPr>
+            </a:lvl8pPr>
+            <a:lvl9pPr marL="3982761" algn="l" defTabSz="995690" rtl="0" eaLnBrk="1" latinLnBrk="1" hangingPunct="1">
+              <a:defRPr sz="2000" kern="1200">
+                <a:solidFill>
+                  <a:schemeClr val="tx1"/>
+                </a:solidFill>
+                <a:latin typeface="+mn-lt"/>
+                <a:ea typeface="+mn-ea"/>
+                <a:cs typeface="+mn-cs"/>
+              </a:defRPr>
+            </a:lvl9pPr>
+          </a:lstStyle>
+          <a:p>
+            <a:fld id="{1B597EC8-03FB-421D-BA76-5865596B8B77}" type="slidenum">
+              <a:rPr lang="ko-KR" altLang="en-US" smtClean="0"/>
+              <a:pPr/>
+              <a:t>13</a:t>
+            </a:fld>
+            <a:endParaRPr lang="ko-KR" altLang="en-US" dirty="0"/>
+          </a:p>
+        </p:txBody>
+      </p:sp>
+      <p:sp>
+        <p:nvSpPr>
+          <p:cNvPr id="2" name="TextBox 1">
+            <a:extLst>
+              <a:ext uri="{FF2B5EF4-FFF2-40B4-BE49-F238E27FC236}">
+                <a16:creationId xmlns:a16="http://schemas.microsoft.com/office/drawing/2014/main" id="{E03D9315-840B-297E-6DF5-E7088C14CDC7}"/>
+              </a:ext>
+            </a:extLst>
+          </p:cNvPr>
+          <p:cNvSpPr txBox="1"/>
+          <p:nvPr/>
+        </p:nvSpPr>
+        <p:spPr>
+          <a:xfrm>
+            <a:off x="162124" y="115965"/>
+            <a:ext cx="8327848" cy="589072"/>
+          </a:xfrm>
+          <a:prstGeom prst="rect">
+            <a:avLst/>
+          </a:prstGeom>
+          <a:noFill/>
+        </p:spPr>
+        <p:txBody>
+          <a:bodyPr wrap="square" rtlCol="0">
+            <a:spAutoFit/>
+          </a:bodyPr>
+          <a:lstStyle/>
+          <a:p>
+            <a:pPr>
+              <a:lnSpc>
+                <a:spcPct val="150000"/>
+              </a:lnSpc>
+            </a:pPr>
+            <a:r>
+              <a:rPr lang="en-US" altLang="ko-KR" sz="2400" dirty="0">
+                <a:solidFill>
+                  <a:schemeClr val="accent6"/>
+                </a:solidFill>
+                <a:latin typeface="Caladea"/>
+                <a:ea typeface="HY견고딕" pitchFamily="18" charset="-127"/>
+              </a:rPr>
+              <a:t>UBFC: Vid_20 </a:t>
+            </a:r>
+          </a:p>
+        </p:txBody>
+      </p:sp>
+      <p:sp>
+        <p:nvSpPr>
+          <p:cNvPr id="15" name="AutoShape 4" descr="Output image">
+            <a:extLst>
+              <a:ext uri="{FF2B5EF4-FFF2-40B4-BE49-F238E27FC236}">
+                <a16:creationId xmlns:a16="http://schemas.microsoft.com/office/drawing/2014/main" id="{6D6FBE01-F851-694A-905C-7E34796C12B4}"/>
+              </a:ext>
+            </a:extLst>
+          </p:cNvPr>
+          <p:cNvSpPr>
+            <a:spLocks noChangeAspect="1" noChangeArrowheads="1"/>
+          </p:cNvSpPr>
+          <p:nvPr/>
+        </p:nvSpPr>
+        <p:spPr bwMode="auto">
+          <a:xfrm>
+            <a:off x="190500" y="152400"/>
+            <a:ext cx="10617200" cy="7561263"/>
+          </a:xfrm>
+          <a:prstGeom prst="rect">
+            <a:avLst/>
+          </a:prstGeom>
+          <a:noFill/>
+          <a:extLst>
+            <a:ext uri="{909E8E84-426E-40DD-AFC4-6F175D3DCCD1}">
+              <a14:hiddenFill xmlns:a14="http://schemas.microsoft.com/office/drawing/2010/main">
+                <a:solidFill>
+                  <a:srgbClr val="FFFFFF"/>
+                </a:solidFill>
+              </a14:hiddenFill>
+            </a:ext>
+          </a:extLst>
+        </p:spPr>
+        <p:txBody>
+          <a:bodyPr vert="horz" wrap="square" lIns="91440" tIns="45720" rIns="91440" bIns="45720" numCol="1" anchor="t" anchorCtr="0" compatLnSpc="1">
+            <a:prstTxWarp prst="textNoShape">
+              <a:avLst/>
+            </a:prstTxWarp>
+          </a:bodyPr>
+          <a:lstStyle/>
+          <a:p>
+            <a:endParaRPr lang="en-US"/>
+          </a:p>
+        </p:txBody>
+      </p:sp>
+      <p:pic>
+        <p:nvPicPr>
+          <p:cNvPr id="5" name="Picture 4">
+            <a:extLst>
+              <a:ext uri="{FF2B5EF4-FFF2-40B4-BE49-F238E27FC236}">
+                <a16:creationId xmlns:a16="http://schemas.microsoft.com/office/drawing/2014/main" id="{FFD8A1B6-C080-F219-FC60-842B2234A628}"/>
+              </a:ext>
+            </a:extLst>
+          </p:cNvPr>
+          <p:cNvPicPr>
+            <a:picLocks noChangeAspect="1"/>
+          </p:cNvPicPr>
+          <p:nvPr/>
+        </p:nvPicPr>
+        <p:blipFill>
+          <a:blip r:embed="rId4">
+            <a:extLst>
+              <a:ext uri="{28A0092B-C50C-407E-A947-70E740481C1C}">
+                <a14:useLocalDpi xmlns:a14="http://schemas.microsoft.com/office/drawing/2010/main" val="0"/>
+              </a:ext>
+            </a:extLst>
+          </a:blip>
+          <a:stretch>
+            <a:fillRect/>
+          </a:stretch>
+        </p:blipFill>
+        <p:spPr>
+          <a:xfrm>
+            <a:off x="0" y="1285505"/>
+            <a:ext cx="10693400" cy="4990253"/>
+          </a:xfrm>
+          <a:prstGeom prst="rect">
+            <a:avLst/>
+          </a:prstGeom>
+        </p:spPr>
+      </p:pic>
+    </p:spTree>
+    <p:extLst>
+      <p:ext uri="{BB962C8B-B14F-4D97-AF65-F5344CB8AC3E}">
+        <p14:creationId xmlns:p14="http://schemas.microsoft.com/office/powerpoint/2010/main" val="1439970200"/>
+      </p:ext>
+    </p:extLst>
+  </p:cSld>
+  <p:clrMapOvr>
+    <a:masterClrMapping/>
+  </p:clrMapOvr>
+</p:sld>
+</file>
+
+<file path=ppt/slides/slide15.xml><?xml version="1.0" encoding="utf-8"?>
+<p:sld xmlns:a="http://schemas.openxmlformats.org/drawingml/2006/main" xmlns:r="http://schemas.openxmlformats.org/officeDocument/2006/relationships" xmlns:p="http://schemas.openxmlformats.org/presentationml/2006/main">
+  <p:cSld>
+    <p:spTree>
+      <p:nvGrpSpPr>
+        <p:cNvPr id="1" name="">
+          <a:extLst>
+            <a:ext uri="{FF2B5EF4-FFF2-40B4-BE49-F238E27FC236}">
+              <a16:creationId xmlns:a16="http://schemas.microsoft.com/office/drawing/2014/main" id="{E871697D-9580-B24A-F1FC-3CF451DEE104}"/>
+            </a:ext>
+          </a:extLst>
+        </p:cNvPr>
+        <p:cNvGrpSpPr/>
+        <p:nvPr/>
+      </p:nvGrpSpPr>
+      <p:grpSpPr>
+        <a:xfrm>
+          <a:off x="0" y="0"/>
+          <a:ext cx="0" cy="0"/>
+          <a:chOff x="0" y="0"/>
+          <a:chExt cx="0" cy="0"/>
+        </a:xfrm>
+      </p:grpSpPr>
+      <p:pic>
+        <p:nvPicPr>
+          <p:cNvPr id="7" name="Picture 6">
+            <a:extLst>
+              <a:ext uri="{FF2B5EF4-FFF2-40B4-BE49-F238E27FC236}">
+                <a16:creationId xmlns:a16="http://schemas.microsoft.com/office/drawing/2014/main" id="{D7945CC2-28F9-4A66-91B1-DC51417A1360}"/>
+              </a:ext>
+            </a:extLst>
+          </p:cNvPr>
+          <p:cNvPicPr>
+            <a:picLocks noChangeAspect="1"/>
+          </p:cNvPicPr>
+          <p:nvPr/>
+        </p:nvPicPr>
+        <p:blipFill>
+          <a:blip r:embed="rId3">
+            <a:extLst>
+              <a:ext uri="{28A0092B-C50C-407E-A947-70E740481C1C}">
+                <a14:useLocalDpi xmlns:a14="http://schemas.microsoft.com/office/drawing/2010/main" val="0"/>
+              </a:ext>
+            </a:extLst>
+          </a:blip>
+          <a:stretch>
+            <a:fillRect/>
+          </a:stretch>
+        </p:blipFill>
+        <p:spPr>
+          <a:xfrm>
+            <a:off x="9372917" y="-107801"/>
+            <a:ext cx="1571625" cy="747713"/>
+          </a:xfrm>
+          <a:prstGeom prst="rect">
+            <a:avLst/>
+          </a:prstGeom>
+        </p:spPr>
+      </p:pic>
+      <p:sp>
+        <p:nvSpPr>
+          <p:cNvPr id="64" name="슬라이드 번호 개체 틀 2">
+            <a:extLst>
+              <a:ext uri="{FF2B5EF4-FFF2-40B4-BE49-F238E27FC236}">
+                <a16:creationId xmlns:a16="http://schemas.microsoft.com/office/drawing/2014/main" id="{E24F6677-9527-B590-58C4-88BA25798912}"/>
+              </a:ext>
+            </a:extLst>
+          </p:cNvPr>
+          <p:cNvSpPr txBox="1">
+            <a:spLocks/>
+          </p:cNvSpPr>
+          <p:nvPr/>
+        </p:nvSpPr>
+        <p:spPr>
+          <a:xfrm>
+            <a:off x="7925012" y="7042731"/>
+            <a:ext cx="2495127" cy="402567"/>
+          </a:xfrm>
+          <a:prstGeom prst="rect">
+            <a:avLst/>
+          </a:prstGeom>
+        </p:spPr>
+        <p:txBody>
+          <a:bodyPr vert="horz" lIns="99569" tIns="49785" rIns="99569" bIns="49785" rtlCol="0" anchor="ctr"/>
+          <a:lstStyle>
+            <a:defPPr>
+              <a:defRPr lang="ko-KR"/>
+            </a:defPPr>
+            <a:lvl1pPr marL="0" algn="r" defTabSz="995690" rtl="0" eaLnBrk="1" latinLnBrk="1" hangingPunct="1">
+              <a:defRPr sz="1300" kern="1200">
+                <a:solidFill>
+                  <a:schemeClr val="tx1">
+                    <a:tint val="75000"/>
+                  </a:schemeClr>
+                </a:solidFill>
+                <a:latin typeface="+mn-lt"/>
+                <a:ea typeface="+mn-ea"/>
+                <a:cs typeface="+mn-cs"/>
+              </a:defRPr>
+            </a:lvl1pPr>
+            <a:lvl2pPr marL="497845" algn="l" defTabSz="995690" rtl="0" eaLnBrk="1" latinLnBrk="1" hangingPunct="1">
+              <a:defRPr sz="2000" kern="1200">
+                <a:solidFill>
+                  <a:schemeClr val="tx1"/>
+                </a:solidFill>
+                <a:latin typeface="+mn-lt"/>
+                <a:ea typeface="+mn-ea"/>
+                <a:cs typeface="+mn-cs"/>
+              </a:defRPr>
+            </a:lvl2pPr>
+            <a:lvl3pPr marL="995690" algn="l" defTabSz="995690" rtl="0" eaLnBrk="1" latinLnBrk="1" hangingPunct="1">
+              <a:defRPr sz="2000" kern="1200">
+                <a:solidFill>
+                  <a:schemeClr val="tx1"/>
+                </a:solidFill>
+                <a:latin typeface="+mn-lt"/>
+                <a:ea typeface="+mn-ea"/>
+                <a:cs typeface="+mn-cs"/>
+              </a:defRPr>
+            </a:lvl3pPr>
+            <a:lvl4pPr marL="1493535" algn="l" defTabSz="995690" rtl="0" eaLnBrk="1" latinLnBrk="1" hangingPunct="1">
+              <a:defRPr sz="2000" kern="1200">
+                <a:solidFill>
+                  <a:schemeClr val="tx1"/>
+                </a:solidFill>
+                <a:latin typeface="+mn-lt"/>
+                <a:ea typeface="+mn-ea"/>
+                <a:cs typeface="+mn-cs"/>
+              </a:defRPr>
+            </a:lvl4pPr>
+            <a:lvl5pPr marL="1991380" algn="l" defTabSz="995690" rtl="0" eaLnBrk="1" latinLnBrk="1" hangingPunct="1">
+              <a:defRPr sz="2000" kern="1200">
+                <a:solidFill>
+                  <a:schemeClr val="tx1"/>
+                </a:solidFill>
+                <a:latin typeface="+mn-lt"/>
+                <a:ea typeface="+mn-ea"/>
+                <a:cs typeface="+mn-cs"/>
+              </a:defRPr>
+            </a:lvl5pPr>
+            <a:lvl6pPr marL="2489225" algn="l" defTabSz="995690" rtl="0" eaLnBrk="1" latinLnBrk="1" hangingPunct="1">
+              <a:defRPr sz="2000" kern="1200">
+                <a:solidFill>
+                  <a:schemeClr val="tx1"/>
+                </a:solidFill>
+                <a:latin typeface="+mn-lt"/>
+                <a:ea typeface="+mn-ea"/>
+                <a:cs typeface="+mn-cs"/>
+              </a:defRPr>
+            </a:lvl6pPr>
+            <a:lvl7pPr marL="2987070" algn="l" defTabSz="995690" rtl="0" eaLnBrk="1" latinLnBrk="1" hangingPunct="1">
+              <a:defRPr sz="2000" kern="1200">
+                <a:solidFill>
+                  <a:schemeClr val="tx1"/>
+                </a:solidFill>
+                <a:latin typeface="+mn-lt"/>
+                <a:ea typeface="+mn-ea"/>
+                <a:cs typeface="+mn-cs"/>
+              </a:defRPr>
+            </a:lvl7pPr>
+            <a:lvl8pPr marL="3484916" algn="l" defTabSz="995690" rtl="0" eaLnBrk="1" latinLnBrk="1" hangingPunct="1">
+              <a:defRPr sz="2000" kern="1200">
+                <a:solidFill>
+                  <a:schemeClr val="tx1"/>
+                </a:solidFill>
+                <a:latin typeface="+mn-lt"/>
+                <a:ea typeface="+mn-ea"/>
+                <a:cs typeface="+mn-cs"/>
+              </a:defRPr>
+            </a:lvl8pPr>
+            <a:lvl9pPr marL="3982761" algn="l" defTabSz="995690" rtl="0" eaLnBrk="1" latinLnBrk="1" hangingPunct="1">
+              <a:defRPr sz="2000" kern="1200">
+                <a:solidFill>
+                  <a:schemeClr val="tx1"/>
+                </a:solidFill>
+                <a:latin typeface="+mn-lt"/>
+                <a:ea typeface="+mn-ea"/>
+                <a:cs typeface="+mn-cs"/>
+              </a:defRPr>
+            </a:lvl9pPr>
+          </a:lstStyle>
+          <a:p>
+            <a:fld id="{1B597EC8-03FB-421D-BA76-5865596B8B77}" type="slidenum">
+              <a:rPr lang="ko-KR" altLang="en-US" smtClean="0"/>
+              <a:pPr/>
+              <a:t>14</a:t>
+            </a:fld>
+            <a:endParaRPr lang="ko-KR" altLang="en-US" dirty="0"/>
+          </a:p>
+        </p:txBody>
+      </p:sp>
+      <p:sp>
+        <p:nvSpPr>
+          <p:cNvPr id="2" name="TextBox 1">
+            <a:extLst>
+              <a:ext uri="{FF2B5EF4-FFF2-40B4-BE49-F238E27FC236}">
+                <a16:creationId xmlns:a16="http://schemas.microsoft.com/office/drawing/2014/main" id="{E03D9315-840B-297E-6DF5-E7088C14CDC7}"/>
+              </a:ext>
+            </a:extLst>
+          </p:cNvPr>
+          <p:cNvSpPr txBox="1"/>
+          <p:nvPr/>
+        </p:nvSpPr>
+        <p:spPr>
+          <a:xfrm>
+            <a:off x="162124" y="115965"/>
+            <a:ext cx="8327848" cy="589072"/>
+          </a:xfrm>
+          <a:prstGeom prst="rect">
+            <a:avLst/>
+          </a:prstGeom>
+          <a:noFill/>
+        </p:spPr>
+        <p:txBody>
+          <a:bodyPr wrap="square" rtlCol="0">
+            <a:spAutoFit/>
+          </a:bodyPr>
+          <a:lstStyle/>
+          <a:p>
+            <a:pPr>
+              <a:lnSpc>
+                <a:spcPct val="150000"/>
+              </a:lnSpc>
+            </a:pPr>
+            <a:r>
+              <a:rPr lang="en-US" altLang="ko-KR" sz="2400" dirty="0">
+                <a:solidFill>
+                  <a:schemeClr val="accent6"/>
+                </a:solidFill>
+                <a:latin typeface="Caladea"/>
+                <a:ea typeface="HY견고딕" pitchFamily="18" charset="-127"/>
+              </a:rPr>
+              <a:t>UBFC: Vid_31 </a:t>
+            </a:r>
+          </a:p>
+        </p:txBody>
+      </p:sp>
+      <p:sp>
+        <p:nvSpPr>
+          <p:cNvPr id="15" name="AutoShape 4" descr="Output image">
+            <a:extLst>
+              <a:ext uri="{FF2B5EF4-FFF2-40B4-BE49-F238E27FC236}">
+                <a16:creationId xmlns:a16="http://schemas.microsoft.com/office/drawing/2014/main" id="{6D6FBE01-F851-694A-905C-7E34796C12B4}"/>
+              </a:ext>
+            </a:extLst>
+          </p:cNvPr>
+          <p:cNvSpPr>
+            <a:spLocks noChangeAspect="1" noChangeArrowheads="1"/>
+          </p:cNvSpPr>
+          <p:nvPr/>
+        </p:nvSpPr>
+        <p:spPr bwMode="auto">
+          <a:xfrm>
+            <a:off x="190500" y="152400"/>
+            <a:ext cx="10617200" cy="7561263"/>
+          </a:xfrm>
+          <a:prstGeom prst="rect">
+            <a:avLst/>
+          </a:prstGeom>
+          <a:noFill/>
+          <a:extLst>
+            <a:ext uri="{909E8E84-426E-40DD-AFC4-6F175D3DCCD1}">
+              <a14:hiddenFill xmlns:a14="http://schemas.microsoft.com/office/drawing/2010/main">
+                <a:solidFill>
+                  <a:srgbClr val="FFFFFF"/>
+                </a:solidFill>
+              </a14:hiddenFill>
+            </a:ext>
+          </a:extLst>
+        </p:spPr>
+        <p:txBody>
+          <a:bodyPr vert="horz" wrap="square" lIns="91440" tIns="45720" rIns="91440" bIns="45720" numCol="1" anchor="t" anchorCtr="0" compatLnSpc="1">
+            <a:prstTxWarp prst="textNoShape">
+              <a:avLst/>
+            </a:prstTxWarp>
+          </a:bodyPr>
+          <a:lstStyle/>
+          <a:p>
+            <a:endParaRPr lang="en-US"/>
+          </a:p>
+        </p:txBody>
+      </p:sp>
+      <p:pic>
+        <p:nvPicPr>
+          <p:cNvPr id="4" name="Picture 3">
+            <a:extLst>
+              <a:ext uri="{FF2B5EF4-FFF2-40B4-BE49-F238E27FC236}">
+                <a16:creationId xmlns:a16="http://schemas.microsoft.com/office/drawing/2014/main" id="{86FD52B3-096B-4690-E441-D6A7654C0C21}"/>
+              </a:ext>
+            </a:extLst>
+          </p:cNvPr>
+          <p:cNvPicPr>
+            <a:picLocks noChangeAspect="1"/>
+          </p:cNvPicPr>
+          <p:nvPr/>
+        </p:nvPicPr>
+        <p:blipFill>
+          <a:blip r:embed="rId4">
+            <a:extLst>
+              <a:ext uri="{28A0092B-C50C-407E-A947-70E740481C1C}">
+                <a14:useLocalDpi xmlns:a14="http://schemas.microsoft.com/office/drawing/2010/main" val="0"/>
+              </a:ext>
+            </a:extLst>
+          </a:blip>
+          <a:stretch>
+            <a:fillRect/>
+          </a:stretch>
+        </p:blipFill>
+        <p:spPr>
+          <a:xfrm>
+            <a:off x="0" y="965238"/>
+            <a:ext cx="10693400" cy="4493025"/>
+          </a:xfrm>
+          <a:prstGeom prst="rect">
+            <a:avLst/>
+          </a:prstGeom>
+        </p:spPr>
+      </p:pic>
+      <p:sp>
+        <p:nvSpPr>
+          <p:cNvPr id="6" name="TextBox 5">
+            <a:extLst>
+              <a:ext uri="{FF2B5EF4-FFF2-40B4-BE49-F238E27FC236}">
+                <a16:creationId xmlns:a16="http://schemas.microsoft.com/office/drawing/2014/main" id="{3F3A0913-771B-7F4F-576B-5D3AC19783D1}"/>
+              </a:ext>
+            </a:extLst>
+          </p:cNvPr>
+          <p:cNvSpPr txBox="1"/>
+          <p:nvPr/>
+        </p:nvSpPr>
+        <p:spPr>
+          <a:xfrm>
+            <a:off x="306140" y="5392110"/>
+            <a:ext cx="4580136" cy="461665"/>
+          </a:xfrm>
+          <a:prstGeom prst="rect">
+            <a:avLst/>
+          </a:prstGeom>
+          <a:noFill/>
+        </p:spPr>
+        <p:txBody>
+          <a:bodyPr wrap="square">
+            <a:spAutoFit/>
+          </a:bodyPr>
+          <a:lstStyle/>
+          <a:p>
+            <a:r>
+              <a:rPr lang="en-US" sz="1200" dirty="0">
+                <a:latin typeface="Consolas" panose="020B0609020204030204" pitchFamily="49" charset="0"/>
+              </a:rPr>
+              <a:t>| seq id | </a:t>
+            </a:r>
+            <a:r>
+              <a:rPr lang="el-GR" sz="1200" dirty="0">
+                <a:latin typeface="Consolas" panose="020B0609020204030204" pitchFamily="49" charset="0"/>
+              </a:rPr>
+              <a:t>Δ</a:t>
+            </a:r>
+            <a:r>
+              <a:rPr lang="en-US" sz="1200" dirty="0" err="1">
+                <a:latin typeface="Consolas" panose="020B0609020204030204" pitchFamily="49" charset="0"/>
+              </a:rPr>
+              <a:t>orig</a:t>
+            </a:r>
+            <a:r>
+              <a:rPr lang="en-US" sz="1200" dirty="0">
+                <a:latin typeface="Consolas" panose="020B0609020204030204" pitchFamily="49" charset="0"/>
+              </a:rPr>
+              <a:t>  | </a:t>
+            </a:r>
+            <a:r>
+              <a:rPr lang="el-GR" sz="1200" dirty="0">
+                <a:latin typeface="Consolas" panose="020B0609020204030204" pitchFamily="49" charset="0"/>
+              </a:rPr>
+              <a:t>Δ</a:t>
+            </a:r>
+            <a:r>
+              <a:rPr lang="en-US" sz="1200" dirty="0" err="1">
+                <a:latin typeface="Consolas" panose="020B0609020204030204" pitchFamily="49" charset="0"/>
+              </a:rPr>
+              <a:t>corr</a:t>
+            </a:r>
+            <a:r>
+              <a:rPr lang="en-US" sz="1200" dirty="0">
+                <a:latin typeface="Consolas" panose="020B0609020204030204" pitchFamily="49" charset="0"/>
+              </a:rPr>
+              <a:t>  | delta </a:t>
+            </a:r>
+            <a:r>
+              <a:rPr lang="en-US" sz="1200" dirty="0" err="1">
+                <a:latin typeface="Consolas" panose="020B0609020204030204" pitchFamily="49" charset="0"/>
+              </a:rPr>
+              <a:t>fr</a:t>
+            </a:r>
+            <a:r>
+              <a:rPr lang="en-US" sz="1200" dirty="0">
+                <a:latin typeface="Consolas" panose="020B0609020204030204" pitchFamily="49" charset="0"/>
+              </a:rPr>
+              <a:t> | remain </a:t>
+            </a:r>
+            <a:r>
+              <a:rPr lang="en-US" sz="1200" dirty="0" err="1">
+                <a:latin typeface="Consolas" panose="020B0609020204030204" pitchFamily="49" charset="0"/>
+              </a:rPr>
+              <a:t>fr</a:t>
+            </a:r>
+            <a:r>
+              <a:rPr lang="en-US" sz="1200" dirty="0">
+                <a:latin typeface="Consolas" panose="020B0609020204030204" pitchFamily="49" charset="0"/>
+              </a:rPr>
+              <a:t> |</a:t>
+            </a:r>
+          </a:p>
+          <a:p>
+            <a:r>
+              <a:rPr lang="en-US" sz="1200" dirty="0">
+                <a:latin typeface="Consolas" panose="020B0609020204030204" pitchFamily="49" charset="0"/>
+              </a:rPr>
+              <a:t>| seq id | 39.00  | 39.00  | 39.000   | 0.000     |</a:t>
+            </a:r>
+          </a:p>
+        </p:txBody>
+      </p:sp>
+    </p:spTree>
+    <p:extLst>
+      <p:ext uri="{BB962C8B-B14F-4D97-AF65-F5344CB8AC3E}">
+        <p14:creationId xmlns:p14="http://schemas.microsoft.com/office/powerpoint/2010/main" val="2658991937"/>
+      </p:ext>
+    </p:extLst>
+  </p:cSld>
+  <p:clrMapOvr>
+    <a:masterClrMapping/>
+  </p:clrMapOvr>
+</p:sld>
+</file>
+
+<file path=ppt/slides/slide16.xml><?xml version="1.0" encoding="utf-8"?>
+<p:sld xmlns:a="http://schemas.openxmlformats.org/drawingml/2006/main" xmlns:r="http://schemas.openxmlformats.org/officeDocument/2006/relationships" xmlns:p="http://schemas.openxmlformats.org/presentationml/2006/main">
+  <p:cSld>
+    <p:spTree>
+      <p:nvGrpSpPr>
+        <p:cNvPr id="1" name="">
+          <a:extLst>
+            <a:ext uri="{FF2B5EF4-FFF2-40B4-BE49-F238E27FC236}">
+              <a16:creationId xmlns:a16="http://schemas.microsoft.com/office/drawing/2014/main" id="{E871697D-9580-B24A-F1FC-3CF451DEE104}"/>
+            </a:ext>
+          </a:extLst>
+        </p:cNvPr>
+        <p:cNvGrpSpPr/>
+        <p:nvPr/>
+      </p:nvGrpSpPr>
+      <p:grpSpPr>
+        <a:xfrm>
+          <a:off x="0" y="0"/>
+          <a:ext cx="0" cy="0"/>
+          <a:chOff x="0" y="0"/>
+          <a:chExt cx="0" cy="0"/>
+        </a:xfrm>
+      </p:grpSpPr>
+      <p:pic>
+        <p:nvPicPr>
+          <p:cNvPr id="7" name="Picture 6">
+            <a:extLst>
+              <a:ext uri="{FF2B5EF4-FFF2-40B4-BE49-F238E27FC236}">
+                <a16:creationId xmlns:a16="http://schemas.microsoft.com/office/drawing/2014/main" id="{D7945CC2-28F9-4A66-91B1-DC51417A1360}"/>
+              </a:ext>
+            </a:extLst>
+          </p:cNvPr>
+          <p:cNvPicPr>
+            <a:picLocks noChangeAspect="1"/>
+          </p:cNvPicPr>
+          <p:nvPr/>
+        </p:nvPicPr>
+        <p:blipFill>
+          <a:blip r:embed="rId3">
+            <a:extLst>
+              <a:ext uri="{28A0092B-C50C-407E-A947-70E740481C1C}">
+                <a14:useLocalDpi xmlns:a14="http://schemas.microsoft.com/office/drawing/2010/main" val="0"/>
+              </a:ext>
+            </a:extLst>
+          </a:blip>
+          <a:stretch>
+            <a:fillRect/>
+          </a:stretch>
+        </p:blipFill>
+        <p:spPr>
+          <a:xfrm>
+            <a:off x="9372917" y="-107801"/>
+            <a:ext cx="1571625" cy="747713"/>
+          </a:xfrm>
+          <a:prstGeom prst="rect">
+            <a:avLst/>
+          </a:prstGeom>
+        </p:spPr>
+      </p:pic>
+      <p:sp>
+        <p:nvSpPr>
+          <p:cNvPr id="64" name="슬라이드 번호 개체 틀 2">
+            <a:extLst>
+              <a:ext uri="{FF2B5EF4-FFF2-40B4-BE49-F238E27FC236}">
+                <a16:creationId xmlns:a16="http://schemas.microsoft.com/office/drawing/2014/main" id="{E24F6677-9527-B590-58C4-88BA25798912}"/>
+              </a:ext>
+            </a:extLst>
+          </p:cNvPr>
+          <p:cNvSpPr txBox="1">
+            <a:spLocks/>
+          </p:cNvSpPr>
+          <p:nvPr/>
+        </p:nvSpPr>
+        <p:spPr>
+          <a:xfrm>
+            <a:off x="7925012" y="7042731"/>
+            <a:ext cx="2495127" cy="402567"/>
+          </a:xfrm>
+          <a:prstGeom prst="rect">
+            <a:avLst/>
+          </a:prstGeom>
+        </p:spPr>
+        <p:txBody>
+          <a:bodyPr vert="horz" lIns="99569" tIns="49785" rIns="99569" bIns="49785" rtlCol="0" anchor="ctr"/>
+          <a:lstStyle>
+            <a:defPPr>
+              <a:defRPr lang="ko-KR"/>
+            </a:defPPr>
+            <a:lvl1pPr marL="0" algn="r" defTabSz="995690" rtl="0" eaLnBrk="1" latinLnBrk="1" hangingPunct="1">
+              <a:defRPr sz="1300" kern="1200">
+                <a:solidFill>
+                  <a:schemeClr val="tx1">
+                    <a:tint val="75000"/>
+                  </a:schemeClr>
+                </a:solidFill>
+                <a:latin typeface="+mn-lt"/>
+                <a:ea typeface="+mn-ea"/>
+                <a:cs typeface="+mn-cs"/>
+              </a:defRPr>
+            </a:lvl1pPr>
+            <a:lvl2pPr marL="497845" algn="l" defTabSz="995690" rtl="0" eaLnBrk="1" latinLnBrk="1" hangingPunct="1">
+              <a:defRPr sz="2000" kern="1200">
+                <a:solidFill>
+                  <a:schemeClr val="tx1"/>
+                </a:solidFill>
+                <a:latin typeface="+mn-lt"/>
+                <a:ea typeface="+mn-ea"/>
+                <a:cs typeface="+mn-cs"/>
+              </a:defRPr>
+            </a:lvl2pPr>
+            <a:lvl3pPr marL="995690" algn="l" defTabSz="995690" rtl="0" eaLnBrk="1" latinLnBrk="1" hangingPunct="1">
+              <a:defRPr sz="2000" kern="1200">
+                <a:solidFill>
+                  <a:schemeClr val="tx1"/>
+                </a:solidFill>
+                <a:latin typeface="+mn-lt"/>
+                <a:ea typeface="+mn-ea"/>
+                <a:cs typeface="+mn-cs"/>
+              </a:defRPr>
+            </a:lvl3pPr>
+            <a:lvl4pPr marL="1493535" algn="l" defTabSz="995690" rtl="0" eaLnBrk="1" latinLnBrk="1" hangingPunct="1">
+              <a:defRPr sz="2000" kern="1200">
+                <a:solidFill>
+                  <a:schemeClr val="tx1"/>
+                </a:solidFill>
+                <a:latin typeface="+mn-lt"/>
+                <a:ea typeface="+mn-ea"/>
+                <a:cs typeface="+mn-cs"/>
+              </a:defRPr>
+            </a:lvl4pPr>
+            <a:lvl5pPr marL="1991380" algn="l" defTabSz="995690" rtl="0" eaLnBrk="1" latinLnBrk="1" hangingPunct="1">
+              <a:defRPr sz="2000" kern="1200">
+                <a:solidFill>
+                  <a:schemeClr val="tx1"/>
+                </a:solidFill>
+                <a:latin typeface="+mn-lt"/>
+                <a:ea typeface="+mn-ea"/>
+                <a:cs typeface="+mn-cs"/>
+              </a:defRPr>
+            </a:lvl5pPr>
+            <a:lvl6pPr marL="2489225" algn="l" defTabSz="995690" rtl="0" eaLnBrk="1" latinLnBrk="1" hangingPunct="1">
+              <a:defRPr sz="2000" kern="1200">
+                <a:solidFill>
+                  <a:schemeClr val="tx1"/>
+                </a:solidFill>
+                <a:latin typeface="+mn-lt"/>
+                <a:ea typeface="+mn-ea"/>
+                <a:cs typeface="+mn-cs"/>
+              </a:defRPr>
+            </a:lvl6pPr>
+            <a:lvl7pPr marL="2987070" algn="l" defTabSz="995690" rtl="0" eaLnBrk="1" latinLnBrk="1" hangingPunct="1">
+              <a:defRPr sz="2000" kern="1200">
+                <a:solidFill>
+                  <a:schemeClr val="tx1"/>
+                </a:solidFill>
+                <a:latin typeface="+mn-lt"/>
+                <a:ea typeface="+mn-ea"/>
+                <a:cs typeface="+mn-cs"/>
+              </a:defRPr>
+            </a:lvl7pPr>
+            <a:lvl8pPr marL="3484916" algn="l" defTabSz="995690" rtl="0" eaLnBrk="1" latinLnBrk="1" hangingPunct="1">
+              <a:defRPr sz="2000" kern="1200">
+                <a:solidFill>
+                  <a:schemeClr val="tx1"/>
+                </a:solidFill>
+                <a:latin typeface="+mn-lt"/>
+                <a:ea typeface="+mn-ea"/>
+                <a:cs typeface="+mn-cs"/>
+              </a:defRPr>
+            </a:lvl8pPr>
+            <a:lvl9pPr marL="3982761" algn="l" defTabSz="995690" rtl="0" eaLnBrk="1" latinLnBrk="1" hangingPunct="1">
+              <a:defRPr sz="2000" kern="1200">
+                <a:solidFill>
+                  <a:schemeClr val="tx1"/>
+                </a:solidFill>
+                <a:latin typeface="+mn-lt"/>
+                <a:ea typeface="+mn-ea"/>
+                <a:cs typeface="+mn-cs"/>
+              </a:defRPr>
+            </a:lvl9pPr>
+          </a:lstStyle>
+          <a:p>
+            <a:fld id="{1B597EC8-03FB-421D-BA76-5865596B8B77}" type="slidenum">
+              <a:rPr lang="ko-KR" altLang="en-US" smtClean="0"/>
+              <a:pPr/>
+              <a:t>15</a:t>
+            </a:fld>
+            <a:endParaRPr lang="ko-KR" altLang="en-US" dirty="0"/>
+          </a:p>
+        </p:txBody>
+      </p:sp>
+      <p:sp>
+        <p:nvSpPr>
+          <p:cNvPr id="2" name="TextBox 1">
+            <a:extLst>
+              <a:ext uri="{FF2B5EF4-FFF2-40B4-BE49-F238E27FC236}">
+                <a16:creationId xmlns:a16="http://schemas.microsoft.com/office/drawing/2014/main" id="{E03D9315-840B-297E-6DF5-E7088C14CDC7}"/>
+              </a:ext>
+            </a:extLst>
+          </p:cNvPr>
+          <p:cNvSpPr txBox="1"/>
+          <p:nvPr/>
+        </p:nvSpPr>
+        <p:spPr>
+          <a:xfrm>
+            <a:off x="162124" y="115965"/>
+            <a:ext cx="8327848" cy="589072"/>
+          </a:xfrm>
+          <a:prstGeom prst="rect">
+            <a:avLst/>
+          </a:prstGeom>
+          <a:noFill/>
+        </p:spPr>
+        <p:txBody>
+          <a:bodyPr wrap="square" rtlCol="0">
+            <a:spAutoFit/>
+          </a:bodyPr>
+          <a:lstStyle/>
+          <a:p>
+            <a:pPr>
+              <a:lnSpc>
+                <a:spcPct val="150000"/>
+              </a:lnSpc>
+            </a:pPr>
+            <a:r>
+              <a:rPr lang="en-US" altLang="ko-KR" sz="2400" dirty="0">
+                <a:solidFill>
+                  <a:schemeClr val="accent6"/>
+                </a:solidFill>
+                <a:latin typeface="Caladea"/>
+                <a:ea typeface="HY견고딕" pitchFamily="18" charset="-127"/>
+              </a:rPr>
+              <a:t>UBFC: Vid_31 </a:t>
+            </a:r>
+          </a:p>
+        </p:txBody>
+      </p:sp>
+      <p:sp>
+        <p:nvSpPr>
+          <p:cNvPr id="15" name="AutoShape 4" descr="Output image">
+            <a:extLst>
+              <a:ext uri="{FF2B5EF4-FFF2-40B4-BE49-F238E27FC236}">
+                <a16:creationId xmlns:a16="http://schemas.microsoft.com/office/drawing/2014/main" id="{6D6FBE01-F851-694A-905C-7E34796C12B4}"/>
+              </a:ext>
+            </a:extLst>
+          </p:cNvPr>
+          <p:cNvSpPr>
+            <a:spLocks noChangeAspect="1" noChangeArrowheads="1"/>
+          </p:cNvSpPr>
+          <p:nvPr/>
+        </p:nvSpPr>
+        <p:spPr bwMode="auto">
+          <a:xfrm>
+            <a:off x="190500" y="152400"/>
+            <a:ext cx="10617200" cy="7561263"/>
+          </a:xfrm>
+          <a:prstGeom prst="rect">
+            <a:avLst/>
+          </a:prstGeom>
+          <a:noFill/>
+          <a:extLst>
+            <a:ext uri="{909E8E84-426E-40DD-AFC4-6F175D3DCCD1}">
+              <a14:hiddenFill xmlns:a14="http://schemas.microsoft.com/office/drawing/2010/main">
+                <a:solidFill>
+                  <a:srgbClr val="FFFFFF"/>
+                </a:solidFill>
+              </a14:hiddenFill>
+            </a:ext>
+          </a:extLst>
+        </p:spPr>
+        <p:txBody>
+          <a:bodyPr vert="horz" wrap="square" lIns="91440" tIns="45720" rIns="91440" bIns="45720" numCol="1" anchor="t" anchorCtr="0" compatLnSpc="1">
+            <a:prstTxWarp prst="textNoShape">
+              <a:avLst/>
+            </a:prstTxWarp>
+          </a:bodyPr>
+          <a:lstStyle/>
+          <a:p>
+            <a:endParaRPr lang="en-US"/>
+          </a:p>
+        </p:txBody>
+      </p:sp>
+      <p:pic>
+        <p:nvPicPr>
+          <p:cNvPr id="5" name="Picture 4">
+            <a:extLst>
+              <a:ext uri="{FF2B5EF4-FFF2-40B4-BE49-F238E27FC236}">
+                <a16:creationId xmlns:a16="http://schemas.microsoft.com/office/drawing/2014/main" id="{CA8BDAE8-C36D-C455-B5EB-D7458C4FB6EE}"/>
+              </a:ext>
+            </a:extLst>
+          </p:cNvPr>
+          <p:cNvPicPr>
+            <a:picLocks noChangeAspect="1"/>
+          </p:cNvPicPr>
+          <p:nvPr/>
+        </p:nvPicPr>
+        <p:blipFill>
+          <a:blip r:embed="rId4">
+            <a:extLst>
+              <a:ext uri="{28A0092B-C50C-407E-A947-70E740481C1C}">
+                <a14:useLocalDpi xmlns:a14="http://schemas.microsoft.com/office/drawing/2010/main" val="0"/>
+              </a:ext>
+            </a:extLst>
+          </a:blip>
+          <a:stretch>
+            <a:fillRect/>
+          </a:stretch>
+        </p:blipFill>
+        <p:spPr>
+          <a:xfrm>
+            <a:off x="0" y="1285505"/>
+            <a:ext cx="10693400" cy="4990253"/>
+          </a:xfrm>
+          <a:prstGeom prst="rect">
+            <a:avLst/>
+          </a:prstGeom>
+        </p:spPr>
+      </p:pic>
+    </p:spTree>
+    <p:extLst>
+      <p:ext uri="{BB962C8B-B14F-4D97-AF65-F5344CB8AC3E}">
+        <p14:creationId xmlns:p14="http://schemas.microsoft.com/office/powerpoint/2010/main" val="1542101748"/>
+      </p:ext>
+    </p:extLst>
+  </p:cSld>
+  <p:clrMapOvr>
+    <a:masterClrMapping/>
+  </p:clrMapOvr>
+</p:sld>
+</file>
+
+<file path=ppt/slides/slide17.xml><?xml version="1.0" encoding="utf-8"?>
+<p:sld xmlns:a="http://schemas.openxmlformats.org/drawingml/2006/main" xmlns:r="http://schemas.openxmlformats.org/officeDocument/2006/relationships" xmlns:p="http://schemas.openxmlformats.org/presentationml/2006/main">
+  <p:cSld>
+    <p:spTree>
+      <p:nvGrpSpPr>
+        <p:cNvPr id="1" name="">
+          <a:extLst>
+            <a:ext uri="{FF2B5EF4-FFF2-40B4-BE49-F238E27FC236}">
+              <a16:creationId xmlns:a16="http://schemas.microsoft.com/office/drawing/2014/main" id="{E871697D-9580-B24A-F1FC-3CF451DEE104}"/>
+            </a:ext>
+          </a:extLst>
+        </p:cNvPr>
+        <p:cNvGrpSpPr/>
+        <p:nvPr/>
+      </p:nvGrpSpPr>
+      <p:grpSpPr>
+        <a:xfrm>
+          <a:off x="0" y="0"/>
+          <a:ext cx="0" cy="0"/>
+          <a:chOff x="0" y="0"/>
+          <a:chExt cx="0" cy="0"/>
+        </a:xfrm>
+      </p:grpSpPr>
+      <p:pic>
+        <p:nvPicPr>
+          <p:cNvPr id="7" name="Picture 6">
+            <a:extLst>
+              <a:ext uri="{FF2B5EF4-FFF2-40B4-BE49-F238E27FC236}">
+                <a16:creationId xmlns:a16="http://schemas.microsoft.com/office/drawing/2014/main" id="{D7945CC2-28F9-4A66-91B1-DC51417A1360}"/>
+              </a:ext>
+            </a:extLst>
+          </p:cNvPr>
+          <p:cNvPicPr>
+            <a:picLocks noChangeAspect="1"/>
+          </p:cNvPicPr>
+          <p:nvPr/>
+        </p:nvPicPr>
+        <p:blipFill>
+          <a:blip r:embed="rId3">
+            <a:extLst>
+              <a:ext uri="{28A0092B-C50C-407E-A947-70E740481C1C}">
+                <a14:useLocalDpi xmlns:a14="http://schemas.microsoft.com/office/drawing/2010/main" val="0"/>
+              </a:ext>
+            </a:extLst>
+          </a:blip>
+          <a:stretch>
+            <a:fillRect/>
+          </a:stretch>
+        </p:blipFill>
+        <p:spPr>
+          <a:xfrm>
+            <a:off x="9372917" y="-107801"/>
+            <a:ext cx="1571625" cy="747713"/>
+          </a:xfrm>
+          <a:prstGeom prst="rect">
+            <a:avLst/>
+          </a:prstGeom>
+        </p:spPr>
+      </p:pic>
+      <p:sp>
+        <p:nvSpPr>
+          <p:cNvPr id="64" name="슬라이드 번호 개체 틀 2">
+            <a:extLst>
+              <a:ext uri="{FF2B5EF4-FFF2-40B4-BE49-F238E27FC236}">
+                <a16:creationId xmlns:a16="http://schemas.microsoft.com/office/drawing/2014/main" id="{E24F6677-9527-B590-58C4-88BA25798912}"/>
+              </a:ext>
+            </a:extLst>
+          </p:cNvPr>
+          <p:cNvSpPr txBox="1">
+            <a:spLocks/>
+          </p:cNvSpPr>
+          <p:nvPr/>
+        </p:nvSpPr>
+        <p:spPr>
+          <a:xfrm>
+            <a:off x="7925012" y="7042731"/>
+            <a:ext cx="2495127" cy="402567"/>
+          </a:xfrm>
+          <a:prstGeom prst="rect">
+            <a:avLst/>
+          </a:prstGeom>
+        </p:spPr>
+        <p:txBody>
+          <a:bodyPr vert="horz" lIns="99569" tIns="49785" rIns="99569" bIns="49785" rtlCol="0" anchor="ctr"/>
+          <a:lstStyle>
+            <a:defPPr>
+              <a:defRPr lang="ko-KR"/>
+            </a:defPPr>
+            <a:lvl1pPr marL="0" algn="r" defTabSz="995690" rtl="0" eaLnBrk="1" latinLnBrk="1" hangingPunct="1">
+              <a:defRPr sz="1300" kern="1200">
+                <a:solidFill>
+                  <a:schemeClr val="tx1">
+                    <a:tint val="75000"/>
+                  </a:schemeClr>
+                </a:solidFill>
+                <a:latin typeface="+mn-lt"/>
+                <a:ea typeface="+mn-ea"/>
+                <a:cs typeface="+mn-cs"/>
+              </a:defRPr>
+            </a:lvl1pPr>
+            <a:lvl2pPr marL="497845" algn="l" defTabSz="995690" rtl="0" eaLnBrk="1" latinLnBrk="1" hangingPunct="1">
+              <a:defRPr sz="2000" kern="1200">
+                <a:solidFill>
+                  <a:schemeClr val="tx1"/>
+                </a:solidFill>
+                <a:latin typeface="+mn-lt"/>
+                <a:ea typeface="+mn-ea"/>
+                <a:cs typeface="+mn-cs"/>
+              </a:defRPr>
+            </a:lvl2pPr>
+            <a:lvl3pPr marL="995690" algn="l" defTabSz="995690" rtl="0" eaLnBrk="1" latinLnBrk="1" hangingPunct="1">
+              <a:defRPr sz="2000" kern="1200">
+                <a:solidFill>
+                  <a:schemeClr val="tx1"/>
+                </a:solidFill>
+                <a:latin typeface="+mn-lt"/>
+                <a:ea typeface="+mn-ea"/>
+                <a:cs typeface="+mn-cs"/>
+              </a:defRPr>
+            </a:lvl3pPr>
+            <a:lvl4pPr marL="1493535" algn="l" defTabSz="995690" rtl="0" eaLnBrk="1" latinLnBrk="1" hangingPunct="1">
+              <a:defRPr sz="2000" kern="1200">
+                <a:solidFill>
+                  <a:schemeClr val="tx1"/>
+                </a:solidFill>
+                <a:latin typeface="+mn-lt"/>
+                <a:ea typeface="+mn-ea"/>
+                <a:cs typeface="+mn-cs"/>
+              </a:defRPr>
+            </a:lvl4pPr>
+            <a:lvl5pPr marL="1991380" algn="l" defTabSz="995690" rtl="0" eaLnBrk="1" latinLnBrk="1" hangingPunct="1">
+              <a:defRPr sz="2000" kern="1200">
+                <a:solidFill>
+                  <a:schemeClr val="tx1"/>
+                </a:solidFill>
+                <a:latin typeface="+mn-lt"/>
+                <a:ea typeface="+mn-ea"/>
+                <a:cs typeface="+mn-cs"/>
+              </a:defRPr>
+            </a:lvl5pPr>
+            <a:lvl6pPr marL="2489225" algn="l" defTabSz="995690" rtl="0" eaLnBrk="1" latinLnBrk="1" hangingPunct="1">
+              <a:defRPr sz="2000" kern="1200">
+                <a:solidFill>
+                  <a:schemeClr val="tx1"/>
+                </a:solidFill>
+                <a:latin typeface="+mn-lt"/>
+                <a:ea typeface="+mn-ea"/>
+                <a:cs typeface="+mn-cs"/>
+              </a:defRPr>
+            </a:lvl6pPr>
+            <a:lvl7pPr marL="2987070" algn="l" defTabSz="995690" rtl="0" eaLnBrk="1" latinLnBrk="1" hangingPunct="1">
+              <a:defRPr sz="2000" kern="1200">
+                <a:solidFill>
+                  <a:schemeClr val="tx1"/>
+                </a:solidFill>
+                <a:latin typeface="+mn-lt"/>
+                <a:ea typeface="+mn-ea"/>
+                <a:cs typeface="+mn-cs"/>
+              </a:defRPr>
+            </a:lvl7pPr>
+            <a:lvl8pPr marL="3484916" algn="l" defTabSz="995690" rtl="0" eaLnBrk="1" latinLnBrk="1" hangingPunct="1">
+              <a:defRPr sz="2000" kern="1200">
+                <a:solidFill>
+                  <a:schemeClr val="tx1"/>
+                </a:solidFill>
+                <a:latin typeface="+mn-lt"/>
+                <a:ea typeface="+mn-ea"/>
+                <a:cs typeface="+mn-cs"/>
+              </a:defRPr>
+            </a:lvl8pPr>
+            <a:lvl9pPr marL="3982761" algn="l" defTabSz="995690" rtl="0" eaLnBrk="1" latinLnBrk="1" hangingPunct="1">
+              <a:defRPr sz="2000" kern="1200">
+                <a:solidFill>
+                  <a:schemeClr val="tx1"/>
+                </a:solidFill>
+                <a:latin typeface="+mn-lt"/>
+                <a:ea typeface="+mn-ea"/>
+                <a:cs typeface="+mn-cs"/>
+              </a:defRPr>
+            </a:lvl9pPr>
+          </a:lstStyle>
+          <a:p>
+            <a:fld id="{1B597EC8-03FB-421D-BA76-5865596B8B77}" type="slidenum">
+              <a:rPr lang="ko-KR" altLang="en-US" smtClean="0"/>
+              <a:pPr/>
+              <a:t>16</a:t>
+            </a:fld>
+            <a:endParaRPr lang="ko-KR" altLang="en-US" dirty="0"/>
+          </a:p>
+        </p:txBody>
+      </p:sp>
+      <p:sp>
+        <p:nvSpPr>
+          <p:cNvPr id="2" name="TextBox 1">
+            <a:extLst>
+              <a:ext uri="{FF2B5EF4-FFF2-40B4-BE49-F238E27FC236}">
+                <a16:creationId xmlns:a16="http://schemas.microsoft.com/office/drawing/2014/main" id="{E03D9315-840B-297E-6DF5-E7088C14CDC7}"/>
+              </a:ext>
+            </a:extLst>
+          </p:cNvPr>
+          <p:cNvSpPr txBox="1"/>
+          <p:nvPr/>
+        </p:nvSpPr>
+        <p:spPr>
+          <a:xfrm>
+            <a:off x="162124" y="115965"/>
+            <a:ext cx="8327848" cy="589072"/>
+          </a:xfrm>
+          <a:prstGeom prst="rect">
+            <a:avLst/>
+          </a:prstGeom>
+          <a:noFill/>
+        </p:spPr>
+        <p:txBody>
+          <a:bodyPr wrap="square" rtlCol="0">
+            <a:spAutoFit/>
+          </a:bodyPr>
+          <a:lstStyle/>
+          <a:p>
+            <a:pPr>
+              <a:lnSpc>
+                <a:spcPct val="150000"/>
+              </a:lnSpc>
+            </a:pPr>
+            <a:r>
+              <a:rPr lang="en-US" altLang="ko-KR" sz="2400" dirty="0">
+                <a:solidFill>
+                  <a:schemeClr val="accent6"/>
+                </a:solidFill>
+                <a:latin typeface="Caladea"/>
+                <a:ea typeface="HY견고딕" pitchFamily="18" charset="-127"/>
+              </a:rPr>
+              <a:t>UBFC: Vid_41 </a:t>
+            </a:r>
+          </a:p>
+        </p:txBody>
+      </p:sp>
+      <p:sp>
+        <p:nvSpPr>
+          <p:cNvPr id="15" name="AutoShape 4" descr="Output image">
+            <a:extLst>
+              <a:ext uri="{FF2B5EF4-FFF2-40B4-BE49-F238E27FC236}">
+                <a16:creationId xmlns:a16="http://schemas.microsoft.com/office/drawing/2014/main" id="{6D6FBE01-F851-694A-905C-7E34796C12B4}"/>
+              </a:ext>
+            </a:extLst>
+          </p:cNvPr>
+          <p:cNvSpPr>
+            <a:spLocks noChangeAspect="1" noChangeArrowheads="1"/>
+          </p:cNvSpPr>
+          <p:nvPr/>
+        </p:nvSpPr>
+        <p:spPr bwMode="auto">
+          <a:xfrm>
+            <a:off x="190500" y="152400"/>
+            <a:ext cx="10617200" cy="7561263"/>
+          </a:xfrm>
+          <a:prstGeom prst="rect">
+            <a:avLst/>
+          </a:prstGeom>
+          <a:noFill/>
+          <a:extLst>
+            <a:ext uri="{909E8E84-426E-40DD-AFC4-6F175D3DCCD1}">
+              <a14:hiddenFill xmlns:a14="http://schemas.microsoft.com/office/drawing/2010/main">
+                <a:solidFill>
+                  <a:srgbClr val="FFFFFF"/>
+                </a:solidFill>
+              </a14:hiddenFill>
+            </a:ext>
+          </a:extLst>
+        </p:spPr>
+        <p:txBody>
+          <a:bodyPr vert="horz" wrap="square" lIns="91440" tIns="45720" rIns="91440" bIns="45720" numCol="1" anchor="t" anchorCtr="0" compatLnSpc="1">
+            <a:prstTxWarp prst="textNoShape">
+              <a:avLst/>
+            </a:prstTxWarp>
+          </a:bodyPr>
+          <a:lstStyle/>
+          <a:p>
+            <a:endParaRPr lang="en-US"/>
+          </a:p>
+        </p:txBody>
+      </p:sp>
+      <p:sp>
+        <p:nvSpPr>
+          <p:cNvPr id="6" name="TextBox 5">
+            <a:extLst>
+              <a:ext uri="{FF2B5EF4-FFF2-40B4-BE49-F238E27FC236}">
+                <a16:creationId xmlns:a16="http://schemas.microsoft.com/office/drawing/2014/main" id="{3F3A0913-771B-7F4F-576B-5D3AC19783D1}"/>
+              </a:ext>
+            </a:extLst>
+          </p:cNvPr>
+          <p:cNvSpPr txBox="1"/>
+          <p:nvPr/>
+        </p:nvSpPr>
+        <p:spPr>
+          <a:xfrm>
+            <a:off x="306140" y="5392110"/>
+            <a:ext cx="4580136" cy="461665"/>
+          </a:xfrm>
+          <a:prstGeom prst="rect">
+            <a:avLst/>
+          </a:prstGeom>
+          <a:noFill/>
+        </p:spPr>
+        <p:txBody>
+          <a:bodyPr wrap="square">
+            <a:spAutoFit/>
+          </a:bodyPr>
+          <a:lstStyle/>
+          <a:p>
+            <a:r>
+              <a:rPr lang="en-US" sz="1200" dirty="0">
+                <a:latin typeface="Consolas" panose="020B0609020204030204" pitchFamily="49" charset="0"/>
+              </a:rPr>
+              <a:t>| seq id | </a:t>
+            </a:r>
+            <a:r>
+              <a:rPr lang="el-GR" sz="1200" dirty="0">
+                <a:latin typeface="Consolas" panose="020B0609020204030204" pitchFamily="49" charset="0"/>
+              </a:rPr>
+              <a:t>Δ</a:t>
+            </a:r>
+            <a:r>
+              <a:rPr lang="en-US" sz="1200" dirty="0" err="1">
+                <a:latin typeface="Consolas" panose="020B0609020204030204" pitchFamily="49" charset="0"/>
+              </a:rPr>
+              <a:t>orig</a:t>
+            </a:r>
+            <a:r>
+              <a:rPr lang="en-US" sz="1200" dirty="0">
+                <a:latin typeface="Consolas" panose="020B0609020204030204" pitchFamily="49" charset="0"/>
+              </a:rPr>
+              <a:t>  | </a:t>
+            </a:r>
+            <a:r>
+              <a:rPr lang="el-GR" sz="1200" dirty="0">
+                <a:latin typeface="Consolas" panose="020B0609020204030204" pitchFamily="49" charset="0"/>
+              </a:rPr>
+              <a:t>Δ</a:t>
+            </a:r>
+            <a:r>
+              <a:rPr lang="en-US" sz="1200" dirty="0" err="1">
+                <a:latin typeface="Consolas" panose="020B0609020204030204" pitchFamily="49" charset="0"/>
+              </a:rPr>
+              <a:t>corr</a:t>
+            </a:r>
+            <a:r>
+              <a:rPr lang="en-US" sz="1200" dirty="0">
+                <a:latin typeface="Consolas" panose="020B0609020204030204" pitchFamily="49" charset="0"/>
+              </a:rPr>
+              <a:t>  | delta </a:t>
+            </a:r>
+            <a:r>
+              <a:rPr lang="en-US" sz="1200" dirty="0" err="1">
+                <a:latin typeface="Consolas" panose="020B0609020204030204" pitchFamily="49" charset="0"/>
+              </a:rPr>
+              <a:t>fr</a:t>
+            </a:r>
+            <a:r>
+              <a:rPr lang="en-US" sz="1200" dirty="0">
+                <a:latin typeface="Consolas" panose="020B0609020204030204" pitchFamily="49" charset="0"/>
+              </a:rPr>
+              <a:t> | remain </a:t>
+            </a:r>
+            <a:r>
+              <a:rPr lang="en-US" sz="1200" dirty="0" err="1">
+                <a:latin typeface="Consolas" panose="020B0609020204030204" pitchFamily="49" charset="0"/>
+              </a:rPr>
+              <a:t>fr</a:t>
+            </a:r>
+            <a:r>
+              <a:rPr lang="en-US" sz="1200" dirty="0">
+                <a:latin typeface="Consolas" panose="020B0609020204030204" pitchFamily="49" charset="0"/>
+              </a:rPr>
+              <a:t> |</a:t>
+            </a:r>
+          </a:p>
+          <a:p>
+            <a:r>
+              <a:rPr lang="en-US" sz="1200" dirty="0">
+                <a:latin typeface="Consolas" panose="020B0609020204030204" pitchFamily="49" charset="0"/>
+              </a:rPr>
+              <a:t>| seq id | 42.00  | 50.00  | 42.000   | 0.000     |</a:t>
+            </a:r>
+          </a:p>
+        </p:txBody>
+      </p:sp>
+      <p:pic>
+        <p:nvPicPr>
+          <p:cNvPr id="4" name="Picture 3">
+            <a:extLst>
+              <a:ext uri="{FF2B5EF4-FFF2-40B4-BE49-F238E27FC236}">
+                <a16:creationId xmlns:a16="http://schemas.microsoft.com/office/drawing/2014/main" id="{DE6563B9-0C2E-F555-7617-94CF072A664C}"/>
+              </a:ext>
+            </a:extLst>
+          </p:cNvPr>
+          <p:cNvPicPr>
+            <a:picLocks noChangeAspect="1"/>
+          </p:cNvPicPr>
+          <p:nvPr/>
+        </p:nvPicPr>
+        <p:blipFill>
+          <a:blip r:embed="rId4">
+            <a:extLst>
+              <a:ext uri="{28A0092B-C50C-407E-A947-70E740481C1C}">
+                <a14:useLocalDpi xmlns:a14="http://schemas.microsoft.com/office/drawing/2010/main" val="0"/>
+              </a:ext>
+            </a:extLst>
+          </a:blip>
+          <a:stretch>
+            <a:fillRect/>
+          </a:stretch>
+        </p:blipFill>
+        <p:spPr>
+          <a:xfrm>
+            <a:off x="0" y="943790"/>
+            <a:ext cx="10693400" cy="4493025"/>
+          </a:xfrm>
+          <a:prstGeom prst="rect">
+            <a:avLst/>
+          </a:prstGeom>
+        </p:spPr>
+      </p:pic>
+    </p:spTree>
+    <p:extLst>
+      <p:ext uri="{BB962C8B-B14F-4D97-AF65-F5344CB8AC3E}">
+        <p14:creationId xmlns:p14="http://schemas.microsoft.com/office/powerpoint/2010/main" val="440168479"/>
+      </p:ext>
+    </p:extLst>
+  </p:cSld>
+  <p:clrMapOvr>
+    <a:masterClrMapping/>
+  </p:clrMapOvr>
+</p:sld>
+</file>
+
+<file path=ppt/slides/slide18.xml><?xml version="1.0" encoding="utf-8"?>
+<p:sld xmlns:a="http://schemas.openxmlformats.org/drawingml/2006/main" xmlns:r="http://schemas.openxmlformats.org/officeDocument/2006/relationships" xmlns:p="http://schemas.openxmlformats.org/presentationml/2006/main">
+  <p:cSld>
+    <p:spTree>
+      <p:nvGrpSpPr>
+        <p:cNvPr id="1" name="">
+          <a:extLst>
+            <a:ext uri="{FF2B5EF4-FFF2-40B4-BE49-F238E27FC236}">
+              <a16:creationId xmlns:a16="http://schemas.microsoft.com/office/drawing/2014/main" id="{E871697D-9580-B24A-F1FC-3CF451DEE104}"/>
+            </a:ext>
+          </a:extLst>
+        </p:cNvPr>
+        <p:cNvGrpSpPr/>
+        <p:nvPr/>
+      </p:nvGrpSpPr>
+      <p:grpSpPr>
+        <a:xfrm>
+          <a:off x="0" y="0"/>
+          <a:ext cx="0" cy="0"/>
+          <a:chOff x="0" y="0"/>
+          <a:chExt cx="0" cy="0"/>
+        </a:xfrm>
+      </p:grpSpPr>
+      <p:pic>
+        <p:nvPicPr>
+          <p:cNvPr id="7" name="Picture 6">
+            <a:extLst>
+              <a:ext uri="{FF2B5EF4-FFF2-40B4-BE49-F238E27FC236}">
+                <a16:creationId xmlns:a16="http://schemas.microsoft.com/office/drawing/2014/main" id="{D7945CC2-28F9-4A66-91B1-DC51417A1360}"/>
+              </a:ext>
+            </a:extLst>
+          </p:cNvPr>
+          <p:cNvPicPr>
+            <a:picLocks noChangeAspect="1"/>
+          </p:cNvPicPr>
+          <p:nvPr/>
+        </p:nvPicPr>
+        <p:blipFill>
+          <a:blip r:embed="rId3">
+            <a:extLst>
+              <a:ext uri="{28A0092B-C50C-407E-A947-70E740481C1C}">
+                <a14:useLocalDpi xmlns:a14="http://schemas.microsoft.com/office/drawing/2010/main" val="0"/>
+              </a:ext>
+            </a:extLst>
+          </a:blip>
+          <a:stretch>
+            <a:fillRect/>
+          </a:stretch>
+        </p:blipFill>
+        <p:spPr>
+          <a:xfrm>
+            <a:off x="9372917" y="-107801"/>
+            <a:ext cx="1571625" cy="747713"/>
+          </a:xfrm>
+          <a:prstGeom prst="rect">
+            <a:avLst/>
+          </a:prstGeom>
+        </p:spPr>
+      </p:pic>
+      <p:sp>
+        <p:nvSpPr>
+          <p:cNvPr id="64" name="슬라이드 번호 개체 틀 2">
+            <a:extLst>
+              <a:ext uri="{FF2B5EF4-FFF2-40B4-BE49-F238E27FC236}">
+                <a16:creationId xmlns:a16="http://schemas.microsoft.com/office/drawing/2014/main" id="{E24F6677-9527-B590-58C4-88BA25798912}"/>
+              </a:ext>
+            </a:extLst>
+          </p:cNvPr>
+          <p:cNvSpPr txBox="1">
+            <a:spLocks/>
+          </p:cNvSpPr>
+          <p:nvPr/>
+        </p:nvSpPr>
+        <p:spPr>
+          <a:xfrm>
+            <a:off x="7925012" y="7042731"/>
+            <a:ext cx="2495127" cy="402567"/>
+          </a:xfrm>
+          <a:prstGeom prst="rect">
+            <a:avLst/>
+          </a:prstGeom>
+        </p:spPr>
+        <p:txBody>
+          <a:bodyPr vert="horz" lIns="99569" tIns="49785" rIns="99569" bIns="49785" rtlCol="0" anchor="ctr"/>
+          <a:lstStyle>
+            <a:defPPr>
+              <a:defRPr lang="ko-KR"/>
+            </a:defPPr>
+            <a:lvl1pPr marL="0" algn="r" defTabSz="995690" rtl="0" eaLnBrk="1" latinLnBrk="1" hangingPunct="1">
+              <a:defRPr sz="1300" kern="1200">
+                <a:solidFill>
+                  <a:schemeClr val="tx1">
+                    <a:tint val="75000"/>
+                  </a:schemeClr>
+                </a:solidFill>
+                <a:latin typeface="+mn-lt"/>
+                <a:ea typeface="+mn-ea"/>
+                <a:cs typeface="+mn-cs"/>
+              </a:defRPr>
+            </a:lvl1pPr>
+            <a:lvl2pPr marL="497845" algn="l" defTabSz="995690" rtl="0" eaLnBrk="1" latinLnBrk="1" hangingPunct="1">
+              <a:defRPr sz="2000" kern="1200">
+                <a:solidFill>
+                  <a:schemeClr val="tx1"/>
+                </a:solidFill>
+                <a:latin typeface="+mn-lt"/>
+                <a:ea typeface="+mn-ea"/>
+                <a:cs typeface="+mn-cs"/>
+              </a:defRPr>
+            </a:lvl2pPr>
+            <a:lvl3pPr marL="995690" algn="l" defTabSz="995690" rtl="0" eaLnBrk="1" latinLnBrk="1" hangingPunct="1">
+              <a:defRPr sz="2000" kern="1200">
+                <a:solidFill>
+                  <a:schemeClr val="tx1"/>
+                </a:solidFill>
+                <a:latin typeface="+mn-lt"/>
+                <a:ea typeface="+mn-ea"/>
+                <a:cs typeface="+mn-cs"/>
+              </a:defRPr>
+            </a:lvl3pPr>
+            <a:lvl4pPr marL="1493535" algn="l" defTabSz="995690" rtl="0" eaLnBrk="1" latinLnBrk="1" hangingPunct="1">
+              <a:defRPr sz="2000" kern="1200">
+                <a:solidFill>
+                  <a:schemeClr val="tx1"/>
+                </a:solidFill>
+                <a:latin typeface="+mn-lt"/>
+                <a:ea typeface="+mn-ea"/>
+                <a:cs typeface="+mn-cs"/>
+              </a:defRPr>
+            </a:lvl4pPr>
+            <a:lvl5pPr marL="1991380" algn="l" defTabSz="995690" rtl="0" eaLnBrk="1" latinLnBrk="1" hangingPunct="1">
+              <a:defRPr sz="2000" kern="1200">
+                <a:solidFill>
+                  <a:schemeClr val="tx1"/>
+                </a:solidFill>
+                <a:latin typeface="+mn-lt"/>
+                <a:ea typeface="+mn-ea"/>
+                <a:cs typeface="+mn-cs"/>
+              </a:defRPr>
+            </a:lvl5pPr>
+            <a:lvl6pPr marL="2489225" algn="l" defTabSz="995690" rtl="0" eaLnBrk="1" latinLnBrk="1" hangingPunct="1">
+              <a:defRPr sz="2000" kern="1200">
+                <a:solidFill>
+                  <a:schemeClr val="tx1"/>
+                </a:solidFill>
+                <a:latin typeface="+mn-lt"/>
+                <a:ea typeface="+mn-ea"/>
+                <a:cs typeface="+mn-cs"/>
+              </a:defRPr>
+            </a:lvl6pPr>
+            <a:lvl7pPr marL="2987070" algn="l" defTabSz="995690" rtl="0" eaLnBrk="1" latinLnBrk="1" hangingPunct="1">
+              <a:defRPr sz="2000" kern="1200">
+                <a:solidFill>
+                  <a:schemeClr val="tx1"/>
+                </a:solidFill>
+                <a:latin typeface="+mn-lt"/>
+                <a:ea typeface="+mn-ea"/>
+                <a:cs typeface="+mn-cs"/>
+              </a:defRPr>
+            </a:lvl7pPr>
+            <a:lvl8pPr marL="3484916" algn="l" defTabSz="995690" rtl="0" eaLnBrk="1" latinLnBrk="1" hangingPunct="1">
+              <a:defRPr sz="2000" kern="1200">
+                <a:solidFill>
+                  <a:schemeClr val="tx1"/>
+                </a:solidFill>
+                <a:latin typeface="+mn-lt"/>
+                <a:ea typeface="+mn-ea"/>
+                <a:cs typeface="+mn-cs"/>
+              </a:defRPr>
+            </a:lvl8pPr>
+            <a:lvl9pPr marL="3982761" algn="l" defTabSz="995690" rtl="0" eaLnBrk="1" latinLnBrk="1" hangingPunct="1">
+              <a:defRPr sz="2000" kern="1200">
+                <a:solidFill>
+                  <a:schemeClr val="tx1"/>
+                </a:solidFill>
+                <a:latin typeface="+mn-lt"/>
+                <a:ea typeface="+mn-ea"/>
+                <a:cs typeface="+mn-cs"/>
+              </a:defRPr>
+            </a:lvl9pPr>
+          </a:lstStyle>
+          <a:p>
+            <a:fld id="{1B597EC8-03FB-421D-BA76-5865596B8B77}" type="slidenum">
+              <a:rPr lang="ko-KR" altLang="en-US" smtClean="0"/>
+              <a:pPr/>
+              <a:t>17</a:t>
+            </a:fld>
+            <a:endParaRPr lang="ko-KR" altLang="en-US" dirty="0"/>
+          </a:p>
+        </p:txBody>
+      </p:sp>
+      <p:sp>
+        <p:nvSpPr>
+          <p:cNvPr id="2" name="TextBox 1">
+            <a:extLst>
+              <a:ext uri="{FF2B5EF4-FFF2-40B4-BE49-F238E27FC236}">
+                <a16:creationId xmlns:a16="http://schemas.microsoft.com/office/drawing/2014/main" id="{E03D9315-840B-297E-6DF5-E7088C14CDC7}"/>
+              </a:ext>
+            </a:extLst>
+          </p:cNvPr>
+          <p:cNvSpPr txBox="1"/>
+          <p:nvPr/>
+        </p:nvSpPr>
+        <p:spPr>
+          <a:xfrm>
+            <a:off x="162124" y="115965"/>
+            <a:ext cx="8327848" cy="589072"/>
+          </a:xfrm>
+          <a:prstGeom prst="rect">
+            <a:avLst/>
+          </a:prstGeom>
+          <a:noFill/>
+        </p:spPr>
+        <p:txBody>
+          <a:bodyPr wrap="square" rtlCol="0">
+            <a:spAutoFit/>
+          </a:bodyPr>
+          <a:lstStyle/>
+          <a:p>
+            <a:pPr>
+              <a:lnSpc>
+                <a:spcPct val="150000"/>
+              </a:lnSpc>
+            </a:pPr>
+            <a:r>
+              <a:rPr lang="en-US" altLang="ko-KR" sz="2400" dirty="0">
+                <a:solidFill>
+                  <a:schemeClr val="accent6"/>
+                </a:solidFill>
+                <a:latin typeface="Caladea"/>
+                <a:ea typeface="HY견고딕" pitchFamily="18" charset="-127"/>
+              </a:rPr>
+              <a:t>UBFC: Vid_41 </a:t>
+            </a:r>
+          </a:p>
+        </p:txBody>
+      </p:sp>
+      <p:sp>
+        <p:nvSpPr>
+          <p:cNvPr id="15" name="AutoShape 4" descr="Output image">
+            <a:extLst>
+              <a:ext uri="{FF2B5EF4-FFF2-40B4-BE49-F238E27FC236}">
+                <a16:creationId xmlns:a16="http://schemas.microsoft.com/office/drawing/2014/main" id="{6D6FBE01-F851-694A-905C-7E34796C12B4}"/>
+              </a:ext>
+            </a:extLst>
+          </p:cNvPr>
+          <p:cNvSpPr>
+            <a:spLocks noChangeAspect="1" noChangeArrowheads="1"/>
+          </p:cNvSpPr>
+          <p:nvPr/>
+        </p:nvSpPr>
+        <p:spPr bwMode="auto">
+          <a:xfrm>
+            <a:off x="190500" y="152400"/>
+            <a:ext cx="10617200" cy="7561263"/>
+          </a:xfrm>
+          <a:prstGeom prst="rect">
+            <a:avLst/>
+          </a:prstGeom>
+          <a:noFill/>
+          <a:extLst>
+            <a:ext uri="{909E8E84-426E-40DD-AFC4-6F175D3DCCD1}">
+              <a14:hiddenFill xmlns:a14="http://schemas.microsoft.com/office/drawing/2010/main">
+                <a:solidFill>
+                  <a:srgbClr val="FFFFFF"/>
+                </a:solidFill>
+              </a14:hiddenFill>
+            </a:ext>
+          </a:extLst>
+        </p:spPr>
+        <p:txBody>
+          <a:bodyPr vert="horz" wrap="square" lIns="91440" tIns="45720" rIns="91440" bIns="45720" numCol="1" anchor="t" anchorCtr="0" compatLnSpc="1">
+            <a:prstTxWarp prst="textNoShape">
+              <a:avLst/>
+            </a:prstTxWarp>
+          </a:bodyPr>
+          <a:lstStyle/>
+          <a:p>
+            <a:endParaRPr lang="en-US"/>
+          </a:p>
+        </p:txBody>
+      </p:sp>
+      <p:pic>
+        <p:nvPicPr>
+          <p:cNvPr id="5" name="Picture 4">
+            <a:extLst>
+              <a:ext uri="{FF2B5EF4-FFF2-40B4-BE49-F238E27FC236}">
+                <a16:creationId xmlns:a16="http://schemas.microsoft.com/office/drawing/2014/main" id="{D7C3B6A8-96B4-C6C5-8DFE-6ADB9DEFBD1B}"/>
+              </a:ext>
+            </a:extLst>
+          </p:cNvPr>
+          <p:cNvPicPr>
+            <a:picLocks noChangeAspect="1"/>
+          </p:cNvPicPr>
+          <p:nvPr/>
+        </p:nvPicPr>
+        <p:blipFill>
+          <a:blip r:embed="rId4">
+            <a:extLst>
+              <a:ext uri="{28A0092B-C50C-407E-A947-70E740481C1C}">
+                <a14:useLocalDpi xmlns:a14="http://schemas.microsoft.com/office/drawing/2010/main" val="0"/>
+              </a:ext>
+            </a:extLst>
+          </a:blip>
+          <a:stretch>
+            <a:fillRect/>
+          </a:stretch>
+        </p:blipFill>
+        <p:spPr>
+          <a:xfrm>
+            <a:off x="0" y="1285505"/>
+            <a:ext cx="10693400" cy="4990253"/>
+          </a:xfrm>
+          <a:prstGeom prst="rect">
+            <a:avLst/>
+          </a:prstGeom>
+        </p:spPr>
+      </p:pic>
+    </p:spTree>
+    <p:extLst>
+      <p:ext uri="{BB962C8B-B14F-4D97-AF65-F5344CB8AC3E}">
+        <p14:creationId xmlns:p14="http://schemas.microsoft.com/office/powerpoint/2010/main" val="3253748068"/>
+      </p:ext>
+    </p:extLst>
+  </p:cSld>
+  <p:clrMapOvr>
+    <a:masterClrMapping/>
+  </p:clrMapOvr>
+</p:sld>
+</file>
+
+<file path=ppt/slides/slide19.xml><?xml version="1.0" encoding="utf-8"?>
+<p:sld xmlns:a="http://schemas.openxmlformats.org/drawingml/2006/main" xmlns:r="http://schemas.openxmlformats.org/officeDocument/2006/relationships" xmlns:p="http://schemas.openxmlformats.org/presentationml/2006/main">
+  <p:cSld>
+    <p:spTree>
+      <p:nvGrpSpPr>
+        <p:cNvPr id="1" name="">
+          <a:extLst>
+            <a:ext uri="{FF2B5EF4-FFF2-40B4-BE49-F238E27FC236}">
+              <a16:creationId xmlns:a16="http://schemas.microsoft.com/office/drawing/2014/main" id="{E871697D-9580-B24A-F1FC-3CF451DEE104}"/>
+            </a:ext>
+          </a:extLst>
+        </p:cNvPr>
+        <p:cNvGrpSpPr/>
+        <p:nvPr/>
+      </p:nvGrpSpPr>
+      <p:grpSpPr>
+        <a:xfrm>
+          <a:off x="0" y="0"/>
+          <a:ext cx="0" cy="0"/>
+          <a:chOff x="0" y="0"/>
+          <a:chExt cx="0" cy="0"/>
+        </a:xfrm>
+      </p:grpSpPr>
+      <p:pic>
+        <p:nvPicPr>
+          <p:cNvPr id="7" name="Picture 6">
+            <a:extLst>
+              <a:ext uri="{FF2B5EF4-FFF2-40B4-BE49-F238E27FC236}">
+                <a16:creationId xmlns:a16="http://schemas.microsoft.com/office/drawing/2014/main" id="{D7945CC2-28F9-4A66-91B1-DC51417A1360}"/>
+              </a:ext>
+            </a:extLst>
+          </p:cNvPr>
+          <p:cNvPicPr>
+            <a:picLocks noChangeAspect="1"/>
+          </p:cNvPicPr>
+          <p:nvPr/>
+        </p:nvPicPr>
+        <p:blipFill>
+          <a:blip r:embed="rId3">
+            <a:extLst>
+              <a:ext uri="{28A0092B-C50C-407E-A947-70E740481C1C}">
+                <a14:useLocalDpi xmlns:a14="http://schemas.microsoft.com/office/drawing/2010/main" val="0"/>
+              </a:ext>
+            </a:extLst>
+          </a:blip>
+          <a:stretch>
+            <a:fillRect/>
+          </a:stretch>
+        </p:blipFill>
+        <p:spPr>
+          <a:xfrm>
+            <a:off x="9372917" y="-107801"/>
+            <a:ext cx="1571625" cy="747713"/>
+          </a:xfrm>
+          <a:prstGeom prst="rect">
+            <a:avLst/>
+          </a:prstGeom>
+        </p:spPr>
+      </p:pic>
+      <p:sp>
+        <p:nvSpPr>
+          <p:cNvPr id="64" name="슬라이드 번호 개체 틀 2">
+            <a:extLst>
+              <a:ext uri="{FF2B5EF4-FFF2-40B4-BE49-F238E27FC236}">
+                <a16:creationId xmlns:a16="http://schemas.microsoft.com/office/drawing/2014/main" id="{E24F6677-9527-B590-58C4-88BA25798912}"/>
+              </a:ext>
+            </a:extLst>
+          </p:cNvPr>
+          <p:cNvSpPr txBox="1">
+            <a:spLocks/>
+          </p:cNvSpPr>
+          <p:nvPr/>
+        </p:nvSpPr>
+        <p:spPr>
+          <a:xfrm>
+            <a:off x="7925012" y="7042731"/>
+            <a:ext cx="2495127" cy="402567"/>
+          </a:xfrm>
+          <a:prstGeom prst="rect">
+            <a:avLst/>
+          </a:prstGeom>
+        </p:spPr>
+        <p:txBody>
+          <a:bodyPr vert="horz" lIns="99569" tIns="49785" rIns="99569" bIns="49785" rtlCol="0" anchor="ctr"/>
+          <a:lstStyle>
+            <a:defPPr>
+              <a:defRPr lang="ko-KR"/>
+            </a:defPPr>
+            <a:lvl1pPr marL="0" algn="r" defTabSz="995690" rtl="0" eaLnBrk="1" latinLnBrk="1" hangingPunct="1">
+              <a:defRPr sz="1300" kern="1200">
+                <a:solidFill>
+                  <a:schemeClr val="tx1">
+                    <a:tint val="75000"/>
+                  </a:schemeClr>
+                </a:solidFill>
+                <a:latin typeface="+mn-lt"/>
+                <a:ea typeface="+mn-ea"/>
+                <a:cs typeface="+mn-cs"/>
+              </a:defRPr>
+            </a:lvl1pPr>
+            <a:lvl2pPr marL="497845" algn="l" defTabSz="995690" rtl="0" eaLnBrk="1" latinLnBrk="1" hangingPunct="1">
+              <a:defRPr sz="2000" kern="1200">
+                <a:solidFill>
+                  <a:schemeClr val="tx1"/>
+                </a:solidFill>
+                <a:latin typeface="+mn-lt"/>
+                <a:ea typeface="+mn-ea"/>
+                <a:cs typeface="+mn-cs"/>
+              </a:defRPr>
+            </a:lvl2pPr>
+            <a:lvl3pPr marL="995690" algn="l" defTabSz="995690" rtl="0" eaLnBrk="1" latinLnBrk="1" hangingPunct="1">
+              <a:defRPr sz="2000" kern="1200">
+                <a:solidFill>
+                  <a:schemeClr val="tx1"/>
+                </a:solidFill>
+                <a:latin typeface="+mn-lt"/>
+                <a:ea typeface="+mn-ea"/>
+                <a:cs typeface="+mn-cs"/>
+              </a:defRPr>
+            </a:lvl3pPr>
+            <a:lvl4pPr marL="1493535" algn="l" defTabSz="995690" rtl="0" eaLnBrk="1" latinLnBrk="1" hangingPunct="1">
+              <a:defRPr sz="2000" kern="1200">
+                <a:solidFill>
+                  <a:schemeClr val="tx1"/>
+                </a:solidFill>
+                <a:latin typeface="+mn-lt"/>
+                <a:ea typeface="+mn-ea"/>
+                <a:cs typeface="+mn-cs"/>
+              </a:defRPr>
+            </a:lvl4pPr>
+            <a:lvl5pPr marL="1991380" algn="l" defTabSz="995690" rtl="0" eaLnBrk="1" latinLnBrk="1" hangingPunct="1">
+              <a:defRPr sz="2000" kern="1200">
+                <a:solidFill>
+                  <a:schemeClr val="tx1"/>
+                </a:solidFill>
+                <a:latin typeface="+mn-lt"/>
+                <a:ea typeface="+mn-ea"/>
+                <a:cs typeface="+mn-cs"/>
+              </a:defRPr>
+            </a:lvl5pPr>
+            <a:lvl6pPr marL="2489225" algn="l" defTabSz="995690" rtl="0" eaLnBrk="1" latinLnBrk="1" hangingPunct="1">
+              <a:defRPr sz="2000" kern="1200">
+                <a:solidFill>
+                  <a:schemeClr val="tx1"/>
+                </a:solidFill>
+                <a:latin typeface="+mn-lt"/>
+                <a:ea typeface="+mn-ea"/>
+                <a:cs typeface="+mn-cs"/>
+              </a:defRPr>
+            </a:lvl6pPr>
+            <a:lvl7pPr marL="2987070" algn="l" defTabSz="995690" rtl="0" eaLnBrk="1" latinLnBrk="1" hangingPunct="1">
+              <a:defRPr sz="2000" kern="1200">
+                <a:solidFill>
+                  <a:schemeClr val="tx1"/>
+                </a:solidFill>
+                <a:latin typeface="+mn-lt"/>
+                <a:ea typeface="+mn-ea"/>
+                <a:cs typeface="+mn-cs"/>
+              </a:defRPr>
+            </a:lvl7pPr>
+            <a:lvl8pPr marL="3484916" algn="l" defTabSz="995690" rtl="0" eaLnBrk="1" latinLnBrk="1" hangingPunct="1">
+              <a:defRPr sz="2000" kern="1200">
+                <a:solidFill>
+                  <a:schemeClr val="tx1"/>
+                </a:solidFill>
+                <a:latin typeface="+mn-lt"/>
+                <a:ea typeface="+mn-ea"/>
+                <a:cs typeface="+mn-cs"/>
+              </a:defRPr>
+            </a:lvl8pPr>
+            <a:lvl9pPr marL="3982761" algn="l" defTabSz="995690" rtl="0" eaLnBrk="1" latinLnBrk="1" hangingPunct="1">
+              <a:defRPr sz="2000" kern="1200">
+                <a:solidFill>
+                  <a:schemeClr val="tx1"/>
+                </a:solidFill>
+                <a:latin typeface="+mn-lt"/>
+                <a:ea typeface="+mn-ea"/>
+                <a:cs typeface="+mn-cs"/>
+              </a:defRPr>
+            </a:lvl9pPr>
+          </a:lstStyle>
+          <a:p>
+            <a:fld id="{1B597EC8-03FB-421D-BA76-5865596B8B77}" type="slidenum">
+              <a:rPr lang="ko-KR" altLang="en-US" smtClean="0"/>
+              <a:pPr/>
+              <a:t>18</a:t>
+            </a:fld>
+            <a:endParaRPr lang="ko-KR" altLang="en-US" dirty="0"/>
+          </a:p>
+        </p:txBody>
+      </p:sp>
+      <p:sp>
+        <p:nvSpPr>
+          <p:cNvPr id="2" name="TextBox 1">
+            <a:extLst>
+              <a:ext uri="{FF2B5EF4-FFF2-40B4-BE49-F238E27FC236}">
+                <a16:creationId xmlns:a16="http://schemas.microsoft.com/office/drawing/2014/main" id="{E03D9315-840B-297E-6DF5-E7088C14CDC7}"/>
+              </a:ext>
+            </a:extLst>
+          </p:cNvPr>
+          <p:cNvSpPr txBox="1"/>
+          <p:nvPr/>
+        </p:nvSpPr>
+        <p:spPr>
+          <a:xfrm>
+            <a:off x="162124" y="115965"/>
+            <a:ext cx="8327848" cy="589072"/>
+          </a:xfrm>
+          <a:prstGeom prst="rect">
+            <a:avLst/>
+          </a:prstGeom>
+          <a:noFill/>
+        </p:spPr>
+        <p:txBody>
+          <a:bodyPr wrap="square" rtlCol="0">
+            <a:spAutoFit/>
+          </a:bodyPr>
+          <a:lstStyle/>
+          <a:p>
+            <a:pPr>
+              <a:lnSpc>
+                <a:spcPct val="150000"/>
+              </a:lnSpc>
+            </a:pPr>
+            <a:r>
+              <a:rPr lang="en-US" altLang="ko-KR" sz="2400" dirty="0">
+                <a:solidFill>
+                  <a:schemeClr val="accent6"/>
+                </a:solidFill>
+                <a:latin typeface="Caladea"/>
+                <a:ea typeface="HY견고딕" pitchFamily="18" charset="-127"/>
+              </a:rPr>
+              <a:t>Appendix</a:t>
+            </a:r>
+          </a:p>
+        </p:txBody>
+      </p:sp>
+      <p:graphicFrame>
+        <p:nvGraphicFramePr>
+          <p:cNvPr id="5" name="Table 4">
+            <a:extLst>
+              <a:ext uri="{FF2B5EF4-FFF2-40B4-BE49-F238E27FC236}">
+                <a16:creationId xmlns:a16="http://schemas.microsoft.com/office/drawing/2014/main" id="{02023B25-A938-3C4F-8BC6-DB8A2AC5BA6E}"/>
+              </a:ext>
+            </a:extLst>
+          </p:cNvPr>
+          <p:cNvGraphicFramePr>
+            <a:graphicFrameLocks noGrp="1"/>
+          </p:cNvGraphicFramePr>
+          <p:nvPr>
+            <p:extLst>
+              <p:ext uri="{D42A27DB-BD31-4B8C-83A1-F6EECF244321}">
+                <p14:modId xmlns:p14="http://schemas.microsoft.com/office/powerpoint/2010/main" val="3231219310"/>
+              </p:ext>
+            </p:extLst>
+          </p:nvPr>
+        </p:nvGraphicFramePr>
+        <p:xfrm>
+          <a:off x="162124" y="1044327"/>
+          <a:ext cx="10369152" cy="5933275"/>
+        </p:xfrm>
+        <a:graphic>
+          <a:graphicData uri="http://schemas.openxmlformats.org/drawingml/2006/table">
+            <a:tbl>
+              <a:tblPr/>
+              <a:tblGrid>
+                <a:gridCol w="1296144">
+                  <a:extLst>
+                    <a:ext uri="{9D8B030D-6E8A-4147-A177-3AD203B41FA5}">
+                      <a16:colId xmlns:a16="http://schemas.microsoft.com/office/drawing/2014/main" val="23407837"/>
+                    </a:ext>
+                  </a:extLst>
+                </a:gridCol>
+                <a:gridCol w="1800200">
+                  <a:extLst>
+                    <a:ext uri="{9D8B030D-6E8A-4147-A177-3AD203B41FA5}">
+                      <a16:colId xmlns:a16="http://schemas.microsoft.com/office/drawing/2014/main" val="782779315"/>
+                    </a:ext>
+                  </a:extLst>
+                </a:gridCol>
+                <a:gridCol w="3744416">
+                  <a:extLst>
+                    <a:ext uri="{9D8B030D-6E8A-4147-A177-3AD203B41FA5}">
+                      <a16:colId xmlns:a16="http://schemas.microsoft.com/office/drawing/2014/main" val="2716765803"/>
+                    </a:ext>
+                  </a:extLst>
+                </a:gridCol>
+                <a:gridCol w="3528392">
+                  <a:extLst>
+                    <a:ext uri="{9D8B030D-6E8A-4147-A177-3AD203B41FA5}">
+                      <a16:colId xmlns:a16="http://schemas.microsoft.com/office/drawing/2014/main" val="3656439436"/>
+                    </a:ext>
+                  </a:extLst>
+                </a:gridCol>
+              </a:tblGrid>
+              <a:tr h="157935">
+                <a:tc>
+                  <a:txBody>
+                    <a:bodyPr/>
+                    <a:lstStyle/>
+                    <a:p>
+                      <a:r>
+                        <a:rPr lang="en-US" sz="800" b="1" dirty="0"/>
+                        <a:t>Abbreviation</a:t>
+                      </a:r>
+                      <a:endParaRPr lang="en-US" sz="800" dirty="0"/>
+                    </a:p>
+                  </a:txBody>
+                  <a:tcPr marL="16336" marR="16336" marT="8168" marB="8168" anchor="ctr">
+                    <a:lnL>
+                      <a:noFill/>
+                    </a:lnL>
+                    <a:lnR>
+                      <a:noFill/>
+                    </a:lnR>
+                    <a:lnT>
+                      <a:noFill/>
+                    </a:lnT>
+                    <a:lnB>
+                      <a:noFill/>
+                    </a:lnB>
+                    <a:noFill/>
+                  </a:tcPr>
+                </a:tc>
+                <a:tc>
+                  <a:txBody>
+                    <a:bodyPr/>
+                    <a:lstStyle/>
+                    <a:p>
+                      <a:r>
+                        <a:rPr lang="en-US" sz="800" b="1"/>
+                        <a:t>Full Form</a:t>
+                      </a:r>
+                      <a:endParaRPr lang="en-US" sz="800"/>
+                    </a:p>
+                  </a:txBody>
+                  <a:tcPr marL="16336" marR="16336" marT="8168" marB="8168" anchor="ctr">
+                    <a:lnL>
+                      <a:noFill/>
+                    </a:lnL>
+                    <a:lnR>
+                      <a:noFill/>
+                    </a:lnR>
+                    <a:lnT>
+                      <a:noFill/>
+                    </a:lnT>
+                    <a:lnB>
+                      <a:noFill/>
+                    </a:lnB>
+                    <a:noFill/>
+                  </a:tcPr>
+                </a:tc>
+                <a:tc>
+                  <a:txBody>
+                    <a:bodyPr/>
+                    <a:lstStyle/>
+                    <a:p>
+                      <a:r>
+                        <a:rPr lang="en-US" sz="800" b="1"/>
+                        <a:t>Meaning / Description</a:t>
+                      </a:r>
+                      <a:endParaRPr lang="en-US" sz="800"/>
+                    </a:p>
+                  </a:txBody>
+                  <a:tcPr marL="16336" marR="16336" marT="8168" marB="8168" anchor="ctr">
+                    <a:lnL>
+                      <a:noFill/>
+                    </a:lnL>
+                    <a:lnR>
+                      <a:noFill/>
+                    </a:lnR>
+                    <a:lnT>
+                      <a:noFill/>
+                    </a:lnT>
+                    <a:lnB>
+                      <a:noFill/>
+                    </a:lnB>
+                    <a:noFill/>
+                  </a:tcPr>
+                </a:tc>
+                <a:tc>
+                  <a:txBody>
+                    <a:bodyPr/>
+                    <a:lstStyle/>
+                    <a:p>
+                      <a:r>
+                        <a:rPr lang="en-US" sz="800" b="1"/>
+                        <a:t>Context in Discussion</a:t>
+                      </a:r>
+                      <a:endParaRPr lang="en-US" sz="800"/>
+                    </a:p>
+                  </a:txBody>
+                  <a:tcPr marL="16336" marR="16336" marT="8168" marB="8168" anchor="ctr">
+                    <a:lnL>
+                      <a:noFill/>
+                    </a:lnL>
+                    <a:lnR>
+                      <a:noFill/>
+                    </a:lnR>
+                    <a:lnT>
+                      <a:noFill/>
+                    </a:lnT>
+                    <a:lnB>
+                      <a:noFill/>
+                    </a:lnB>
+                    <a:noFill/>
+                  </a:tcPr>
+                </a:tc>
+                <a:extLst>
+                  <a:ext uri="{0D108BD9-81ED-4DB2-BD59-A6C34878D82A}">
+                    <a16:rowId xmlns:a16="http://schemas.microsoft.com/office/drawing/2014/main" val="775727380"/>
+                  </a:ext>
+                </a:extLst>
+              </a:tr>
+              <a:tr h="491375">
+                <a:tc>
+                  <a:txBody>
+                    <a:bodyPr/>
+                    <a:lstStyle/>
+                    <a:p>
+                      <a:r>
+                        <a:rPr lang="en-US" sz="800" b="1" dirty="0"/>
+                        <a:t>BCG</a:t>
+                      </a:r>
+                      <a:endParaRPr lang="en-US" sz="800" dirty="0"/>
+                    </a:p>
+                  </a:txBody>
+                  <a:tcPr marL="16336" marR="16336" marT="8168" marB="8168" anchor="ctr">
+                    <a:lnL>
+                      <a:noFill/>
+                    </a:lnL>
+                    <a:lnR>
+                      <a:noFill/>
+                    </a:lnR>
+                    <a:lnT>
+                      <a:noFill/>
+                    </a:lnT>
+                    <a:lnB>
+                      <a:noFill/>
+                    </a:lnB>
+                    <a:noFill/>
+                  </a:tcPr>
+                </a:tc>
+                <a:tc>
+                  <a:txBody>
+                    <a:bodyPr/>
+                    <a:lstStyle/>
+                    <a:p>
+                      <a:r>
+                        <a:rPr lang="en-US" sz="800" b="1"/>
+                        <a:t>Ballistocardiography</a:t>
+                      </a:r>
+                      <a:endParaRPr lang="en-US" sz="800"/>
+                    </a:p>
+                  </a:txBody>
+                  <a:tcPr marL="16336" marR="16336" marT="8168" marB="8168" anchor="ctr">
+                    <a:lnL>
+                      <a:noFill/>
+                    </a:lnL>
+                    <a:lnR>
+                      <a:noFill/>
+                    </a:lnR>
+                    <a:lnT>
+                      <a:noFill/>
+                    </a:lnT>
+                    <a:lnB>
+                      <a:noFill/>
+                    </a:lnB>
+                    <a:noFill/>
+                  </a:tcPr>
+                </a:tc>
+                <a:tc>
+                  <a:txBody>
+                    <a:bodyPr/>
+                    <a:lstStyle/>
+                    <a:p>
+                      <a:r>
+                        <a:rPr lang="en-US" sz="800"/>
+                        <a:t>Measurement of tiny body movements caused by cardiac ejection of blood (mechanical action of the heart).</a:t>
+                      </a:r>
+                    </a:p>
+                  </a:txBody>
+                  <a:tcPr marL="16336" marR="16336" marT="8168" marB="8168" anchor="ctr">
+                    <a:lnL>
+                      <a:noFill/>
+                    </a:lnL>
+                    <a:lnR>
+                      <a:noFill/>
+                    </a:lnR>
+                    <a:lnT>
+                      <a:noFill/>
+                    </a:lnT>
+                    <a:lnB>
+                      <a:noFill/>
+                    </a:lnB>
+                    <a:noFill/>
+                  </a:tcPr>
+                </a:tc>
+                <a:tc>
+                  <a:txBody>
+                    <a:bodyPr/>
+                    <a:lstStyle/>
+                    <a:p>
+                      <a:r>
+                        <a:rPr lang="en-US" sz="800"/>
+                        <a:t>Used as the </a:t>
+                      </a:r>
+                      <a:r>
+                        <a:rPr lang="en-US" sz="800" b="1"/>
+                        <a:t>start reference signal</a:t>
+                      </a:r>
+                      <a:r>
+                        <a:rPr lang="en-US" sz="800"/>
+                        <a:t> in Yoshioka et al. (2020) via 24 GHz radar to compute PTT.</a:t>
+                      </a:r>
+                    </a:p>
+                  </a:txBody>
+                  <a:tcPr marL="16336" marR="16336" marT="8168" marB="8168" anchor="ctr">
+                    <a:lnL>
+                      <a:noFill/>
+                    </a:lnL>
+                    <a:lnR>
+                      <a:noFill/>
+                    </a:lnR>
+                    <a:lnT>
+                      <a:noFill/>
+                    </a:lnT>
+                    <a:lnB>
+                      <a:noFill/>
+                    </a:lnB>
+                    <a:noFill/>
+                  </a:tcPr>
+                </a:tc>
+                <a:extLst>
+                  <a:ext uri="{0D108BD9-81ED-4DB2-BD59-A6C34878D82A}">
+                    <a16:rowId xmlns:a16="http://schemas.microsoft.com/office/drawing/2014/main" val="2640795554"/>
+                  </a:ext>
+                </a:extLst>
+              </a:tr>
+              <a:tr h="491375">
+                <a:tc>
+                  <a:txBody>
+                    <a:bodyPr/>
+                    <a:lstStyle/>
+                    <a:p>
+                      <a:r>
+                        <a:rPr lang="en-US" sz="800" b="1" dirty="0"/>
+                        <a:t>PPG</a:t>
+                      </a:r>
+                      <a:endParaRPr lang="en-US" sz="800" dirty="0"/>
+                    </a:p>
+                  </a:txBody>
+                  <a:tcPr marL="16336" marR="16336" marT="8168" marB="8168" anchor="ctr">
+                    <a:lnL>
+                      <a:noFill/>
+                    </a:lnL>
+                    <a:lnR>
+                      <a:noFill/>
+                    </a:lnR>
+                    <a:lnT>
+                      <a:noFill/>
+                    </a:lnT>
+                    <a:lnB>
+                      <a:noFill/>
+                    </a:lnB>
+                    <a:noFill/>
+                  </a:tcPr>
+                </a:tc>
+                <a:tc>
+                  <a:txBody>
+                    <a:bodyPr/>
+                    <a:lstStyle/>
+                    <a:p>
+                      <a:r>
+                        <a:rPr lang="en-US" sz="800" b="1"/>
+                        <a:t>Photoplethysmography</a:t>
+                      </a:r>
+                      <a:endParaRPr lang="en-US" sz="800"/>
+                    </a:p>
+                  </a:txBody>
+                  <a:tcPr marL="16336" marR="16336" marT="8168" marB="8168" anchor="ctr">
+                    <a:lnL>
+                      <a:noFill/>
+                    </a:lnL>
+                    <a:lnR>
+                      <a:noFill/>
+                    </a:lnR>
+                    <a:lnT>
+                      <a:noFill/>
+                    </a:lnT>
+                    <a:lnB>
+                      <a:noFill/>
+                    </a:lnB>
+                    <a:noFill/>
+                  </a:tcPr>
+                </a:tc>
+                <a:tc>
+                  <a:txBody>
+                    <a:bodyPr/>
+                    <a:lstStyle/>
+                    <a:p>
+                      <a:r>
+                        <a:rPr lang="en-US" sz="800"/>
+                        <a:t>Optical measurement of blood volume changes in tissue using a light source and detector (usually contact-based).</a:t>
+                      </a:r>
+                    </a:p>
+                  </a:txBody>
+                  <a:tcPr marL="16336" marR="16336" marT="8168" marB="8168" anchor="ctr">
+                    <a:lnL>
+                      <a:noFill/>
+                    </a:lnL>
+                    <a:lnR>
+                      <a:noFill/>
+                    </a:lnR>
+                    <a:lnT>
+                      <a:noFill/>
+                    </a:lnT>
+                    <a:lnB>
+                      <a:noFill/>
+                    </a:lnB>
+                    <a:noFill/>
+                  </a:tcPr>
+                </a:tc>
+                <a:tc>
+                  <a:txBody>
+                    <a:bodyPr/>
+                    <a:lstStyle/>
+                    <a:p>
+                      <a:r>
+                        <a:rPr lang="en-US" sz="800"/>
+                        <a:t>Conventional </a:t>
+                      </a:r>
+                      <a:r>
+                        <a:rPr lang="en-US" sz="800" b="1"/>
+                        <a:t>contact sensor</a:t>
+                      </a:r>
+                      <a:r>
+                        <a:rPr lang="en-US" sz="800"/>
+                        <a:t> reference for pulse arrival.</a:t>
+                      </a:r>
+                    </a:p>
+                  </a:txBody>
+                  <a:tcPr marL="16336" marR="16336" marT="8168" marB="8168" anchor="ctr">
+                    <a:lnL>
+                      <a:noFill/>
+                    </a:lnL>
+                    <a:lnR>
+                      <a:noFill/>
+                    </a:lnR>
+                    <a:lnT>
+                      <a:noFill/>
+                    </a:lnT>
+                    <a:lnB>
+                      <a:noFill/>
+                    </a:lnB>
+                    <a:noFill/>
+                  </a:tcPr>
+                </a:tc>
+                <a:extLst>
+                  <a:ext uri="{0D108BD9-81ED-4DB2-BD59-A6C34878D82A}">
+                    <a16:rowId xmlns:a16="http://schemas.microsoft.com/office/drawing/2014/main" val="331609777"/>
+                  </a:ext>
+                </a:extLst>
+              </a:tr>
+              <a:tr h="424063">
+                <a:tc>
+                  <a:txBody>
+                    <a:bodyPr/>
+                    <a:lstStyle/>
+                    <a:p>
+                      <a:r>
+                        <a:rPr lang="en-US" sz="800" b="1"/>
+                        <a:t>iPPG</a:t>
+                      </a:r>
+                      <a:endParaRPr lang="en-US" sz="800"/>
+                    </a:p>
+                  </a:txBody>
+                  <a:tcPr marL="16336" marR="16336" marT="8168" marB="8168" anchor="ctr">
+                    <a:lnL>
+                      <a:noFill/>
+                    </a:lnL>
+                    <a:lnR>
+                      <a:noFill/>
+                    </a:lnR>
+                    <a:lnT>
+                      <a:noFill/>
+                    </a:lnT>
+                    <a:lnB>
+                      <a:noFill/>
+                    </a:lnB>
+                    <a:noFill/>
+                  </a:tcPr>
+                </a:tc>
+                <a:tc>
+                  <a:txBody>
+                    <a:bodyPr/>
+                    <a:lstStyle/>
+                    <a:p>
+                      <a:r>
+                        <a:rPr lang="en-US" sz="800" b="1" dirty="0"/>
+                        <a:t>Imaging Photoplethysmography</a:t>
+                      </a:r>
+                      <a:endParaRPr lang="en-US" sz="800" dirty="0"/>
+                    </a:p>
+                  </a:txBody>
+                  <a:tcPr marL="16336" marR="16336" marT="8168" marB="8168" anchor="ctr">
+                    <a:lnL>
+                      <a:noFill/>
+                    </a:lnL>
+                    <a:lnR>
+                      <a:noFill/>
+                    </a:lnR>
+                    <a:lnT>
+                      <a:noFill/>
+                    </a:lnT>
+                    <a:lnB>
+                      <a:noFill/>
+                    </a:lnB>
+                    <a:noFill/>
+                  </a:tcPr>
+                </a:tc>
+                <a:tc>
+                  <a:txBody>
+                    <a:bodyPr/>
+                    <a:lstStyle/>
+                    <a:p>
+                      <a:r>
+                        <a:rPr lang="en-US" sz="800" dirty="0"/>
+                        <a:t>PPG signal extracted from </a:t>
+                      </a:r>
+                      <a:r>
+                        <a:rPr lang="en-US" sz="800" b="1" dirty="0"/>
+                        <a:t>video frames</a:t>
+                      </a:r>
+                      <a:r>
+                        <a:rPr lang="en-US" sz="800" dirty="0"/>
+                        <a:t> (facial brightness changes), without physical contact.</a:t>
+                      </a:r>
+                    </a:p>
+                  </a:txBody>
+                  <a:tcPr marL="16336" marR="16336" marT="8168" marB="8168" anchor="ctr">
+                    <a:lnL>
+                      <a:noFill/>
+                    </a:lnL>
+                    <a:lnR>
+                      <a:noFill/>
+                    </a:lnR>
+                    <a:lnT>
+                      <a:noFill/>
+                    </a:lnT>
+                    <a:lnB>
+                      <a:noFill/>
+                    </a:lnB>
+                    <a:noFill/>
+                  </a:tcPr>
+                </a:tc>
+                <a:tc>
+                  <a:txBody>
+                    <a:bodyPr/>
+                    <a:lstStyle/>
+                    <a:p>
+                      <a:r>
+                        <a:rPr lang="en-US" sz="800"/>
+                        <a:t>Used in Yoshioka et al. (2020) for </a:t>
+                      </a:r>
+                      <a:r>
+                        <a:rPr lang="en-US" sz="800" b="1"/>
+                        <a:t>noncontact pulse detection</a:t>
+                      </a:r>
+                      <a:r>
+                        <a:rPr lang="en-US" sz="800"/>
+                        <a:t>.</a:t>
+                      </a:r>
+                    </a:p>
+                  </a:txBody>
+                  <a:tcPr marL="16336" marR="16336" marT="8168" marB="8168" anchor="ctr">
+                    <a:lnL>
+                      <a:noFill/>
+                    </a:lnL>
+                    <a:lnR>
+                      <a:noFill/>
+                    </a:lnR>
+                    <a:lnT>
+                      <a:noFill/>
+                    </a:lnT>
+                    <a:lnB>
+                      <a:noFill/>
+                    </a:lnB>
+                    <a:noFill/>
+                  </a:tcPr>
+                </a:tc>
+                <a:extLst>
+                  <a:ext uri="{0D108BD9-81ED-4DB2-BD59-A6C34878D82A}">
+                    <a16:rowId xmlns:a16="http://schemas.microsoft.com/office/drawing/2014/main" val="1044610254"/>
+                  </a:ext>
+                </a:extLst>
+              </a:tr>
+              <a:tr h="424063">
+                <a:tc>
+                  <a:txBody>
+                    <a:bodyPr/>
+                    <a:lstStyle/>
+                    <a:p>
+                      <a:r>
+                        <a:rPr lang="en-US" sz="800" b="1"/>
+                        <a:t>rPPG</a:t>
+                      </a:r>
+                      <a:endParaRPr lang="en-US" sz="800"/>
+                    </a:p>
+                  </a:txBody>
+                  <a:tcPr marL="16336" marR="16336" marT="8168" marB="8168" anchor="ctr">
+                    <a:lnL>
+                      <a:noFill/>
+                    </a:lnL>
+                    <a:lnR>
+                      <a:noFill/>
+                    </a:lnR>
+                    <a:lnT>
+                      <a:noFill/>
+                    </a:lnT>
+                    <a:lnB>
+                      <a:noFill/>
+                    </a:lnB>
+                    <a:noFill/>
+                  </a:tcPr>
+                </a:tc>
+                <a:tc>
+                  <a:txBody>
+                    <a:bodyPr/>
+                    <a:lstStyle/>
+                    <a:p>
+                      <a:r>
+                        <a:rPr lang="en-US" sz="800" b="1" dirty="0"/>
+                        <a:t>Remote Photoplethysmography</a:t>
+                      </a:r>
+                      <a:endParaRPr lang="en-US" sz="800" dirty="0"/>
+                    </a:p>
+                  </a:txBody>
+                  <a:tcPr marL="16336" marR="16336" marT="8168" marB="8168" anchor="ctr">
+                    <a:lnL>
+                      <a:noFill/>
+                    </a:lnL>
+                    <a:lnR>
+                      <a:noFill/>
+                    </a:lnR>
+                    <a:lnT>
+                      <a:noFill/>
+                    </a:lnT>
+                    <a:lnB>
+                      <a:noFill/>
+                    </a:lnB>
+                    <a:noFill/>
+                  </a:tcPr>
+                </a:tc>
+                <a:tc>
+                  <a:txBody>
+                    <a:bodyPr/>
+                    <a:lstStyle/>
+                    <a:p>
+                      <a:r>
+                        <a:rPr lang="en-US" sz="800"/>
+                        <a:t>General term for noncontact PPG obtained from camera images (essentially same as iPPG).</a:t>
+                      </a:r>
+                    </a:p>
+                  </a:txBody>
+                  <a:tcPr marL="16336" marR="16336" marT="8168" marB="8168" anchor="ctr">
+                    <a:lnL>
+                      <a:noFill/>
+                    </a:lnL>
+                    <a:lnR>
+                      <a:noFill/>
+                    </a:lnR>
+                    <a:lnT>
+                      <a:noFill/>
+                    </a:lnT>
+                    <a:lnB>
+                      <a:noFill/>
+                    </a:lnB>
+                    <a:noFill/>
+                  </a:tcPr>
+                </a:tc>
+                <a:tc>
+                  <a:txBody>
+                    <a:bodyPr/>
+                    <a:lstStyle/>
+                    <a:p>
+                      <a:r>
+                        <a:rPr lang="en-US" sz="800" dirty="0"/>
+                        <a:t>The main signal type in current research focus.</a:t>
+                      </a:r>
+                    </a:p>
+                  </a:txBody>
+                  <a:tcPr marL="16336" marR="16336" marT="8168" marB="8168" anchor="ctr">
+                    <a:lnL>
+                      <a:noFill/>
+                    </a:lnL>
+                    <a:lnR>
+                      <a:noFill/>
+                    </a:lnR>
+                    <a:lnT>
+                      <a:noFill/>
+                    </a:lnT>
+                    <a:lnB>
+                      <a:noFill/>
+                    </a:lnB>
+                    <a:noFill/>
+                  </a:tcPr>
+                </a:tc>
+                <a:extLst>
+                  <a:ext uri="{0D108BD9-81ED-4DB2-BD59-A6C34878D82A}">
+                    <a16:rowId xmlns:a16="http://schemas.microsoft.com/office/drawing/2014/main" val="2970466269"/>
+                  </a:ext>
+                </a:extLst>
+              </a:tr>
+              <a:tr h="424063">
+                <a:tc>
+                  <a:txBody>
+                    <a:bodyPr/>
+                    <a:lstStyle/>
+                    <a:p>
+                      <a:r>
+                        <a:rPr lang="en-US" sz="800" b="1"/>
+                        <a:t>PTT</a:t>
+                      </a:r>
+                      <a:endParaRPr lang="en-US" sz="800"/>
+                    </a:p>
+                  </a:txBody>
+                  <a:tcPr marL="16336" marR="16336" marT="8168" marB="8168" anchor="ctr">
+                    <a:lnL>
+                      <a:noFill/>
+                    </a:lnL>
+                    <a:lnR>
+                      <a:noFill/>
+                    </a:lnR>
+                    <a:lnT>
+                      <a:noFill/>
+                    </a:lnT>
+                    <a:lnB>
+                      <a:noFill/>
+                    </a:lnB>
+                    <a:noFill/>
+                  </a:tcPr>
+                </a:tc>
+                <a:tc>
+                  <a:txBody>
+                    <a:bodyPr/>
+                    <a:lstStyle/>
+                    <a:p>
+                      <a:r>
+                        <a:rPr lang="en-US" sz="800" b="1" dirty="0"/>
+                        <a:t>Pulse Transit Time</a:t>
+                      </a:r>
+                      <a:endParaRPr lang="en-US" sz="800" dirty="0"/>
+                    </a:p>
+                  </a:txBody>
+                  <a:tcPr marL="16336" marR="16336" marT="8168" marB="8168" anchor="ctr">
+                    <a:lnL>
+                      <a:noFill/>
+                    </a:lnL>
+                    <a:lnR>
+                      <a:noFill/>
+                    </a:lnR>
+                    <a:lnT>
+                      <a:noFill/>
+                    </a:lnT>
+                    <a:lnB>
+                      <a:noFill/>
+                    </a:lnB>
+                    <a:noFill/>
+                  </a:tcPr>
+                </a:tc>
+                <a:tc>
+                  <a:txBody>
+                    <a:bodyPr/>
+                    <a:lstStyle/>
+                    <a:p>
+                      <a:r>
+                        <a:rPr lang="en-US" sz="800" dirty="0"/>
+                        <a:t>Time taken for the arterial pulse wave to travel between two sites (from heart to face).</a:t>
+                      </a:r>
+                    </a:p>
+                  </a:txBody>
+                  <a:tcPr marL="16336" marR="16336" marT="8168" marB="8168" anchor="ctr">
+                    <a:lnL>
+                      <a:noFill/>
+                    </a:lnL>
+                    <a:lnR>
+                      <a:noFill/>
+                    </a:lnR>
+                    <a:lnT>
+                      <a:noFill/>
+                    </a:lnT>
+                    <a:lnB>
+                      <a:noFill/>
+                    </a:lnB>
+                    <a:noFill/>
+                  </a:tcPr>
+                </a:tc>
+                <a:tc>
+                  <a:txBody>
+                    <a:bodyPr/>
+                    <a:lstStyle/>
+                    <a:p>
+                      <a:r>
+                        <a:rPr lang="en-US" sz="800"/>
+                        <a:t>Key physiological metric; shorter PTT means higher arterial stiffness or BP.</a:t>
+                      </a:r>
+                    </a:p>
+                  </a:txBody>
+                  <a:tcPr marL="16336" marR="16336" marT="8168" marB="8168" anchor="ctr">
+                    <a:lnL>
+                      <a:noFill/>
+                    </a:lnL>
+                    <a:lnR>
+                      <a:noFill/>
+                    </a:lnR>
+                    <a:lnT>
+                      <a:noFill/>
+                    </a:lnT>
+                    <a:lnB>
+                      <a:noFill/>
+                    </a:lnB>
+                    <a:noFill/>
+                  </a:tcPr>
+                </a:tc>
+                <a:extLst>
+                  <a:ext uri="{0D108BD9-81ED-4DB2-BD59-A6C34878D82A}">
+                    <a16:rowId xmlns:a16="http://schemas.microsoft.com/office/drawing/2014/main" val="3158078146"/>
+                  </a:ext>
+                </a:extLst>
+              </a:tr>
+              <a:tr h="491375">
+                <a:tc>
+                  <a:txBody>
+                    <a:bodyPr/>
+                    <a:lstStyle/>
+                    <a:p>
+                      <a:r>
+                        <a:rPr lang="en-US" sz="800" b="1"/>
+                        <a:t>PAT</a:t>
+                      </a:r>
+                      <a:endParaRPr lang="en-US" sz="800"/>
+                    </a:p>
+                  </a:txBody>
+                  <a:tcPr marL="16336" marR="16336" marT="8168" marB="8168" anchor="ctr">
+                    <a:lnL>
+                      <a:noFill/>
+                    </a:lnL>
+                    <a:lnR>
+                      <a:noFill/>
+                    </a:lnR>
+                    <a:lnT>
+                      <a:noFill/>
+                    </a:lnT>
+                    <a:lnB>
+                      <a:noFill/>
+                    </a:lnB>
+                    <a:noFill/>
+                  </a:tcPr>
+                </a:tc>
+                <a:tc>
+                  <a:txBody>
+                    <a:bodyPr/>
+                    <a:lstStyle/>
+                    <a:p>
+                      <a:r>
+                        <a:rPr lang="en-US" sz="800" b="1"/>
+                        <a:t>Pulse Arrival Time</a:t>
+                      </a:r>
+                      <a:endParaRPr lang="en-US" sz="800"/>
+                    </a:p>
+                  </a:txBody>
+                  <a:tcPr marL="16336" marR="16336" marT="8168" marB="8168" anchor="ctr">
+                    <a:lnL>
+                      <a:noFill/>
+                    </a:lnL>
+                    <a:lnR>
+                      <a:noFill/>
+                    </a:lnR>
+                    <a:lnT>
+                      <a:noFill/>
+                    </a:lnT>
+                    <a:lnB>
+                      <a:noFill/>
+                    </a:lnB>
+                    <a:noFill/>
+                  </a:tcPr>
+                </a:tc>
+                <a:tc>
+                  <a:txBody>
+                    <a:bodyPr/>
+                    <a:lstStyle/>
+                    <a:p>
+                      <a:r>
+                        <a:rPr lang="en-US" sz="800" dirty="0"/>
+                        <a:t>Time between ECG R-wave (electrical heart activation) and PPG pulse arrival; includes </a:t>
+                      </a:r>
+                      <a:r>
+                        <a:rPr lang="en-US" sz="800" b="1" dirty="0"/>
+                        <a:t>pre-ejection period (PEP)</a:t>
+                      </a:r>
+                      <a:r>
+                        <a:rPr lang="en-US" sz="800" dirty="0"/>
+                        <a:t>.</a:t>
+                      </a:r>
+                    </a:p>
+                  </a:txBody>
+                  <a:tcPr marL="16336" marR="16336" marT="8168" marB="8168" anchor="ctr">
+                    <a:lnL>
+                      <a:noFill/>
+                    </a:lnL>
+                    <a:lnR>
+                      <a:noFill/>
+                    </a:lnR>
+                    <a:lnT>
+                      <a:noFill/>
+                    </a:lnT>
+                    <a:lnB>
+                      <a:noFill/>
+                    </a:lnB>
+                    <a:noFill/>
+                  </a:tcPr>
+                </a:tc>
+                <a:tc>
+                  <a:txBody>
+                    <a:bodyPr/>
+                    <a:lstStyle/>
+                    <a:p>
+                      <a:r>
+                        <a:rPr lang="en-US" sz="800"/>
+                        <a:t>Used in both papers as a </a:t>
+                      </a:r>
+                      <a:r>
+                        <a:rPr lang="en-US" sz="800" b="1"/>
+                        <a:t>surrogate</a:t>
+                      </a:r>
+                      <a:r>
+                        <a:rPr lang="en-US" sz="800"/>
+                        <a:t> of true PTT.</a:t>
+                      </a:r>
+                    </a:p>
+                  </a:txBody>
+                  <a:tcPr marL="16336" marR="16336" marT="8168" marB="8168" anchor="ctr">
+                    <a:lnL>
+                      <a:noFill/>
+                    </a:lnL>
+                    <a:lnR>
+                      <a:noFill/>
+                    </a:lnR>
+                    <a:lnT>
+                      <a:noFill/>
+                    </a:lnT>
+                    <a:lnB>
+                      <a:noFill/>
+                    </a:lnB>
+                    <a:noFill/>
+                  </a:tcPr>
+                </a:tc>
+                <a:extLst>
+                  <a:ext uri="{0D108BD9-81ED-4DB2-BD59-A6C34878D82A}">
+                    <a16:rowId xmlns:a16="http://schemas.microsoft.com/office/drawing/2014/main" val="4237554595"/>
+                  </a:ext>
+                </a:extLst>
+              </a:tr>
+              <a:tr h="424063">
+                <a:tc>
+                  <a:txBody>
+                    <a:bodyPr/>
+                    <a:lstStyle/>
+                    <a:p>
+                      <a:r>
+                        <a:rPr lang="en-US" sz="800" b="1"/>
+                        <a:t>PEP</a:t>
+                      </a:r>
+                      <a:endParaRPr lang="en-US" sz="800"/>
+                    </a:p>
+                  </a:txBody>
+                  <a:tcPr marL="16336" marR="16336" marT="8168" marB="8168" anchor="ctr">
+                    <a:lnL>
+                      <a:noFill/>
+                    </a:lnL>
+                    <a:lnR>
+                      <a:noFill/>
+                    </a:lnR>
+                    <a:lnT>
+                      <a:noFill/>
+                    </a:lnT>
+                    <a:lnB>
+                      <a:noFill/>
+                    </a:lnB>
+                    <a:noFill/>
+                  </a:tcPr>
+                </a:tc>
+                <a:tc>
+                  <a:txBody>
+                    <a:bodyPr/>
+                    <a:lstStyle/>
+                    <a:p>
+                      <a:r>
+                        <a:rPr lang="en-US" sz="800" b="1"/>
+                        <a:t>Pre-Ejection Period</a:t>
+                      </a:r>
+                      <a:endParaRPr lang="en-US" sz="800"/>
+                    </a:p>
+                  </a:txBody>
+                  <a:tcPr marL="16336" marR="16336" marT="8168" marB="8168" anchor="ctr">
+                    <a:lnL>
+                      <a:noFill/>
+                    </a:lnL>
+                    <a:lnR>
+                      <a:noFill/>
+                    </a:lnR>
+                    <a:lnT>
+                      <a:noFill/>
+                    </a:lnT>
+                    <a:lnB>
+                      <a:noFill/>
+                    </a:lnB>
+                    <a:noFill/>
+                  </a:tcPr>
+                </a:tc>
+                <a:tc>
+                  <a:txBody>
+                    <a:bodyPr/>
+                    <a:lstStyle/>
+                    <a:p>
+                      <a:r>
+                        <a:rPr lang="en-US" sz="800" dirty="0"/>
+                        <a:t>Time between the ECG R-wave and the actual mechanical ejection of blood from the heart.</a:t>
+                      </a:r>
+                    </a:p>
+                  </a:txBody>
+                  <a:tcPr marL="16336" marR="16336" marT="8168" marB="8168" anchor="ctr">
+                    <a:lnL>
+                      <a:noFill/>
+                    </a:lnL>
+                    <a:lnR>
+                      <a:noFill/>
+                    </a:lnR>
+                    <a:lnT>
+                      <a:noFill/>
+                    </a:lnT>
+                    <a:lnB>
+                      <a:noFill/>
+                    </a:lnB>
+                    <a:noFill/>
+                  </a:tcPr>
+                </a:tc>
+                <a:tc>
+                  <a:txBody>
+                    <a:bodyPr/>
+                    <a:lstStyle/>
+                    <a:p>
+                      <a:r>
+                        <a:rPr lang="en-US" sz="800"/>
+                        <a:t>Present in PAT, but </a:t>
+                      </a:r>
+                      <a:r>
+                        <a:rPr lang="en-US" sz="800" b="1"/>
+                        <a:t>not</a:t>
+                      </a:r>
+                      <a:r>
+                        <a:rPr lang="en-US" sz="800"/>
+                        <a:t> in PTT (BCG avoids this).</a:t>
+                      </a:r>
+                    </a:p>
+                  </a:txBody>
+                  <a:tcPr marL="16336" marR="16336" marT="8168" marB="8168" anchor="ctr">
+                    <a:lnL>
+                      <a:noFill/>
+                    </a:lnL>
+                    <a:lnR>
+                      <a:noFill/>
+                    </a:lnR>
+                    <a:lnT>
+                      <a:noFill/>
+                    </a:lnT>
+                    <a:lnB>
+                      <a:noFill/>
+                    </a:lnB>
+                    <a:noFill/>
+                  </a:tcPr>
+                </a:tc>
+                <a:extLst>
+                  <a:ext uri="{0D108BD9-81ED-4DB2-BD59-A6C34878D82A}">
+                    <a16:rowId xmlns:a16="http://schemas.microsoft.com/office/drawing/2014/main" val="3243921848"/>
+                  </a:ext>
+                </a:extLst>
+              </a:tr>
+              <a:tr h="356752">
+                <a:tc>
+                  <a:txBody>
+                    <a:bodyPr/>
+                    <a:lstStyle/>
+                    <a:p>
+                      <a:r>
+                        <a:rPr lang="en-US" sz="800" b="1"/>
+                        <a:t>ECG</a:t>
+                      </a:r>
+                      <a:endParaRPr lang="en-US" sz="800"/>
+                    </a:p>
+                  </a:txBody>
+                  <a:tcPr marL="16336" marR="16336" marT="8168" marB="8168" anchor="ctr">
+                    <a:lnL>
+                      <a:noFill/>
+                    </a:lnL>
+                    <a:lnR>
+                      <a:noFill/>
+                    </a:lnR>
+                    <a:lnT>
+                      <a:noFill/>
+                    </a:lnT>
+                    <a:lnB>
+                      <a:noFill/>
+                    </a:lnB>
+                    <a:noFill/>
+                  </a:tcPr>
+                </a:tc>
+                <a:tc>
+                  <a:txBody>
+                    <a:bodyPr/>
+                    <a:lstStyle/>
+                    <a:p>
+                      <a:r>
+                        <a:rPr lang="en-US" sz="800" b="1"/>
+                        <a:t>Electrocardiography</a:t>
+                      </a:r>
+                      <a:endParaRPr lang="en-US" sz="800"/>
+                    </a:p>
+                  </a:txBody>
+                  <a:tcPr marL="16336" marR="16336" marT="8168" marB="8168" anchor="ctr">
+                    <a:lnL>
+                      <a:noFill/>
+                    </a:lnL>
+                    <a:lnR>
+                      <a:noFill/>
+                    </a:lnR>
+                    <a:lnT>
+                      <a:noFill/>
+                    </a:lnT>
+                    <a:lnB>
+                      <a:noFill/>
+                    </a:lnB>
+                    <a:noFill/>
+                  </a:tcPr>
+                </a:tc>
+                <a:tc>
+                  <a:txBody>
+                    <a:bodyPr/>
+                    <a:lstStyle/>
+                    <a:p>
+                      <a:r>
+                        <a:rPr lang="en-US" sz="800" dirty="0"/>
+                        <a:t>Electrical recording of heart activity, especially used to detect the R-wave for timing.</a:t>
+                      </a:r>
+                    </a:p>
+                  </a:txBody>
+                  <a:tcPr marL="16336" marR="16336" marT="8168" marB="8168" anchor="ctr">
+                    <a:lnL>
+                      <a:noFill/>
+                    </a:lnL>
+                    <a:lnR>
+                      <a:noFill/>
+                    </a:lnR>
+                    <a:lnT>
+                      <a:noFill/>
+                    </a:lnT>
+                    <a:lnB>
+                      <a:noFill/>
+                    </a:lnB>
+                    <a:noFill/>
+                  </a:tcPr>
+                </a:tc>
+                <a:tc>
+                  <a:txBody>
+                    <a:bodyPr/>
+                    <a:lstStyle/>
+                    <a:p>
+                      <a:r>
+                        <a:rPr lang="en-US" sz="800"/>
+                        <a:t>Contact reference for PAT in Block et al. (2020).</a:t>
+                      </a:r>
+                    </a:p>
+                  </a:txBody>
+                  <a:tcPr marL="16336" marR="16336" marT="8168" marB="8168" anchor="ctr">
+                    <a:lnL>
+                      <a:noFill/>
+                    </a:lnL>
+                    <a:lnR>
+                      <a:noFill/>
+                    </a:lnR>
+                    <a:lnT>
+                      <a:noFill/>
+                    </a:lnT>
+                    <a:lnB>
+                      <a:noFill/>
+                    </a:lnB>
+                    <a:noFill/>
+                  </a:tcPr>
+                </a:tc>
+                <a:extLst>
+                  <a:ext uri="{0D108BD9-81ED-4DB2-BD59-A6C34878D82A}">
+                    <a16:rowId xmlns:a16="http://schemas.microsoft.com/office/drawing/2014/main" val="3645453763"/>
+                  </a:ext>
+                </a:extLst>
+              </a:tr>
+              <a:tr h="222128">
+                <a:tc>
+                  <a:txBody>
+                    <a:bodyPr/>
+                    <a:lstStyle/>
+                    <a:p>
+                      <a:r>
+                        <a:rPr lang="en-US" sz="800" b="1"/>
+                        <a:t>BP</a:t>
+                      </a:r>
+                      <a:endParaRPr lang="en-US" sz="800"/>
+                    </a:p>
+                  </a:txBody>
+                  <a:tcPr marL="16336" marR="16336" marT="8168" marB="8168" anchor="ctr">
+                    <a:lnL>
+                      <a:noFill/>
+                    </a:lnL>
+                    <a:lnR>
+                      <a:noFill/>
+                    </a:lnR>
+                    <a:lnT>
+                      <a:noFill/>
+                    </a:lnT>
+                    <a:lnB>
+                      <a:noFill/>
+                    </a:lnB>
+                    <a:noFill/>
+                  </a:tcPr>
+                </a:tc>
+                <a:tc>
+                  <a:txBody>
+                    <a:bodyPr/>
+                    <a:lstStyle/>
+                    <a:p>
+                      <a:r>
+                        <a:rPr lang="en-US" sz="800" b="1"/>
+                        <a:t>Blood Pressure</a:t>
+                      </a:r>
+                      <a:endParaRPr lang="en-US" sz="800"/>
+                    </a:p>
+                  </a:txBody>
+                  <a:tcPr marL="16336" marR="16336" marT="8168" marB="8168" anchor="ctr">
+                    <a:lnL>
+                      <a:noFill/>
+                    </a:lnL>
+                    <a:lnR>
+                      <a:noFill/>
+                    </a:lnR>
+                    <a:lnT>
+                      <a:noFill/>
+                    </a:lnT>
+                    <a:lnB>
+                      <a:noFill/>
+                    </a:lnB>
+                    <a:noFill/>
+                  </a:tcPr>
+                </a:tc>
+                <a:tc>
+                  <a:txBody>
+                    <a:bodyPr/>
+                    <a:lstStyle/>
+                    <a:p>
+                      <a:r>
+                        <a:rPr lang="en-US" sz="800" dirty="0"/>
+                        <a:t>Force exerted by circulating blood on arterial walls.</a:t>
+                      </a:r>
+                    </a:p>
+                  </a:txBody>
+                  <a:tcPr marL="16336" marR="16336" marT="8168" marB="8168" anchor="ctr">
+                    <a:lnL>
+                      <a:noFill/>
+                    </a:lnL>
+                    <a:lnR>
+                      <a:noFill/>
+                    </a:lnR>
+                    <a:lnT>
+                      <a:noFill/>
+                    </a:lnT>
+                    <a:lnB>
+                      <a:noFill/>
+                    </a:lnB>
+                    <a:noFill/>
+                  </a:tcPr>
+                </a:tc>
+                <a:tc>
+                  <a:txBody>
+                    <a:bodyPr/>
+                    <a:lstStyle/>
+                    <a:p>
+                      <a:r>
+                        <a:rPr lang="en-US" sz="800"/>
+                        <a:t>Physiological parameter correlated </a:t>
+                      </a:r>
+                      <a:r>
+                        <a:rPr lang="en-US" sz="800" b="1"/>
+                        <a:t>inversely</a:t>
+                      </a:r>
+                      <a:r>
+                        <a:rPr lang="en-US" sz="800"/>
+                        <a:t> with PTT.</a:t>
+                      </a:r>
+                    </a:p>
+                  </a:txBody>
+                  <a:tcPr marL="16336" marR="16336" marT="8168" marB="8168" anchor="ctr">
+                    <a:lnL>
+                      <a:noFill/>
+                    </a:lnL>
+                    <a:lnR>
+                      <a:noFill/>
+                    </a:lnR>
+                    <a:lnT>
+                      <a:noFill/>
+                    </a:lnT>
+                    <a:lnB>
+                      <a:noFill/>
+                    </a:lnB>
+                    <a:noFill/>
+                  </a:tcPr>
+                </a:tc>
+                <a:extLst>
+                  <a:ext uri="{0D108BD9-81ED-4DB2-BD59-A6C34878D82A}">
+                    <a16:rowId xmlns:a16="http://schemas.microsoft.com/office/drawing/2014/main" val="1897934973"/>
+                  </a:ext>
+                </a:extLst>
+              </a:tr>
+              <a:tr h="222128">
+                <a:tc>
+                  <a:txBody>
+                    <a:bodyPr/>
+                    <a:lstStyle/>
+                    <a:p>
+                      <a:r>
+                        <a:rPr lang="en-US" sz="800" b="1"/>
+                        <a:t>SBP</a:t>
+                      </a:r>
+                      <a:endParaRPr lang="en-US" sz="800"/>
+                    </a:p>
+                  </a:txBody>
+                  <a:tcPr marL="16336" marR="16336" marT="8168" marB="8168" anchor="ctr">
+                    <a:lnL>
+                      <a:noFill/>
+                    </a:lnL>
+                    <a:lnR>
+                      <a:noFill/>
+                    </a:lnR>
+                    <a:lnT>
+                      <a:noFill/>
+                    </a:lnT>
+                    <a:lnB>
+                      <a:noFill/>
+                    </a:lnB>
+                    <a:noFill/>
+                  </a:tcPr>
+                </a:tc>
+                <a:tc>
+                  <a:txBody>
+                    <a:bodyPr/>
+                    <a:lstStyle/>
+                    <a:p>
+                      <a:r>
+                        <a:rPr lang="en-US" sz="800" b="1"/>
+                        <a:t>Systolic Blood Pressure</a:t>
+                      </a:r>
+                      <a:endParaRPr lang="en-US" sz="800"/>
+                    </a:p>
+                  </a:txBody>
+                  <a:tcPr marL="16336" marR="16336" marT="8168" marB="8168" anchor="ctr">
+                    <a:lnL>
+                      <a:noFill/>
+                    </a:lnL>
+                    <a:lnR>
+                      <a:noFill/>
+                    </a:lnR>
+                    <a:lnT>
+                      <a:noFill/>
+                    </a:lnT>
+                    <a:lnB>
+                      <a:noFill/>
+                    </a:lnB>
+                    <a:noFill/>
+                  </a:tcPr>
+                </a:tc>
+                <a:tc>
+                  <a:txBody>
+                    <a:bodyPr/>
+                    <a:lstStyle/>
+                    <a:p>
+                      <a:r>
+                        <a:rPr lang="en-US" sz="800"/>
+                        <a:t>Maximum arterial pressure during heart contraction.</a:t>
+                      </a:r>
+                    </a:p>
+                  </a:txBody>
+                  <a:tcPr marL="16336" marR="16336" marT="8168" marB="8168" anchor="ctr">
+                    <a:lnL>
+                      <a:noFill/>
+                    </a:lnL>
+                    <a:lnR>
+                      <a:noFill/>
+                    </a:lnR>
+                    <a:lnT>
+                      <a:noFill/>
+                    </a:lnT>
+                    <a:lnB>
+                      <a:noFill/>
+                    </a:lnB>
+                    <a:noFill/>
+                  </a:tcPr>
+                </a:tc>
+                <a:tc>
+                  <a:txBody>
+                    <a:bodyPr/>
+                    <a:lstStyle/>
+                    <a:p>
+                      <a:r>
+                        <a:rPr lang="en-US" sz="800"/>
+                        <a:t>Strongly correlated with PTT (R ≈ −0.6).</a:t>
+                      </a:r>
+                    </a:p>
+                  </a:txBody>
+                  <a:tcPr marL="16336" marR="16336" marT="8168" marB="8168" anchor="ctr">
+                    <a:lnL>
+                      <a:noFill/>
+                    </a:lnL>
+                    <a:lnR>
+                      <a:noFill/>
+                    </a:lnR>
+                    <a:lnT>
+                      <a:noFill/>
+                    </a:lnT>
+                    <a:lnB>
+                      <a:noFill/>
+                    </a:lnB>
+                    <a:noFill/>
+                  </a:tcPr>
+                </a:tc>
+                <a:extLst>
+                  <a:ext uri="{0D108BD9-81ED-4DB2-BD59-A6C34878D82A}">
+                    <a16:rowId xmlns:a16="http://schemas.microsoft.com/office/drawing/2014/main" val="2416631409"/>
+                  </a:ext>
+                </a:extLst>
+              </a:tr>
+              <a:tr h="222128">
+                <a:tc>
+                  <a:txBody>
+                    <a:bodyPr/>
+                    <a:lstStyle/>
+                    <a:p>
+                      <a:r>
+                        <a:rPr lang="en-US" sz="800" b="1"/>
+                        <a:t>DBP</a:t>
+                      </a:r>
+                      <a:endParaRPr lang="en-US" sz="800"/>
+                    </a:p>
+                  </a:txBody>
+                  <a:tcPr marL="16336" marR="16336" marT="8168" marB="8168" anchor="ctr">
+                    <a:lnL>
+                      <a:noFill/>
+                    </a:lnL>
+                    <a:lnR>
+                      <a:noFill/>
+                    </a:lnR>
+                    <a:lnT>
+                      <a:noFill/>
+                    </a:lnT>
+                    <a:lnB>
+                      <a:noFill/>
+                    </a:lnB>
+                    <a:noFill/>
+                  </a:tcPr>
+                </a:tc>
+                <a:tc>
+                  <a:txBody>
+                    <a:bodyPr/>
+                    <a:lstStyle/>
+                    <a:p>
+                      <a:r>
+                        <a:rPr lang="en-US" sz="800" b="1"/>
+                        <a:t>Diastolic Blood Pressure</a:t>
+                      </a:r>
+                      <a:endParaRPr lang="en-US" sz="800"/>
+                    </a:p>
+                  </a:txBody>
+                  <a:tcPr marL="16336" marR="16336" marT="8168" marB="8168" anchor="ctr">
+                    <a:lnL>
+                      <a:noFill/>
+                    </a:lnL>
+                    <a:lnR>
+                      <a:noFill/>
+                    </a:lnR>
+                    <a:lnT>
+                      <a:noFill/>
+                    </a:lnT>
+                    <a:lnB>
+                      <a:noFill/>
+                    </a:lnB>
+                    <a:noFill/>
+                  </a:tcPr>
+                </a:tc>
+                <a:tc>
+                  <a:txBody>
+                    <a:bodyPr/>
+                    <a:lstStyle/>
+                    <a:p>
+                      <a:r>
+                        <a:rPr lang="en-US" sz="800" dirty="0"/>
+                        <a:t>Minimum arterial pressure during heart relaxation.</a:t>
+                      </a:r>
+                    </a:p>
+                  </a:txBody>
+                  <a:tcPr marL="16336" marR="16336" marT="8168" marB="8168" anchor="ctr">
+                    <a:lnL>
+                      <a:noFill/>
+                    </a:lnL>
+                    <a:lnR>
+                      <a:noFill/>
+                    </a:lnR>
+                    <a:lnT>
+                      <a:noFill/>
+                    </a:lnT>
+                    <a:lnB>
+                      <a:noFill/>
+                    </a:lnB>
+                    <a:noFill/>
+                  </a:tcPr>
+                </a:tc>
+                <a:tc>
+                  <a:txBody>
+                    <a:bodyPr/>
+                    <a:lstStyle/>
+                    <a:p>
+                      <a:r>
+                        <a:rPr lang="en-US" sz="800"/>
+                        <a:t>Weak correlation with PTT (R ≈ −0.2).</a:t>
+                      </a:r>
+                    </a:p>
+                  </a:txBody>
+                  <a:tcPr marL="16336" marR="16336" marT="8168" marB="8168" anchor="ctr">
+                    <a:lnL>
+                      <a:noFill/>
+                    </a:lnL>
+                    <a:lnR>
+                      <a:noFill/>
+                    </a:lnR>
+                    <a:lnT>
+                      <a:noFill/>
+                    </a:lnT>
+                    <a:lnB>
+                      <a:noFill/>
+                    </a:lnB>
+                    <a:noFill/>
+                  </a:tcPr>
+                </a:tc>
+                <a:extLst>
+                  <a:ext uri="{0D108BD9-81ED-4DB2-BD59-A6C34878D82A}">
+                    <a16:rowId xmlns:a16="http://schemas.microsoft.com/office/drawing/2014/main" val="2804002393"/>
+                  </a:ext>
+                </a:extLst>
+              </a:tr>
+              <a:tr h="356752">
+                <a:tc>
+                  <a:txBody>
+                    <a:bodyPr/>
+                    <a:lstStyle/>
+                    <a:p>
+                      <a:r>
+                        <a:rPr lang="en-US" sz="800" b="1"/>
+                        <a:t>ROI</a:t>
+                      </a:r>
+                      <a:endParaRPr lang="en-US" sz="800"/>
+                    </a:p>
+                  </a:txBody>
+                  <a:tcPr marL="16336" marR="16336" marT="8168" marB="8168" anchor="ctr">
+                    <a:lnL>
+                      <a:noFill/>
+                    </a:lnL>
+                    <a:lnR>
+                      <a:noFill/>
+                    </a:lnR>
+                    <a:lnT>
+                      <a:noFill/>
+                    </a:lnT>
+                    <a:lnB>
+                      <a:noFill/>
+                    </a:lnB>
+                    <a:noFill/>
+                  </a:tcPr>
+                </a:tc>
+                <a:tc>
+                  <a:txBody>
+                    <a:bodyPr/>
+                    <a:lstStyle/>
+                    <a:p>
+                      <a:r>
+                        <a:rPr lang="en-US" sz="800" b="1"/>
+                        <a:t>Region of Interest</a:t>
+                      </a:r>
+                      <a:endParaRPr lang="en-US" sz="800"/>
+                    </a:p>
+                  </a:txBody>
+                  <a:tcPr marL="16336" marR="16336" marT="8168" marB="8168" anchor="ctr">
+                    <a:lnL>
+                      <a:noFill/>
+                    </a:lnL>
+                    <a:lnR>
+                      <a:noFill/>
+                    </a:lnR>
+                    <a:lnT>
+                      <a:noFill/>
+                    </a:lnT>
+                    <a:lnB>
+                      <a:noFill/>
+                    </a:lnB>
+                    <a:noFill/>
+                  </a:tcPr>
+                </a:tc>
+                <a:tc>
+                  <a:txBody>
+                    <a:bodyPr/>
+                    <a:lstStyle/>
+                    <a:p>
+                      <a:r>
+                        <a:rPr lang="en-US" sz="800" dirty="0"/>
+                        <a:t>Specific area in an image or video used for signal extraction (e.g., cheek or forehead).</a:t>
+                      </a:r>
+                    </a:p>
+                  </a:txBody>
+                  <a:tcPr marL="16336" marR="16336" marT="8168" marB="8168" anchor="ctr">
+                    <a:lnL>
+                      <a:noFill/>
+                    </a:lnL>
+                    <a:lnR>
+                      <a:noFill/>
+                    </a:lnR>
+                    <a:lnT>
+                      <a:noFill/>
+                    </a:lnT>
+                    <a:lnB>
+                      <a:noFill/>
+                    </a:lnB>
+                    <a:noFill/>
+                  </a:tcPr>
+                </a:tc>
+                <a:tc>
+                  <a:txBody>
+                    <a:bodyPr/>
+                    <a:lstStyle/>
+                    <a:p>
+                      <a:r>
+                        <a:rPr lang="en-US" sz="800"/>
+                        <a:t>In iPPG, face ROI used for green-channel brightness analysis.</a:t>
+                      </a:r>
+                    </a:p>
+                  </a:txBody>
+                  <a:tcPr marL="16336" marR="16336" marT="8168" marB="8168" anchor="ctr">
+                    <a:lnL>
+                      <a:noFill/>
+                    </a:lnL>
+                    <a:lnR>
+                      <a:noFill/>
+                    </a:lnR>
+                    <a:lnT>
+                      <a:noFill/>
+                    </a:lnT>
+                    <a:lnB>
+                      <a:noFill/>
+                    </a:lnB>
+                    <a:noFill/>
+                  </a:tcPr>
+                </a:tc>
+                <a:extLst>
+                  <a:ext uri="{0D108BD9-81ED-4DB2-BD59-A6C34878D82A}">
+                    <a16:rowId xmlns:a16="http://schemas.microsoft.com/office/drawing/2014/main" val="2509235589"/>
+                  </a:ext>
+                </a:extLst>
+              </a:tr>
+              <a:tr h="289441">
+                <a:tc>
+                  <a:txBody>
+                    <a:bodyPr/>
+                    <a:lstStyle/>
+                    <a:p>
+                      <a:r>
+                        <a:rPr lang="en-US" sz="800" b="1"/>
+                        <a:t>FIR</a:t>
+                      </a:r>
+                      <a:endParaRPr lang="en-US" sz="800"/>
+                    </a:p>
+                  </a:txBody>
+                  <a:tcPr marL="16336" marR="16336" marT="8168" marB="8168" anchor="ctr">
+                    <a:lnL>
+                      <a:noFill/>
+                    </a:lnL>
+                    <a:lnR>
+                      <a:noFill/>
+                    </a:lnR>
+                    <a:lnT>
+                      <a:noFill/>
+                    </a:lnT>
+                    <a:lnB>
+                      <a:noFill/>
+                    </a:lnB>
+                    <a:noFill/>
+                  </a:tcPr>
+                </a:tc>
+                <a:tc>
+                  <a:txBody>
+                    <a:bodyPr/>
+                    <a:lstStyle/>
+                    <a:p>
+                      <a:r>
+                        <a:rPr lang="en-US" sz="800" b="1"/>
+                        <a:t>Finite Impulse Response</a:t>
+                      </a:r>
+                      <a:endParaRPr lang="en-US" sz="800"/>
+                    </a:p>
+                  </a:txBody>
+                  <a:tcPr marL="16336" marR="16336" marT="8168" marB="8168" anchor="ctr">
+                    <a:lnL>
+                      <a:noFill/>
+                    </a:lnL>
+                    <a:lnR>
+                      <a:noFill/>
+                    </a:lnR>
+                    <a:lnT>
+                      <a:noFill/>
+                    </a:lnT>
+                    <a:lnB>
+                      <a:noFill/>
+                    </a:lnB>
+                    <a:noFill/>
+                  </a:tcPr>
+                </a:tc>
+                <a:tc>
+                  <a:txBody>
+                    <a:bodyPr/>
+                    <a:lstStyle/>
+                    <a:p>
+                      <a:r>
+                        <a:rPr lang="en-US" sz="800"/>
+                        <a:t>Type of digital filter used for signal smoothing and noise reduction.</a:t>
+                      </a:r>
+                    </a:p>
+                  </a:txBody>
+                  <a:tcPr marL="16336" marR="16336" marT="8168" marB="8168" anchor="ctr">
+                    <a:lnL>
+                      <a:noFill/>
+                    </a:lnL>
+                    <a:lnR>
+                      <a:noFill/>
+                    </a:lnR>
+                    <a:lnT>
+                      <a:noFill/>
+                    </a:lnT>
+                    <a:lnB>
+                      <a:noFill/>
+                    </a:lnB>
+                    <a:noFill/>
+                  </a:tcPr>
+                </a:tc>
+                <a:tc>
+                  <a:txBody>
+                    <a:bodyPr/>
+                    <a:lstStyle/>
+                    <a:p>
+                      <a:r>
+                        <a:rPr lang="en-US" sz="800"/>
+                        <a:t>Applied to iPPG signals before peak detection in Yoshioka et al. (2020).</a:t>
+                      </a:r>
+                    </a:p>
+                  </a:txBody>
+                  <a:tcPr marL="16336" marR="16336" marT="8168" marB="8168" anchor="ctr">
+                    <a:lnL>
+                      <a:noFill/>
+                    </a:lnL>
+                    <a:lnR>
+                      <a:noFill/>
+                    </a:lnR>
+                    <a:lnT>
+                      <a:noFill/>
+                    </a:lnT>
+                    <a:lnB>
+                      <a:noFill/>
+                    </a:lnB>
+                    <a:noFill/>
+                  </a:tcPr>
+                </a:tc>
+                <a:extLst>
+                  <a:ext uri="{0D108BD9-81ED-4DB2-BD59-A6C34878D82A}">
+                    <a16:rowId xmlns:a16="http://schemas.microsoft.com/office/drawing/2014/main" val="1048163924"/>
+                  </a:ext>
+                </a:extLst>
+              </a:tr>
+              <a:tr h="289441">
+                <a:tc>
+                  <a:txBody>
+                    <a:bodyPr/>
+                    <a:lstStyle/>
+                    <a:p>
+                      <a:r>
+                        <a:rPr lang="en-US" sz="800" b="1"/>
+                        <a:t>cPTT</a:t>
+                      </a:r>
+                      <a:endParaRPr lang="en-US" sz="800"/>
+                    </a:p>
+                  </a:txBody>
+                  <a:tcPr marL="16336" marR="16336" marT="8168" marB="8168" anchor="ctr">
+                    <a:lnL>
+                      <a:noFill/>
+                    </a:lnL>
+                    <a:lnR>
+                      <a:noFill/>
+                    </a:lnR>
+                    <a:lnT>
+                      <a:noFill/>
+                    </a:lnT>
+                    <a:lnB>
+                      <a:noFill/>
+                    </a:lnB>
+                    <a:noFill/>
+                  </a:tcPr>
+                </a:tc>
+                <a:tc>
+                  <a:txBody>
+                    <a:bodyPr/>
+                    <a:lstStyle/>
+                    <a:p>
+                      <a:r>
+                        <a:rPr lang="en-US" sz="800" b="1"/>
+                        <a:t>Conventional Pulse Transit Time</a:t>
+                      </a:r>
+                      <a:endParaRPr lang="en-US" sz="800"/>
+                    </a:p>
+                  </a:txBody>
+                  <a:tcPr marL="16336" marR="16336" marT="8168" marB="8168" anchor="ctr">
+                    <a:lnL>
+                      <a:noFill/>
+                    </a:lnL>
+                    <a:lnR>
+                      <a:noFill/>
+                    </a:lnR>
+                    <a:lnT>
+                      <a:noFill/>
+                    </a:lnT>
+                    <a:lnB>
+                      <a:noFill/>
+                    </a:lnB>
+                    <a:noFill/>
+                  </a:tcPr>
+                </a:tc>
+                <a:tc>
+                  <a:txBody>
+                    <a:bodyPr/>
+                    <a:lstStyle/>
+                    <a:p>
+                      <a:r>
+                        <a:rPr lang="en-US" sz="800"/>
+                        <a:t>PTT derived from </a:t>
+                      </a:r>
+                      <a:r>
+                        <a:rPr lang="en-US" sz="800" b="1"/>
+                        <a:t>ECG–PPG</a:t>
+                      </a:r>
+                      <a:r>
+                        <a:rPr lang="en-US" sz="800"/>
+                        <a:t> or </a:t>
+                      </a:r>
+                      <a:r>
+                        <a:rPr lang="en-US" sz="800" b="1"/>
+                        <a:t>PPG–PPG</a:t>
+                      </a:r>
+                      <a:r>
+                        <a:rPr lang="en-US" sz="800"/>
+                        <a:t> pairs using contact sensors.</a:t>
+                      </a:r>
+                    </a:p>
+                  </a:txBody>
+                  <a:tcPr marL="16336" marR="16336" marT="8168" marB="8168" anchor="ctr">
+                    <a:lnL>
+                      <a:noFill/>
+                    </a:lnL>
+                    <a:lnR>
+                      <a:noFill/>
+                    </a:lnR>
+                    <a:lnT>
+                      <a:noFill/>
+                    </a:lnT>
+                    <a:lnB>
+                      <a:noFill/>
+                    </a:lnB>
+                    <a:noFill/>
+                  </a:tcPr>
+                </a:tc>
+                <a:tc>
+                  <a:txBody>
+                    <a:bodyPr/>
+                    <a:lstStyle/>
+                    <a:p>
+                      <a:r>
+                        <a:rPr lang="en-US" sz="800" dirty="0"/>
+                        <a:t>Defined in Block et al. (2020) as traditional, contact-based methods.</a:t>
+                      </a:r>
+                    </a:p>
+                  </a:txBody>
+                  <a:tcPr marL="16336" marR="16336" marT="8168" marB="8168" anchor="ctr">
+                    <a:lnL>
+                      <a:noFill/>
+                    </a:lnL>
+                    <a:lnR>
+                      <a:noFill/>
+                    </a:lnR>
+                    <a:lnT>
+                      <a:noFill/>
+                    </a:lnT>
+                    <a:lnB>
+                      <a:noFill/>
+                    </a:lnB>
+                    <a:noFill/>
+                  </a:tcPr>
+                </a:tc>
+                <a:extLst>
+                  <a:ext uri="{0D108BD9-81ED-4DB2-BD59-A6C34878D82A}">
+                    <a16:rowId xmlns:a16="http://schemas.microsoft.com/office/drawing/2014/main" val="852911810"/>
+                  </a:ext>
+                </a:extLst>
+              </a:tr>
+              <a:tr h="289441">
+                <a:tc>
+                  <a:txBody>
+                    <a:bodyPr/>
+                    <a:lstStyle/>
+                    <a:p>
+                      <a:r>
+                        <a:rPr lang="en-US" sz="800" b="1"/>
+                        <a:t>dPTT</a:t>
+                      </a:r>
+                      <a:endParaRPr lang="en-US" sz="800"/>
+                    </a:p>
+                  </a:txBody>
+                  <a:tcPr marL="16336" marR="16336" marT="8168" marB="8168" anchor="ctr">
+                    <a:lnL>
+                      <a:noFill/>
+                    </a:lnL>
+                    <a:lnR>
+                      <a:noFill/>
+                    </a:lnR>
+                    <a:lnT>
+                      <a:noFill/>
+                    </a:lnT>
+                    <a:lnB>
+                      <a:noFill/>
+                    </a:lnB>
+                    <a:noFill/>
+                  </a:tcPr>
+                </a:tc>
+                <a:tc>
+                  <a:txBody>
+                    <a:bodyPr/>
+                    <a:lstStyle/>
+                    <a:p>
+                      <a:r>
+                        <a:rPr lang="en-US" sz="800" b="1"/>
+                        <a:t>Differential Pulse Transit Time</a:t>
+                      </a:r>
+                      <a:endParaRPr lang="en-US" sz="800"/>
+                    </a:p>
+                  </a:txBody>
+                  <a:tcPr marL="16336" marR="16336" marT="8168" marB="8168" anchor="ctr">
+                    <a:lnL>
+                      <a:noFill/>
+                    </a:lnL>
+                    <a:lnR>
+                      <a:noFill/>
+                    </a:lnR>
+                    <a:lnT>
+                      <a:noFill/>
+                    </a:lnT>
+                    <a:lnB>
+                      <a:noFill/>
+                    </a:lnB>
+                    <a:noFill/>
+                  </a:tcPr>
+                </a:tc>
+                <a:tc>
+                  <a:txBody>
+                    <a:bodyPr/>
+                    <a:lstStyle/>
+                    <a:p>
+                      <a:r>
+                        <a:rPr lang="en-US" sz="800"/>
+                        <a:t>Time difference between two distal PPGs (e.g., ear–toe).</a:t>
+                      </a:r>
+                    </a:p>
+                  </a:txBody>
+                  <a:tcPr marL="16336" marR="16336" marT="8168" marB="8168" anchor="ctr">
+                    <a:lnL>
+                      <a:noFill/>
+                    </a:lnL>
+                    <a:lnR>
+                      <a:noFill/>
+                    </a:lnR>
+                    <a:lnT>
+                      <a:noFill/>
+                    </a:lnT>
+                    <a:lnB>
+                      <a:noFill/>
+                    </a:lnB>
+                    <a:noFill/>
+                  </a:tcPr>
+                </a:tc>
+                <a:tc>
+                  <a:txBody>
+                    <a:bodyPr/>
+                    <a:lstStyle/>
+                    <a:p>
+                      <a:r>
+                        <a:rPr lang="en-US" sz="800" dirty="0"/>
+                        <a:t>Represents the </a:t>
+                      </a:r>
+                      <a:r>
+                        <a:rPr lang="en-US" sz="800" b="1" dirty="0"/>
+                        <a:t>difference of two PTTs</a:t>
+                      </a:r>
+                      <a:r>
+                        <a:rPr lang="en-US" sz="800" dirty="0"/>
+                        <a:t>, not a true PTT.</a:t>
+                      </a:r>
+                    </a:p>
+                  </a:txBody>
+                  <a:tcPr marL="16336" marR="16336" marT="8168" marB="8168" anchor="ctr">
+                    <a:lnL>
+                      <a:noFill/>
+                    </a:lnL>
+                    <a:lnR>
+                      <a:noFill/>
+                    </a:lnR>
+                    <a:lnT>
+                      <a:noFill/>
+                    </a:lnT>
+                    <a:lnB>
+                      <a:noFill/>
+                    </a:lnB>
+                    <a:noFill/>
+                  </a:tcPr>
+                </a:tc>
+                <a:extLst>
+                  <a:ext uri="{0D108BD9-81ED-4DB2-BD59-A6C34878D82A}">
+                    <a16:rowId xmlns:a16="http://schemas.microsoft.com/office/drawing/2014/main" val="3516564356"/>
+                  </a:ext>
+                </a:extLst>
+              </a:tr>
+              <a:tr h="356752">
+                <a:tc>
+                  <a:txBody>
+                    <a:bodyPr/>
+                    <a:lstStyle/>
+                    <a:p>
+                      <a:r>
+                        <a:rPr lang="en-US" sz="800" b="1"/>
+                        <a:t>PATfoot / PPG foot</a:t>
+                      </a:r>
+                      <a:endParaRPr lang="en-US" sz="800"/>
+                    </a:p>
+                  </a:txBody>
+                  <a:tcPr marL="16336" marR="16336" marT="8168" marB="8168" anchor="ctr">
+                    <a:lnL>
+                      <a:noFill/>
+                    </a:lnL>
+                    <a:lnR>
+                      <a:noFill/>
+                    </a:lnR>
+                    <a:lnT>
+                      <a:noFill/>
+                    </a:lnT>
+                    <a:lnB>
+                      <a:noFill/>
+                    </a:lnB>
+                    <a:noFill/>
+                  </a:tcPr>
+                </a:tc>
+                <a:tc>
+                  <a:txBody>
+                    <a:bodyPr/>
+                    <a:lstStyle/>
+                    <a:p>
+                      <a:r>
+                        <a:rPr lang="en-US" sz="800"/>
+                        <a:t>—</a:t>
+                      </a:r>
+                    </a:p>
+                  </a:txBody>
+                  <a:tcPr marL="16336" marR="16336" marT="8168" marB="8168" anchor="ctr">
+                    <a:lnL>
+                      <a:noFill/>
+                    </a:lnL>
+                    <a:lnR>
+                      <a:noFill/>
+                    </a:lnR>
+                    <a:lnT>
+                      <a:noFill/>
+                    </a:lnT>
+                    <a:lnB>
+                      <a:noFill/>
+                    </a:lnB>
+                    <a:noFill/>
+                  </a:tcPr>
+                </a:tc>
+                <a:tc>
+                  <a:txBody>
+                    <a:bodyPr/>
+                    <a:lstStyle/>
+                    <a:p>
+                      <a:r>
+                        <a:rPr lang="en-US" sz="800"/>
+                        <a:t>The </a:t>
+                      </a:r>
+                      <a:r>
+                        <a:rPr lang="en-US" sz="800" b="1"/>
+                        <a:t>waveform onset</a:t>
+                      </a:r>
+                      <a:r>
+                        <a:rPr lang="en-US" sz="800"/>
+                        <a:t> (foot) used as a reliable timing marker for pulse arrival.</a:t>
+                      </a:r>
+                    </a:p>
+                  </a:txBody>
+                  <a:tcPr marL="16336" marR="16336" marT="8168" marB="8168" anchor="ctr">
+                    <a:lnL>
+                      <a:noFill/>
+                    </a:lnL>
+                    <a:lnR>
+                      <a:noFill/>
+                    </a:lnR>
+                    <a:lnT>
+                      <a:noFill/>
+                    </a:lnT>
+                    <a:lnB>
+                      <a:noFill/>
+                    </a:lnB>
+                    <a:noFill/>
+                  </a:tcPr>
+                </a:tc>
+                <a:tc>
+                  <a:txBody>
+                    <a:bodyPr/>
+                    <a:lstStyle/>
+                    <a:p>
+                      <a:r>
+                        <a:rPr lang="en-US" sz="800" dirty="0"/>
+                        <a:t>Identified in Block et al. (2020) as more consistent than the peak.</a:t>
+                      </a:r>
+                    </a:p>
+                  </a:txBody>
+                  <a:tcPr marL="16336" marR="16336" marT="8168" marB="8168" anchor="ctr">
+                    <a:lnL>
+                      <a:noFill/>
+                    </a:lnL>
+                    <a:lnR>
+                      <a:noFill/>
+                    </a:lnR>
+                    <a:lnT>
+                      <a:noFill/>
+                    </a:lnT>
+                    <a:lnB>
+                      <a:noFill/>
+                    </a:lnB>
+                    <a:noFill/>
+                  </a:tcPr>
+                </a:tc>
+                <a:extLst>
+                  <a:ext uri="{0D108BD9-81ED-4DB2-BD59-A6C34878D82A}">
+                    <a16:rowId xmlns:a16="http://schemas.microsoft.com/office/drawing/2014/main" val="3256277479"/>
+                  </a:ext>
+                </a:extLst>
+              </a:tr>
+            </a:tbl>
+          </a:graphicData>
+        </a:graphic>
+      </p:graphicFrame>
+    </p:spTree>
+    <p:extLst>
+      <p:ext uri="{BB962C8B-B14F-4D97-AF65-F5344CB8AC3E}">
+        <p14:creationId xmlns:p14="http://schemas.microsoft.com/office/powerpoint/2010/main" val="2649717829"/>
+      </p:ext>
+    </p:extLst>
+  </p:cSld>
+  <p:clrMapOvr>
+    <a:masterClrMapping/>
+  </p:clrMapOvr>
+</p:sld>
+</file>
+
 <file path=ppt/slides/slide2.xml><?xml version="1.0" encoding="utf-8"?>
 <p:sld xmlns:a="http://schemas.openxmlformats.org/drawingml/2006/main" xmlns:r="http://schemas.openxmlformats.org/officeDocument/2006/relationships" xmlns:p="http://schemas.openxmlformats.org/presentationml/2006/main">
   <p:cSld>
@@ -7487,19 +14164,7 @@
               <a:rPr lang="en-US" sz="1300" dirty="0">
                 <a:latin typeface="Consolas" panose="020B0609020204030204" pitchFamily="49" charset="0"/>
               </a:rPr>
-              <a:t>• Total sequences </a:t>
-            </a:r>
-            <a:r>
-              <a:rPr lang="en-US" sz="1300" dirty="0" err="1">
-                <a:latin typeface="Consolas" panose="020B0609020204030204" pitchFamily="49" charset="0"/>
-              </a:rPr>
-              <a:t>analysed</a:t>
-            </a:r>
-            <a:r>
-              <a:rPr lang="en-US" sz="1300" dirty="0">
-                <a:latin typeface="Consolas" panose="020B0609020204030204" pitchFamily="49" charset="0"/>
-              </a:rPr>
-              <a:t>: 40.</a:t>
+              <a:t>• Total sequences analyzed: 40.</a:t>
             </a:r>
           </a:p>
           <a:p>
@@ -7810,2163 +14475,532 @@
                 <a:latin typeface="Caladea"/>
                 <a:ea typeface="HY견고딕" pitchFamily="18" charset="-127"/>
               </a:rPr>
-              <a:t>Appendix</a:t>
+              <a:t>UBFC: Vid_14 </a:t>
             </a:r>
           </a:p>
         </p:txBody>
       </p:sp>
-      <p:graphicFrame>
-        <p:nvGraphicFramePr>
-          <p:cNvPr id="5" name="Table 4">
+      <p:sp>
+        <p:nvSpPr>
+          <p:cNvPr id="15" name="AutoShape 4" descr="Output image">
             <a:extLst>
               <a:ext uri="{FF2B5EF4-FFF2-40B4-BE49-F238E27FC236}">
-                <a16:creationId xmlns:a16="http://schemas.microsoft.com/office/drawing/2014/main" id="{02023B25-A938-3C4F-8BC6-DB8A2AC5BA6E}"/>
+                <a16:creationId xmlns:a16="http://schemas.microsoft.com/office/drawing/2014/main" id="{6D6FBE01-F851-694A-905C-7E34796C12B4}"/>
               </a:ext>
             </a:extLst>
           </p:cNvPr>
-          <p:cNvGraphicFramePr>
-            <a:graphicFrameLocks noGrp="1"/>
-          </p:cNvGraphicFramePr>
-          <p:nvPr>
-            <p:extLst>
-              <p:ext uri="{D42A27DB-BD31-4B8C-83A1-F6EECF244321}">
-                <p14:modId xmlns:p14="http://schemas.microsoft.com/office/powerpoint/2010/main" val="3231219310"/>
-              </p:ext>
-            </p:extLst>
-          </p:nvPr>
-        </p:nvGraphicFramePr>
-        <p:xfrm>
-          <a:off x="162124" y="1044327"/>
-          <a:ext cx="10369152" cy="5933275"/>
-        </p:xfrm>
-        <a:graphic>
-          <a:graphicData uri="http://schemas.openxmlformats.org/drawingml/2006/table">
-            <a:tbl>
-              <a:tblPr/>
-              <a:tblGrid>
-                <a:gridCol w="1296144">
-                  <a:extLst>
-                    <a:ext uri="{9D8B030D-6E8A-4147-A177-3AD203B41FA5}">
-                      <a16:colId xmlns:a16="http://schemas.microsoft.com/office/drawing/2014/main" val="23407837"/>
-                    </a:ext>
-                  </a:extLst>
-                </a:gridCol>
-                <a:gridCol w="1800200">
-                  <a:extLst>
-                    <a:ext uri="{9D8B030D-6E8A-4147-A177-3AD203B41FA5}">
-                      <a16:colId xmlns:a16="http://schemas.microsoft.com/office/drawing/2014/main" val="782779315"/>
-                    </a:ext>
-                  </a:extLst>
-                </a:gridCol>
-                <a:gridCol w="3744416">
-                  <a:extLst>
-                    <a:ext uri="{9D8B030D-6E8A-4147-A177-3AD203B41FA5}">
-                      <a16:colId xmlns:a16="http://schemas.microsoft.com/office/drawing/2014/main" val="2716765803"/>
-                    </a:ext>
-                  </a:extLst>
-                </a:gridCol>
-                <a:gridCol w="3528392">
-                  <a:extLst>
-                    <a:ext uri="{9D8B030D-6E8A-4147-A177-3AD203B41FA5}">
-                      <a16:colId xmlns:a16="http://schemas.microsoft.com/office/drawing/2014/main" val="3656439436"/>
-                    </a:ext>
-                  </a:extLst>
-                </a:gridCol>
-              </a:tblGrid>
-              <a:tr h="157935">
-                <a:tc>
-                  <a:txBody>
-                    <a:bodyPr/>
-                    <a:lstStyle/>
-                    <a:p>
-                      <a:r>
-                        <a:rPr lang="en-US" sz="800" b="1" dirty="0"/>
-                        <a:t>Abbreviation</a:t>
-                      </a:r>
-                      <a:endParaRPr lang="en-US" sz="800" dirty="0"/>
-                    </a:p>
-                  </a:txBody>
-                  <a:tcPr marL="16336" marR="16336" marT="8168" marB="8168" anchor="ctr">
-                    <a:lnL>
-                      <a:noFill/>
-                    </a:lnL>
-                    <a:lnR>
-                      <a:noFill/>
-                    </a:lnR>
-                    <a:lnT>
-                      <a:noFill/>
-                    </a:lnT>
-                    <a:lnB>
-                      <a:noFill/>
-                    </a:lnB>
-                    <a:noFill/>
-                  </a:tcPr>
-                </a:tc>
-                <a:tc>
-                  <a:txBody>
-                    <a:bodyPr/>
-                    <a:lstStyle/>
-                    <a:p>
-                      <a:r>
-                        <a:rPr lang="en-US" sz="800" b="1"/>
-                        <a:t>Full Form</a:t>
-                      </a:r>
-                      <a:endParaRPr lang="en-US" sz="800"/>
-                    </a:p>
-                  </a:txBody>
-                  <a:tcPr marL="16336" marR="16336" marT="8168" marB="8168" anchor="ctr">
-                    <a:lnL>
-                      <a:noFill/>
-                    </a:lnL>
-                    <a:lnR>
-                      <a:noFill/>
-                    </a:lnR>
-                    <a:lnT>
-                      <a:noFill/>
-                    </a:lnT>
-                    <a:lnB>
-                      <a:noFill/>
-                    </a:lnB>
-                    <a:noFill/>
-                  </a:tcPr>
-                </a:tc>
-                <a:tc>
-                  <a:txBody>
-                    <a:bodyPr/>
-                    <a:lstStyle/>
-                    <a:p>
-                      <a:r>
-                        <a:rPr lang="en-US" sz="800" b="1"/>
-                        <a:t>Meaning / Description</a:t>
-                      </a:r>
-                      <a:endParaRPr lang="en-US" sz="800"/>
-                    </a:p>
-                  </a:txBody>
-                  <a:tcPr marL="16336" marR="16336" marT="8168" marB="8168" anchor="ctr">
-                    <a:lnL>
-                      <a:noFill/>
-                    </a:lnL>
-                    <a:lnR>
-                      <a:noFill/>
-                    </a:lnR>
-                    <a:lnT>
-                      <a:noFill/>
-                    </a:lnT>
-                    <a:lnB>
-                      <a:noFill/>
-                    </a:lnB>
-                    <a:noFill/>
-                  </a:tcPr>
-                </a:tc>
-                <a:tc>
-                  <a:txBody>
-                    <a:bodyPr/>
-                    <a:lstStyle/>
-                    <a:p>
-                      <a:r>
-                        <a:rPr lang="en-US" sz="800" b="1"/>
-                        <a:t>Context in Discussion</a:t>
-                      </a:r>
-                      <a:endParaRPr lang="en-US" sz="800"/>
-                    </a:p>
-                  </a:txBody>
-                  <a:tcPr marL="16336" marR="16336" marT="8168" marB="8168" anchor="ctr">
-                    <a:lnL>
-                      <a:noFill/>
-                    </a:lnL>
-                    <a:lnR>
-                      <a:noFill/>
-                    </a:lnR>
-                    <a:lnT>
-                      <a:noFill/>
-                    </a:lnT>
-                    <a:lnB>
-                      <a:noFill/>
-                    </a:lnB>
-                    <a:noFill/>
-                  </a:tcPr>
-                </a:tc>
-                <a:extLst>
-                  <a:ext uri="{0D108BD9-81ED-4DB2-BD59-A6C34878D82A}">
-                    <a16:rowId xmlns:a16="http://schemas.microsoft.com/office/drawing/2014/main" val="775727380"/>
-                  </a:ext>
-                </a:extLst>
-              </a:tr>
-              <a:tr h="491375">
-                <a:tc>
-                  <a:txBody>
-                    <a:bodyPr/>
-                    <a:lstStyle/>
-                    <a:p>
-                      <a:r>
-                        <a:rPr lang="en-US" sz="800" b="1" dirty="0"/>
-                        <a:t>BCG</a:t>
-                      </a:r>
-                      <a:endParaRPr lang="en-US" sz="800" dirty="0"/>
-                    </a:p>
-                  </a:txBody>
-                  <a:tcPr marL="16336" marR="16336" marT="8168" marB="8168" anchor="ctr">
-                    <a:lnL>
-                      <a:noFill/>
-                    </a:lnL>
-                    <a:lnR>
-                      <a:noFill/>
-                    </a:lnR>
-                    <a:lnT>
-                      <a:noFill/>
-                    </a:lnT>
-                    <a:lnB>
-                      <a:noFill/>
-                    </a:lnB>
-                    <a:noFill/>
-                  </a:tcPr>
-                </a:tc>
-                <a:tc>
-                  <a:txBody>
-                    <a:bodyPr/>
-                    <a:lstStyle/>
-                    <a:p>
-                      <a:r>
-                        <a:rPr lang="en-US" sz="800" b="1"/>
-                        <a:t>Ballistocardiography</a:t>
-                      </a:r>
-                      <a:endParaRPr lang="en-US" sz="800"/>
-                    </a:p>
-                  </a:txBody>
-                  <a:tcPr marL="16336" marR="16336" marT="8168" marB="8168" anchor="ctr">
-                    <a:lnL>
-                      <a:noFill/>
-                    </a:lnL>
-                    <a:lnR>
-                      <a:noFill/>
-                    </a:lnR>
-                    <a:lnT>
-                      <a:noFill/>
-                    </a:lnT>
-                    <a:lnB>
-                      <a:noFill/>
-                    </a:lnB>
-                    <a:noFill/>
-                  </a:tcPr>
-                </a:tc>
-                <a:tc>
-                  <a:txBody>
-                    <a:bodyPr/>
-                    <a:lstStyle/>
-                    <a:p>
-                      <a:r>
-                        <a:rPr lang="en-US" sz="800"/>
-                        <a:t>Measurement of tiny body movements caused by cardiac ejection of blood (mechanical action of the heart).</a:t>
-                      </a:r>
-                    </a:p>
-                  </a:txBody>
-                  <a:tcPr marL="16336" marR="16336" marT="8168" marB="8168" anchor="ctr">
-                    <a:lnL>
-                      <a:noFill/>
-                    </a:lnL>
-                    <a:lnR>
-                      <a:noFill/>
-                    </a:lnR>
-                    <a:lnT>
-                      <a:noFill/>
-                    </a:lnT>
-                    <a:lnB>
-                      <a:noFill/>
-                    </a:lnB>
-                    <a:noFill/>
-                  </a:tcPr>
-                </a:tc>
-                <a:tc>
-                  <a:txBody>
-                    <a:bodyPr/>
-                    <a:lstStyle/>
-                    <a:p>
-                      <a:r>
-                        <a:rPr lang="en-US" sz="800"/>
-                        <a:t>Used as the </a:t>
-                      </a:r>
-                      <a:r>
-                        <a:rPr lang="en-US" sz="800" b="1"/>
-                        <a:t>start reference signal</a:t>
-                      </a:r>
-                      <a:r>
-                        <a:rPr lang="en-US" sz="800"/>
-                        <a:t> in Yoshioka et al. (2020) via 24 GHz radar to compute PTT.</a:t>
-                      </a:r>
-                    </a:p>
-                  </a:txBody>
-                  <a:tcPr marL="16336" marR="16336" marT="8168" marB="8168" anchor="ctr">
-                    <a:lnL>
-                      <a:noFill/>
-                    </a:lnL>
-                    <a:lnR>
-                      <a:noFill/>
-                    </a:lnR>
-                    <a:lnT>
-                      <a:noFill/>
-                    </a:lnT>
-                    <a:lnB>
-                      <a:noFill/>
-                    </a:lnB>
-                    <a:noFill/>
-                  </a:tcPr>
-                </a:tc>
-                <a:extLst>
-                  <a:ext uri="{0D108BD9-81ED-4DB2-BD59-A6C34878D82A}">
-                    <a16:rowId xmlns:a16="http://schemas.microsoft.com/office/drawing/2014/main" val="2640795554"/>
-                  </a:ext>
-                </a:extLst>
-              </a:tr>
-              <a:tr h="491375">
-                <a:tc>
-                  <a:txBody>
-                    <a:bodyPr/>
-                    <a:lstStyle/>
-                    <a:p>
-                      <a:r>
-                        <a:rPr lang="en-US" sz="800" b="1" dirty="0"/>
-                        <a:t>PPG</a:t>
-                      </a:r>
-                      <a:endParaRPr lang="en-US" sz="800" dirty="0"/>
-                    </a:p>
-                  </a:txBody>
-                  <a:tcPr marL="16336" marR="16336" marT="8168" marB="8168" anchor="ctr">
-                    <a:lnL>
-                      <a:noFill/>
-                    </a:lnL>
-                    <a:lnR>
-                      <a:noFill/>
-                    </a:lnR>
-                    <a:lnT>
-                      <a:noFill/>
-                    </a:lnT>
-                    <a:lnB>
-                      <a:noFill/>
-                    </a:lnB>
-                    <a:noFill/>
-                  </a:tcPr>
-                </a:tc>
-                <a:tc>
-                  <a:txBody>
-                    <a:bodyPr/>
-                    <a:lstStyle/>
-                    <a:p>
-                      <a:r>
-                        <a:rPr lang="en-US" sz="800" b="1"/>
-                        <a:t>Photoplethysmography</a:t>
-                      </a:r>
-                      <a:endParaRPr lang="en-US" sz="800"/>
-                    </a:p>
-                  </a:txBody>
-                  <a:tcPr marL="16336" marR="16336" marT="8168" marB="8168" anchor="ctr">
-                    <a:lnL>
-                      <a:noFill/>
-                    </a:lnL>
-                    <a:lnR>
-                      <a:noFill/>
-                    </a:lnR>
-                    <a:lnT>
-                      <a:noFill/>
-                    </a:lnT>
-                    <a:lnB>
-                      <a:noFill/>
-                    </a:lnB>
-                    <a:noFill/>
-                  </a:tcPr>
-                </a:tc>
-                <a:tc>
-                  <a:txBody>
-                    <a:bodyPr/>
-                    <a:lstStyle/>
-                    <a:p>
-                      <a:r>
-                        <a:rPr lang="en-US" sz="800"/>
-                        <a:t>Optical measurement of blood volume changes in tissue using a light source and detector (usually contact-based).</a:t>
-                      </a:r>
-                    </a:p>
-                  </a:txBody>
-                  <a:tcPr marL="16336" marR="16336" marT="8168" marB="8168" anchor="ctr">
-                    <a:lnL>
-                      <a:noFill/>
-                    </a:lnL>
-                    <a:lnR>
-                      <a:noFill/>
-                    </a:lnR>
-                    <a:lnT>
-                      <a:noFill/>
-                    </a:lnT>
-                    <a:lnB>
-                      <a:noFill/>
-                    </a:lnB>
-                    <a:noFill/>
-                  </a:tcPr>
-                </a:tc>
-                <a:tc>
-                  <a:txBody>
-                    <a:bodyPr/>
-                    <a:lstStyle/>
-                    <a:p>
-                      <a:r>
-                        <a:rPr lang="en-US" sz="800"/>
-                        <a:t>Conventional </a:t>
-                      </a:r>
-                      <a:r>
-                        <a:rPr lang="en-US" sz="800" b="1"/>
-                        <a:t>contact sensor</a:t>
-                      </a:r>
-                      <a:r>
-                        <a:rPr lang="en-US" sz="800"/>
-                        <a:t> reference for pulse arrival.</a:t>
-                      </a:r>
-                    </a:p>
-                  </a:txBody>
-                  <a:tcPr marL="16336" marR="16336" marT="8168" marB="8168" anchor="ctr">
-                    <a:lnL>
-                      <a:noFill/>
-                    </a:lnL>
-                    <a:lnR>
-                      <a:noFill/>
-                    </a:lnR>
-                    <a:lnT>
-                      <a:noFill/>
-                    </a:lnT>
-                    <a:lnB>
-                      <a:noFill/>
-                    </a:lnB>
-                    <a:noFill/>
-                  </a:tcPr>
-                </a:tc>
-                <a:extLst>
-                  <a:ext uri="{0D108BD9-81ED-4DB2-BD59-A6C34878D82A}">
-                    <a16:rowId xmlns:a16="http://schemas.microsoft.com/office/drawing/2014/main" val="331609777"/>
-                  </a:ext>
-                </a:extLst>
-              </a:tr>
-              <a:tr h="424063">
-                <a:tc>
-                  <a:txBody>
-                    <a:bodyPr/>
-                    <a:lstStyle/>
-                    <a:p>
-                      <a:r>
-                        <a:rPr lang="en-US" sz="800" b="1"/>
-                        <a:t>iPPG</a:t>
-                      </a:r>
-                      <a:endParaRPr lang="en-US" sz="800"/>
-                    </a:p>
-                  </a:txBody>
-                  <a:tcPr marL="16336" marR="16336" marT="8168" marB="8168" anchor="ctr">
-                    <a:lnL>
-                      <a:noFill/>
-                    </a:lnL>
-                    <a:lnR>
-                      <a:noFill/>
-                    </a:lnR>
-                    <a:lnT>
-                      <a:noFill/>
-                    </a:lnT>
-                    <a:lnB>
-                      <a:noFill/>
-                    </a:lnB>
-                    <a:noFill/>
-                  </a:tcPr>
-                </a:tc>
-                <a:tc>
-                  <a:txBody>
-                    <a:bodyPr/>
-                    <a:lstStyle/>
-                    <a:p>
-                      <a:r>
-                        <a:rPr lang="en-US" sz="800" b="1" dirty="0"/>
-                        <a:t>Imaging Photoplethysmography</a:t>
-                      </a:r>
-                      <a:endParaRPr lang="en-US" sz="800" dirty="0"/>
-                    </a:p>
-                  </a:txBody>
-                  <a:tcPr marL="16336" marR="16336" marT="8168" marB="8168" anchor="ctr">
-                    <a:lnL>
-                      <a:noFill/>
-                    </a:lnL>
-                    <a:lnR>
-                      <a:noFill/>
-                    </a:lnR>
-                    <a:lnT>
-                      <a:noFill/>
-                    </a:lnT>
-                    <a:lnB>
-                      <a:noFill/>
-                    </a:lnB>
-                    <a:noFill/>
-                  </a:tcPr>
-                </a:tc>
-                <a:tc>
-                  <a:txBody>
-                    <a:bodyPr/>
-                    <a:lstStyle/>
-                    <a:p>
-                      <a:r>
-                        <a:rPr lang="en-US" sz="800" dirty="0"/>
-                        <a:t>PPG signal extracted from </a:t>
-                      </a:r>
-                      <a:r>
-                        <a:rPr lang="en-US" sz="800" b="1" dirty="0"/>
-                        <a:t>video frames</a:t>
-                      </a:r>
-                      <a:r>
-                        <a:rPr lang="en-US" sz="800" dirty="0"/>
-                        <a:t> (facial brightness changes), without physical contact.</a:t>
-                      </a:r>
-                    </a:p>
-                  </a:txBody>
-                  <a:tcPr marL="16336" marR="16336" marT="8168" marB="8168" anchor="ctr">
-                    <a:lnL>
-                      <a:noFill/>
-                    </a:lnL>
-                    <a:lnR>
-                      <a:noFill/>
-                    </a:lnR>
-                    <a:lnT>
-                      <a:noFill/>
-                    </a:lnT>
-                    <a:lnB>
-                      <a:noFill/>
-                    </a:lnB>
-                    <a:noFill/>
-                  </a:tcPr>
-                </a:tc>
-                <a:tc>
-                  <a:txBody>
-                    <a:bodyPr/>
-                    <a:lstStyle/>
-                    <a:p>
-                      <a:r>
-                        <a:rPr lang="en-US" sz="800"/>
-                        <a:t>Used in Yoshioka et al. (2020) for </a:t>
-                      </a:r>
-                      <a:r>
-                        <a:rPr lang="en-US" sz="800" b="1"/>
-                        <a:t>noncontact pulse detection</a:t>
-                      </a:r>
-                      <a:r>
-                        <a:rPr lang="en-US" sz="800"/>
-                        <a:t>.</a:t>
-                      </a:r>
-                    </a:p>
-                  </a:txBody>
-                  <a:tcPr marL="16336" marR="16336" marT="8168" marB="8168" anchor="ctr">
-                    <a:lnL>
-                      <a:noFill/>
-                    </a:lnL>
-                    <a:lnR>
-                      <a:noFill/>
-                    </a:lnR>
-                    <a:lnT>
-                      <a:noFill/>
-                    </a:lnT>
-                    <a:lnB>
-                      <a:noFill/>
-                    </a:lnB>
-                    <a:noFill/>
-                  </a:tcPr>
-                </a:tc>
-                <a:extLst>
-                  <a:ext uri="{0D108BD9-81ED-4DB2-BD59-A6C34878D82A}">
-                    <a16:rowId xmlns:a16="http://schemas.microsoft.com/office/drawing/2014/main" val="1044610254"/>
-                  </a:ext>
-                </a:extLst>
-              </a:tr>
-              <a:tr h="424063">
-                <a:tc>
-                  <a:txBody>
-                    <a:bodyPr/>
-                    <a:lstStyle/>
-                    <a:p>
-                      <a:r>
-                        <a:rPr lang="en-US" sz="800" b="1"/>
-                        <a:t>rPPG</a:t>
-                      </a:r>
-                      <a:endParaRPr lang="en-US" sz="800"/>
-                    </a:p>
-                  </a:txBody>
-                  <a:tcPr marL="16336" marR="16336" marT="8168" marB="8168" anchor="ctr">
-                    <a:lnL>
-                      <a:noFill/>
-                    </a:lnL>
-                    <a:lnR>
-                      <a:noFill/>
-                    </a:lnR>
-                    <a:lnT>
-                      <a:noFill/>
-                    </a:lnT>
-                    <a:lnB>
-                      <a:noFill/>
-                    </a:lnB>
-                    <a:noFill/>
-                  </a:tcPr>
-                </a:tc>
-                <a:tc>
-                  <a:txBody>
-                    <a:bodyPr/>
-                    <a:lstStyle/>
-                    <a:p>
-                      <a:r>
-                        <a:rPr lang="en-US" sz="800" b="1" dirty="0"/>
-                        <a:t>Remote Photoplethysmography</a:t>
-                      </a:r>
-                      <a:endParaRPr lang="en-US" sz="800" dirty="0"/>
-                    </a:p>
-                  </a:txBody>
-                  <a:tcPr marL="16336" marR="16336" marT="8168" marB="8168" anchor="ctr">
-                    <a:lnL>
-                      <a:noFill/>
-                    </a:lnL>
-                    <a:lnR>
-                      <a:noFill/>
-                    </a:lnR>
-                    <a:lnT>
-                      <a:noFill/>
-                    </a:lnT>
-                    <a:lnB>
-                      <a:noFill/>
-                    </a:lnB>
-                    <a:noFill/>
-                  </a:tcPr>
-                </a:tc>
-                <a:tc>
-                  <a:txBody>
-                    <a:bodyPr/>
-                    <a:lstStyle/>
-                    <a:p>
-                      <a:r>
-                        <a:rPr lang="en-US" sz="800"/>
-                        <a:t>General term for noncontact PPG obtained from camera images (essentially same as iPPG).</a:t>
-                      </a:r>
-                    </a:p>
-                  </a:txBody>
-                  <a:tcPr marL="16336" marR="16336" marT="8168" marB="8168" anchor="ctr">
-                    <a:lnL>
-                      <a:noFill/>
-                    </a:lnL>
-                    <a:lnR>
-                      <a:noFill/>
-                    </a:lnR>
-                    <a:lnT>
-                      <a:noFill/>
-                    </a:lnT>
-                    <a:lnB>
-                      <a:noFill/>
-                    </a:lnB>
-                    <a:noFill/>
-                  </a:tcPr>
-                </a:tc>
-                <a:tc>
-                  <a:txBody>
-                    <a:bodyPr/>
-                    <a:lstStyle/>
-                    <a:p>
-                      <a:r>
-                        <a:rPr lang="en-US" sz="800" dirty="0"/>
-                        <a:t>The main signal type in current research focus.</a:t>
-                      </a:r>
-                    </a:p>
-                  </a:txBody>
-                  <a:tcPr marL="16336" marR="16336" marT="8168" marB="8168" anchor="ctr">
-                    <a:lnL>
-                      <a:noFill/>
-                    </a:lnL>
-                    <a:lnR>
-                      <a:noFill/>
-                    </a:lnR>
-                    <a:lnT>
-                      <a:noFill/>
-                    </a:lnT>
-                    <a:lnB>
-                      <a:noFill/>
-                    </a:lnB>
-                    <a:noFill/>
-                  </a:tcPr>
-                </a:tc>
-                <a:extLst>
-                  <a:ext uri="{0D108BD9-81ED-4DB2-BD59-A6C34878D82A}">
-                    <a16:rowId xmlns:a16="http://schemas.microsoft.com/office/drawing/2014/main" val="2970466269"/>
-                  </a:ext>
-                </a:extLst>
-              </a:tr>
-              <a:tr h="424063">
-                <a:tc>
-                  <a:txBody>
-                    <a:bodyPr/>
-                    <a:lstStyle/>
-                    <a:p>
-                      <a:r>
-                        <a:rPr lang="en-US" sz="800" b="1"/>
-                        <a:t>PTT</a:t>
-                      </a:r>
-                      <a:endParaRPr lang="en-US" sz="800"/>
-                    </a:p>
-                  </a:txBody>
-                  <a:tcPr marL="16336" marR="16336" marT="8168" marB="8168" anchor="ctr">
-                    <a:lnL>
-                      <a:noFill/>
-                    </a:lnL>
-                    <a:lnR>
-                      <a:noFill/>
-                    </a:lnR>
-                    <a:lnT>
-                      <a:noFill/>
-                    </a:lnT>
-                    <a:lnB>
-                      <a:noFill/>
-                    </a:lnB>
-                    <a:noFill/>
-                  </a:tcPr>
-                </a:tc>
-                <a:tc>
-                  <a:txBody>
-                    <a:bodyPr/>
-                    <a:lstStyle/>
-                    <a:p>
-                      <a:r>
-                        <a:rPr lang="en-US" sz="800" b="1" dirty="0"/>
-                        <a:t>Pulse Transit Time</a:t>
-                      </a:r>
-                      <a:endParaRPr lang="en-US" sz="800" dirty="0"/>
-                    </a:p>
-                  </a:txBody>
-                  <a:tcPr marL="16336" marR="16336" marT="8168" marB="8168" anchor="ctr">
-                    <a:lnL>
-                      <a:noFill/>
-                    </a:lnL>
-                    <a:lnR>
-                      <a:noFill/>
-                    </a:lnR>
-                    <a:lnT>
-                      <a:noFill/>
-                    </a:lnT>
-                    <a:lnB>
-                      <a:noFill/>
-                    </a:lnB>
-                    <a:noFill/>
-                  </a:tcPr>
-                </a:tc>
-                <a:tc>
-                  <a:txBody>
-                    <a:bodyPr/>
-                    <a:lstStyle/>
-                    <a:p>
-                      <a:r>
-                        <a:rPr lang="en-US" sz="800" dirty="0"/>
-                        <a:t>Time taken for the arterial pulse wave to travel between two sites (from heart to face).</a:t>
-                      </a:r>
-                    </a:p>
-                  </a:txBody>
-                  <a:tcPr marL="16336" marR="16336" marT="8168" marB="8168" anchor="ctr">
-                    <a:lnL>
-                      <a:noFill/>
-                    </a:lnL>
-                    <a:lnR>
-                      <a:noFill/>
-                    </a:lnR>
-                    <a:lnT>
-                      <a:noFill/>
-                    </a:lnT>
-                    <a:lnB>
-                      <a:noFill/>
-                    </a:lnB>
-                    <a:noFill/>
-                  </a:tcPr>
-                </a:tc>
-                <a:tc>
-                  <a:txBody>
-                    <a:bodyPr/>
-                    <a:lstStyle/>
-                    <a:p>
-                      <a:r>
-                        <a:rPr lang="en-US" sz="800"/>
-                        <a:t>Key physiological metric; shorter PTT means higher arterial stiffness or BP.</a:t>
-                      </a:r>
-                    </a:p>
-                  </a:txBody>
-                  <a:tcPr marL="16336" marR="16336" marT="8168" marB="8168" anchor="ctr">
-                    <a:lnL>
-                      <a:noFill/>
-                    </a:lnL>
-                    <a:lnR>
-                      <a:noFill/>
-                    </a:lnR>
-                    <a:lnT>
-                      <a:noFill/>
-                    </a:lnT>
-                    <a:lnB>
-                      <a:noFill/>
-                    </a:lnB>
-                    <a:noFill/>
-                  </a:tcPr>
-                </a:tc>
-                <a:extLst>
-                  <a:ext uri="{0D108BD9-81ED-4DB2-BD59-A6C34878D82A}">
-                    <a16:rowId xmlns:a16="http://schemas.microsoft.com/office/drawing/2014/main" val="3158078146"/>
-                  </a:ext>
-                </a:extLst>
-              </a:tr>
-              <a:tr h="491375">
-                <a:tc>
-                  <a:txBody>
-                    <a:bodyPr/>
-                    <a:lstStyle/>
-                    <a:p>
-                      <a:r>
-                        <a:rPr lang="en-US" sz="800" b="1"/>
-                        <a:t>PAT</a:t>
-                      </a:r>
-                      <a:endParaRPr lang="en-US" sz="800"/>
-                    </a:p>
-                  </a:txBody>
-                  <a:tcPr marL="16336" marR="16336" marT="8168" marB="8168" anchor="ctr">
-                    <a:lnL>
-                      <a:noFill/>
-                    </a:lnL>
-                    <a:lnR>
-                      <a:noFill/>
-                    </a:lnR>
-                    <a:lnT>
-                      <a:noFill/>
-                    </a:lnT>
-                    <a:lnB>
-                      <a:noFill/>
-                    </a:lnB>
-                    <a:noFill/>
-                  </a:tcPr>
-                </a:tc>
-                <a:tc>
-                  <a:txBody>
-                    <a:bodyPr/>
-                    <a:lstStyle/>
-                    <a:p>
-                      <a:r>
-                        <a:rPr lang="en-US" sz="800" b="1"/>
-                        <a:t>Pulse Arrival Time</a:t>
-                      </a:r>
-                      <a:endParaRPr lang="en-US" sz="800"/>
-                    </a:p>
-                  </a:txBody>
-                  <a:tcPr marL="16336" marR="16336" marT="8168" marB="8168" anchor="ctr">
-                    <a:lnL>
-                      <a:noFill/>
-                    </a:lnL>
-                    <a:lnR>
-                      <a:noFill/>
-                    </a:lnR>
-                    <a:lnT>
-                      <a:noFill/>
-                    </a:lnT>
-                    <a:lnB>
-                      <a:noFill/>
-                    </a:lnB>
-                    <a:noFill/>
-                  </a:tcPr>
-                </a:tc>
-                <a:tc>
-                  <a:txBody>
-                    <a:bodyPr/>
-                    <a:lstStyle/>
-                    <a:p>
-                      <a:r>
-                        <a:rPr lang="en-US" sz="800" dirty="0"/>
-                        <a:t>Time between ECG R-wave (electrical heart activation) and PPG pulse arrival; includes </a:t>
-                      </a:r>
-                      <a:r>
-                        <a:rPr lang="en-US" sz="800" b="1" dirty="0"/>
-                        <a:t>pre-ejection period (PEP)</a:t>
-                      </a:r>
-                      <a:r>
-                        <a:rPr lang="en-US" sz="800" dirty="0"/>
-                        <a:t>.</a:t>
-                      </a:r>
-                    </a:p>
-                  </a:txBody>
-                  <a:tcPr marL="16336" marR="16336" marT="8168" marB="8168" anchor="ctr">
-                    <a:lnL>
-                      <a:noFill/>
-                    </a:lnL>
-                    <a:lnR>
-                      <a:noFill/>
-                    </a:lnR>
-                    <a:lnT>
-                      <a:noFill/>
-                    </a:lnT>
-                    <a:lnB>
-                      <a:noFill/>
-                    </a:lnB>
-                    <a:noFill/>
-                  </a:tcPr>
-                </a:tc>
-                <a:tc>
-                  <a:txBody>
-                    <a:bodyPr/>
-                    <a:lstStyle/>
-                    <a:p>
-                      <a:r>
-                        <a:rPr lang="en-US" sz="800"/>
-                        <a:t>Used in both papers as a </a:t>
-                      </a:r>
-                      <a:r>
-                        <a:rPr lang="en-US" sz="800" b="1"/>
-                        <a:t>surrogate</a:t>
-                      </a:r>
-                      <a:r>
-                        <a:rPr lang="en-US" sz="800"/>
-                        <a:t> of true PTT.</a:t>
-                      </a:r>
-                    </a:p>
-                  </a:txBody>
-                  <a:tcPr marL="16336" marR="16336" marT="8168" marB="8168" anchor="ctr">
-                    <a:lnL>
-                      <a:noFill/>
-                    </a:lnL>
-                    <a:lnR>
-                      <a:noFill/>
-                    </a:lnR>
-                    <a:lnT>
-                      <a:noFill/>
-                    </a:lnT>
-                    <a:lnB>
-                      <a:noFill/>
-                    </a:lnB>
-                    <a:noFill/>
-                  </a:tcPr>
-                </a:tc>
-                <a:extLst>
-                  <a:ext uri="{0D108BD9-81ED-4DB2-BD59-A6C34878D82A}">
-                    <a16:rowId xmlns:a16="http://schemas.microsoft.com/office/drawing/2014/main" val="4237554595"/>
-                  </a:ext>
-                </a:extLst>
-              </a:tr>
-              <a:tr h="424063">
-                <a:tc>
-                  <a:txBody>
-                    <a:bodyPr/>
-                    <a:lstStyle/>
-                    <a:p>
-                      <a:r>
-                        <a:rPr lang="en-US" sz="800" b="1"/>
-                        <a:t>PEP</a:t>
-                      </a:r>
-                      <a:endParaRPr lang="en-US" sz="800"/>
-                    </a:p>
-                  </a:txBody>
-                  <a:tcPr marL="16336" marR="16336" marT="8168" marB="8168" anchor="ctr">
-                    <a:lnL>
-                      <a:noFill/>
-                    </a:lnL>
-                    <a:lnR>
-                      <a:noFill/>
-                    </a:lnR>
-                    <a:lnT>
-                      <a:noFill/>
-                    </a:lnT>
-                    <a:lnB>
-                      <a:noFill/>
-                    </a:lnB>
-                    <a:noFill/>
-                  </a:tcPr>
-                </a:tc>
-                <a:tc>
-                  <a:txBody>
-                    <a:bodyPr/>
-                    <a:lstStyle/>
-                    <a:p>
-                      <a:r>
-                        <a:rPr lang="en-US" sz="800" b="1"/>
-                        <a:t>Pre-Ejection Period</a:t>
-                      </a:r>
-                      <a:endParaRPr lang="en-US" sz="800"/>
-                    </a:p>
-                  </a:txBody>
-                  <a:tcPr marL="16336" marR="16336" marT="8168" marB="8168" anchor="ctr">
-                    <a:lnL>
-                      <a:noFill/>
-                    </a:lnL>
-                    <a:lnR>
-                      <a:noFill/>
-                    </a:lnR>
-                    <a:lnT>
-                      <a:noFill/>
-                    </a:lnT>
-                    <a:lnB>
-                      <a:noFill/>
-                    </a:lnB>
-                    <a:noFill/>
-                  </a:tcPr>
-                </a:tc>
-                <a:tc>
-                  <a:txBody>
-                    <a:bodyPr/>
-                    <a:lstStyle/>
-                    <a:p>
-                      <a:r>
-                        <a:rPr lang="en-US" sz="800" dirty="0"/>
-                        <a:t>Time between the ECG R-wave and the actual mechanical ejection of blood from the heart.</a:t>
-                      </a:r>
-                    </a:p>
-                  </a:txBody>
-                  <a:tcPr marL="16336" marR="16336" marT="8168" marB="8168" anchor="ctr">
-                    <a:lnL>
-                      <a:noFill/>
-                    </a:lnL>
-                    <a:lnR>
-                      <a:noFill/>
-                    </a:lnR>
-                    <a:lnT>
-                      <a:noFill/>
-                    </a:lnT>
-                    <a:lnB>
-                      <a:noFill/>
-                    </a:lnB>
-                    <a:noFill/>
-                  </a:tcPr>
-                </a:tc>
-                <a:tc>
-                  <a:txBody>
-                    <a:bodyPr/>
-                    <a:lstStyle/>
-                    <a:p>
-                      <a:r>
-                        <a:rPr lang="en-US" sz="800"/>
-                        <a:t>Present in PAT, but </a:t>
-                      </a:r>
-                      <a:r>
-                        <a:rPr lang="en-US" sz="800" b="1"/>
-                        <a:t>not</a:t>
-                      </a:r>
-                      <a:r>
-                        <a:rPr lang="en-US" sz="800"/>
-                        <a:t> in PTT (BCG avoids this).</a:t>
-                      </a:r>
-                    </a:p>
-                  </a:txBody>
-                  <a:tcPr marL="16336" marR="16336" marT="8168" marB="8168" anchor="ctr">
-                    <a:lnL>
-                      <a:noFill/>
-                    </a:lnL>
-                    <a:lnR>
-                      <a:noFill/>
-                    </a:lnR>
-                    <a:lnT>
-                      <a:noFill/>
-                    </a:lnT>
-                    <a:lnB>
-                      <a:noFill/>
-                    </a:lnB>
-                    <a:noFill/>
-                  </a:tcPr>
-                </a:tc>
-                <a:extLst>
-                  <a:ext uri="{0D108BD9-81ED-4DB2-BD59-A6C34878D82A}">
-                    <a16:rowId xmlns:a16="http://schemas.microsoft.com/office/drawing/2014/main" val="3243921848"/>
-                  </a:ext>
-                </a:extLst>
-              </a:tr>
-              <a:tr h="356752">
-                <a:tc>
-                  <a:txBody>
-                    <a:bodyPr/>
-                    <a:lstStyle/>
-                    <a:p>
-                      <a:r>
-                        <a:rPr lang="en-US" sz="800" b="1"/>
-                        <a:t>ECG</a:t>
-                      </a:r>
-                      <a:endParaRPr lang="en-US" sz="800"/>
-                    </a:p>
-                  </a:txBody>
-                  <a:tcPr marL="16336" marR="16336" marT="8168" marB="8168" anchor="ctr">
-                    <a:lnL>
-                      <a:noFill/>
-                    </a:lnL>
-                    <a:lnR>
-                      <a:noFill/>
-                    </a:lnR>
-                    <a:lnT>
-                      <a:noFill/>
-                    </a:lnT>
-                    <a:lnB>
-                      <a:noFill/>
-                    </a:lnB>
-                    <a:noFill/>
-                  </a:tcPr>
-                </a:tc>
-                <a:tc>
-                  <a:txBody>
-                    <a:bodyPr/>
-                    <a:lstStyle/>
-                    <a:p>
-                      <a:r>
-                        <a:rPr lang="en-US" sz="800" b="1"/>
-                        <a:t>Electrocardiography</a:t>
-                      </a:r>
-                      <a:endParaRPr lang="en-US" sz="800"/>
-                    </a:p>
-                  </a:txBody>
-                  <a:tcPr marL="16336" marR="16336" marT="8168" marB="8168" anchor="ctr">
-                    <a:lnL>
-                      <a:noFill/>
-                    </a:lnL>
-                    <a:lnR>
-                      <a:noFill/>
-                    </a:lnR>
-                    <a:lnT>
-                      <a:noFill/>
-                    </a:lnT>
-                    <a:lnB>
-                      <a:noFill/>
-                    </a:lnB>
-                    <a:noFill/>
-                  </a:tcPr>
-                </a:tc>
-                <a:tc>
-                  <a:txBody>
-                    <a:bodyPr/>
-                    <a:lstStyle/>
-                    <a:p>
-                      <a:r>
-                        <a:rPr lang="en-US" sz="800" dirty="0"/>
-                        <a:t>Electrical recording of heart activity, especially used to detect the R-wave for timing.</a:t>
-                      </a:r>
-                    </a:p>
-                  </a:txBody>
-                  <a:tcPr marL="16336" marR="16336" marT="8168" marB="8168" anchor="ctr">
-                    <a:lnL>
-                      <a:noFill/>
-                    </a:lnL>
-                    <a:lnR>
-                      <a:noFill/>
-                    </a:lnR>
-                    <a:lnT>
-                      <a:noFill/>
-                    </a:lnT>
-                    <a:lnB>
-                      <a:noFill/>
-                    </a:lnB>
-                    <a:noFill/>
-                  </a:tcPr>
-                </a:tc>
-                <a:tc>
-                  <a:txBody>
-                    <a:bodyPr/>
-                    <a:lstStyle/>
-                    <a:p>
-                      <a:r>
-                        <a:rPr lang="en-US" sz="800"/>
-                        <a:t>Contact reference for PAT in Block et al. (2020).</a:t>
-                      </a:r>
-                    </a:p>
-                  </a:txBody>
-                  <a:tcPr marL="16336" marR="16336" marT="8168" marB="8168" anchor="ctr">
-                    <a:lnL>
-                      <a:noFill/>
-                    </a:lnL>
-                    <a:lnR>
-                      <a:noFill/>
-                    </a:lnR>
-                    <a:lnT>
-                      <a:noFill/>
-                    </a:lnT>
-                    <a:lnB>
-                      <a:noFill/>
-                    </a:lnB>
-                    <a:noFill/>
-                  </a:tcPr>
-                </a:tc>
-                <a:extLst>
-                  <a:ext uri="{0D108BD9-81ED-4DB2-BD59-A6C34878D82A}">
-                    <a16:rowId xmlns:a16="http://schemas.microsoft.com/office/drawing/2014/main" val="3645453763"/>
-                  </a:ext>
-                </a:extLst>
-              </a:tr>
-              <a:tr h="222128">
-                <a:tc>
-                  <a:txBody>
-                    <a:bodyPr/>
-                    <a:lstStyle/>
-                    <a:p>
-                      <a:r>
-                        <a:rPr lang="en-US" sz="800" b="1"/>
-                        <a:t>BP</a:t>
-                      </a:r>
-                      <a:endParaRPr lang="en-US" sz="800"/>
-                    </a:p>
-                  </a:txBody>
-                  <a:tcPr marL="16336" marR="16336" marT="8168" marB="8168" anchor="ctr">
-                    <a:lnL>
-                      <a:noFill/>
-                    </a:lnL>
-                    <a:lnR>
-                      <a:noFill/>
-                    </a:lnR>
-                    <a:lnT>
-                      <a:noFill/>
-                    </a:lnT>
-                    <a:lnB>
-                      <a:noFill/>
-                    </a:lnB>
-                    <a:noFill/>
-                  </a:tcPr>
-                </a:tc>
-                <a:tc>
-                  <a:txBody>
-                    <a:bodyPr/>
-                    <a:lstStyle/>
-                    <a:p>
-                      <a:r>
-                        <a:rPr lang="en-US" sz="800" b="1"/>
-                        <a:t>Blood Pressure</a:t>
-                      </a:r>
-                      <a:endParaRPr lang="en-US" sz="800"/>
-                    </a:p>
-                  </a:txBody>
-                  <a:tcPr marL="16336" marR="16336" marT="8168" marB="8168" anchor="ctr">
-                    <a:lnL>
-                      <a:noFill/>
-                    </a:lnL>
-                    <a:lnR>
-                      <a:noFill/>
-                    </a:lnR>
-                    <a:lnT>
-                      <a:noFill/>
-                    </a:lnT>
-                    <a:lnB>
-                      <a:noFill/>
-                    </a:lnB>
-                    <a:noFill/>
-                  </a:tcPr>
-                </a:tc>
-                <a:tc>
-                  <a:txBody>
-                    <a:bodyPr/>
-                    <a:lstStyle/>
-                    <a:p>
-                      <a:r>
-                        <a:rPr lang="en-US" sz="800" dirty="0"/>
-                        <a:t>Force exerted by circulating blood on arterial walls.</a:t>
-                      </a:r>
-                    </a:p>
-                  </a:txBody>
-                  <a:tcPr marL="16336" marR="16336" marT="8168" marB="8168" anchor="ctr">
-                    <a:lnL>
-                      <a:noFill/>
-                    </a:lnL>
-                    <a:lnR>
-                      <a:noFill/>
-                    </a:lnR>
-                    <a:lnT>
-                      <a:noFill/>
-                    </a:lnT>
-                    <a:lnB>
-                      <a:noFill/>
-                    </a:lnB>
-                    <a:noFill/>
-                  </a:tcPr>
-                </a:tc>
-                <a:tc>
-                  <a:txBody>
-                    <a:bodyPr/>
-                    <a:lstStyle/>
-                    <a:p>
-                      <a:r>
-                        <a:rPr lang="en-US" sz="800"/>
-                        <a:t>Physiological parameter correlated </a:t>
-                      </a:r>
-                      <a:r>
-                        <a:rPr lang="en-US" sz="800" b="1"/>
-                        <a:t>inversely</a:t>
-                      </a:r>
-                      <a:r>
-                        <a:rPr lang="en-US" sz="800"/>
-                        <a:t> with PTT.</a:t>
-                      </a:r>
-                    </a:p>
-                  </a:txBody>
-                  <a:tcPr marL="16336" marR="16336" marT="8168" marB="8168" anchor="ctr">
-                    <a:lnL>
-                      <a:noFill/>
-                    </a:lnL>
-                    <a:lnR>
-                      <a:noFill/>
-                    </a:lnR>
-                    <a:lnT>
-                      <a:noFill/>
-                    </a:lnT>
-                    <a:lnB>
-                      <a:noFill/>
-                    </a:lnB>
-                    <a:noFill/>
-                  </a:tcPr>
-                </a:tc>
-                <a:extLst>
-                  <a:ext uri="{0D108BD9-81ED-4DB2-BD59-A6C34878D82A}">
-                    <a16:rowId xmlns:a16="http://schemas.microsoft.com/office/drawing/2014/main" val="1897934973"/>
-                  </a:ext>
-                </a:extLst>
-              </a:tr>
-              <a:tr h="222128">
-                <a:tc>
-                  <a:txBody>
-                    <a:bodyPr/>
-                    <a:lstStyle/>
-                    <a:p>
-                      <a:r>
-                        <a:rPr lang="en-US" sz="800" b="1"/>
-                        <a:t>SBP</a:t>
-                      </a:r>
-                      <a:endParaRPr lang="en-US" sz="800"/>
-                    </a:p>
-                  </a:txBody>
-                  <a:tcPr marL="16336" marR="16336" marT="8168" marB="8168" anchor="ctr">
-                    <a:lnL>
-                      <a:noFill/>
-                    </a:lnL>
-                    <a:lnR>
-                      <a:noFill/>
-                    </a:lnR>
-                    <a:lnT>
-                      <a:noFill/>
-                    </a:lnT>
-                    <a:lnB>
-                      <a:noFill/>
-                    </a:lnB>
-                    <a:noFill/>
-                  </a:tcPr>
-                </a:tc>
-                <a:tc>
-                  <a:txBody>
-                    <a:bodyPr/>
-                    <a:lstStyle/>
-                    <a:p>
-                      <a:r>
-                        <a:rPr lang="en-US" sz="800" b="1"/>
-                        <a:t>Systolic Blood Pressure</a:t>
-                      </a:r>
-                      <a:endParaRPr lang="en-US" sz="800"/>
-                    </a:p>
-                  </a:txBody>
-                  <a:tcPr marL="16336" marR="16336" marT="8168" marB="8168" anchor="ctr">
-                    <a:lnL>
-                      <a:noFill/>
-                    </a:lnL>
-                    <a:lnR>
-                      <a:noFill/>
-                    </a:lnR>
-                    <a:lnT>
-                      <a:noFill/>
-                    </a:lnT>
-                    <a:lnB>
-                      <a:noFill/>
-                    </a:lnB>
-                    <a:noFill/>
-                  </a:tcPr>
-                </a:tc>
-                <a:tc>
-                  <a:txBody>
-                    <a:bodyPr/>
-                    <a:lstStyle/>
-                    <a:p>
-                      <a:r>
-                        <a:rPr lang="en-US" sz="800"/>
-                        <a:t>Maximum arterial pressure during heart contraction.</a:t>
-                      </a:r>
-                    </a:p>
-                  </a:txBody>
-                  <a:tcPr marL="16336" marR="16336" marT="8168" marB="8168" anchor="ctr">
-                    <a:lnL>
-                      <a:noFill/>
-                    </a:lnL>
-                    <a:lnR>
-                      <a:noFill/>
-                    </a:lnR>
-                    <a:lnT>
-                      <a:noFill/>
-                    </a:lnT>
-                    <a:lnB>
-                      <a:noFill/>
-                    </a:lnB>
-                    <a:noFill/>
-                  </a:tcPr>
-                </a:tc>
-                <a:tc>
-                  <a:txBody>
-                    <a:bodyPr/>
-                    <a:lstStyle/>
-                    <a:p>
-                      <a:r>
-                        <a:rPr lang="en-US" sz="800"/>
-                        <a:t>Strongly correlated with PTT (R ≈ −0.6).</a:t>
-                      </a:r>
-                    </a:p>
-                  </a:txBody>
-                  <a:tcPr marL="16336" marR="16336" marT="8168" marB="8168" anchor="ctr">
-                    <a:lnL>
-                      <a:noFill/>
-                    </a:lnL>
-                    <a:lnR>
-                      <a:noFill/>
-                    </a:lnR>
-                    <a:lnT>
-                      <a:noFill/>
-                    </a:lnT>
-                    <a:lnB>
-                      <a:noFill/>
-                    </a:lnB>
-                    <a:noFill/>
-                  </a:tcPr>
-                </a:tc>
-                <a:extLst>
-                  <a:ext uri="{0D108BD9-81ED-4DB2-BD59-A6C34878D82A}">
-                    <a16:rowId xmlns:a16="http://schemas.microsoft.com/office/drawing/2014/main" val="2416631409"/>
-                  </a:ext>
-                </a:extLst>
-              </a:tr>
-              <a:tr h="222128">
-                <a:tc>
-                  <a:txBody>
-                    <a:bodyPr/>
-                    <a:lstStyle/>
-                    <a:p>
-                      <a:r>
-                        <a:rPr lang="en-US" sz="800" b="1"/>
-                        <a:t>DBP</a:t>
-                      </a:r>
-                      <a:endParaRPr lang="en-US" sz="800"/>
-                    </a:p>
-                  </a:txBody>
-                  <a:tcPr marL="16336" marR="16336" marT="8168" marB="8168" anchor="ctr">
-                    <a:lnL>
-                      <a:noFill/>
-                    </a:lnL>
-                    <a:lnR>
-                      <a:noFill/>
-                    </a:lnR>
-                    <a:lnT>
-                      <a:noFill/>
-                    </a:lnT>
-                    <a:lnB>
-                      <a:noFill/>
-                    </a:lnB>
-                    <a:noFill/>
-                  </a:tcPr>
-                </a:tc>
-                <a:tc>
-                  <a:txBody>
-                    <a:bodyPr/>
-                    <a:lstStyle/>
-                    <a:p>
-                      <a:r>
-                        <a:rPr lang="en-US" sz="800" b="1"/>
-                        <a:t>Diastolic Blood Pressure</a:t>
-                      </a:r>
-                      <a:endParaRPr lang="en-US" sz="800"/>
-                    </a:p>
-                  </a:txBody>
-                  <a:tcPr marL="16336" marR="16336" marT="8168" marB="8168" anchor="ctr">
-                    <a:lnL>
-                      <a:noFill/>
-                    </a:lnL>
-                    <a:lnR>
-                      <a:noFill/>
-                    </a:lnR>
-                    <a:lnT>
-                      <a:noFill/>
-                    </a:lnT>
-                    <a:lnB>
-                      <a:noFill/>
-                    </a:lnB>
-                    <a:noFill/>
-                  </a:tcPr>
-                </a:tc>
-                <a:tc>
-                  <a:txBody>
-                    <a:bodyPr/>
-                    <a:lstStyle/>
-                    <a:p>
-                      <a:r>
-                        <a:rPr lang="en-US" sz="800" dirty="0"/>
-                        <a:t>Minimum arterial pressure during heart relaxation.</a:t>
-                      </a:r>
-                    </a:p>
-                  </a:txBody>
-                  <a:tcPr marL="16336" marR="16336" marT="8168" marB="8168" anchor="ctr">
-                    <a:lnL>
-                      <a:noFill/>
-                    </a:lnL>
-                    <a:lnR>
-                      <a:noFill/>
-                    </a:lnR>
-                    <a:lnT>
-                      <a:noFill/>
-                    </a:lnT>
-                    <a:lnB>
-                      <a:noFill/>
-                    </a:lnB>
-                    <a:noFill/>
-                  </a:tcPr>
-                </a:tc>
-                <a:tc>
-                  <a:txBody>
-                    <a:bodyPr/>
-                    <a:lstStyle/>
-                    <a:p>
-                      <a:r>
-                        <a:rPr lang="en-US" sz="800"/>
-                        <a:t>Weak correlation with PTT (R ≈ −0.2).</a:t>
-                      </a:r>
-                    </a:p>
-                  </a:txBody>
-                  <a:tcPr marL="16336" marR="16336" marT="8168" marB="8168" anchor="ctr">
-                    <a:lnL>
-                      <a:noFill/>
-                    </a:lnL>
-                    <a:lnR>
-                      <a:noFill/>
-                    </a:lnR>
-                    <a:lnT>
-                      <a:noFill/>
-                    </a:lnT>
-                    <a:lnB>
-                      <a:noFill/>
-                    </a:lnB>
-                    <a:noFill/>
-                  </a:tcPr>
-                </a:tc>
-                <a:extLst>
-                  <a:ext uri="{0D108BD9-81ED-4DB2-BD59-A6C34878D82A}">
-                    <a16:rowId xmlns:a16="http://schemas.microsoft.com/office/drawing/2014/main" val="2804002393"/>
-                  </a:ext>
-                </a:extLst>
-              </a:tr>
-              <a:tr h="356752">
-                <a:tc>
-                  <a:txBody>
-                    <a:bodyPr/>
-                    <a:lstStyle/>
-                    <a:p>
-                      <a:r>
-                        <a:rPr lang="en-US" sz="800" b="1"/>
-                        <a:t>ROI</a:t>
-                      </a:r>
-                      <a:endParaRPr lang="en-US" sz="800"/>
-                    </a:p>
-                  </a:txBody>
-                  <a:tcPr marL="16336" marR="16336" marT="8168" marB="8168" anchor="ctr">
-                    <a:lnL>
-                      <a:noFill/>
-                    </a:lnL>
-                    <a:lnR>
-                      <a:noFill/>
-                    </a:lnR>
-                    <a:lnT>
-                      <a:noFill/>
-                    </a:lnT>
-                    <a:lnB>
-                      <a:noFill/>
-                    </a:lnB>
-                    <a:noFill/>
-                  </a:tcPr>
-                </a:tc>
-                <a:tc>
-                  <a:txBody>
-                    <a:bodyPr/>
-                    <a:lstStyle/>
-                    <a:p>
-                      <a:r>
-                        <a:rPr lang="en-US" sz="800" b="1"/>
-                        <a:t>Region of Interest</a:t>
-                      </a:r>
-                      <a:endParaRPr lang="en-US" sz="800"/>
-                    </a:p>
-                  </a:txBody>
-                  <a:tcPr marL="16336" marR="16336" marT="8168" marB="8168" anchor="ctr">
-                    <a:lnL>
-                      <a:noFill/>
-                    </a:lnL>
-                    <a:lnR>
-                      <a:noFill/>
-                    </a:lnR>
-                    <a:lnT>
-                      <a:noFill/>
-                    </a:lnT>
-                    <a:lnB>
-                      <a:noFill/>
-                    </a:lnB>
-                    <a:noFill/>
-                  </a:tcPr>
-                </a:tc>
-                <a:tc>
-                  <a:txBody>
-                    <a:bodyPr/>
-                    <a:lstStyle/>
-                    <a:p>
-                      <a:r>
-                        <a:rPr lang="en-US" sz="800" dirty="0"/>
-                        <a:t>Specific area in an image or video used for signal extraction (e.g., cheek or forehead).</a:t>
-                      </a:r>
-                    </a:p>
-                  </a:txBody>
-                  <a:tcPr marL="16336" marR="16336" marT="8168" marB="8168" anchor="ctr">
-                    <a:lnL>
-                      <a:noFill/>
-                    </a:lnL>
-                    <a:lnR>
-                      <a:noFill/>
-                    </a:lnR>
-                    <a:lnT>
-                      <a:noFill/>
-                    </a:lnT>
-                    <a:lnB>
-                      <a:noFill/>
-                    </a:lnB>
-                    <a:noFill/>
-                  </a:tcPr>
-                </a:tc>
-                <a:tc>
-                  <a:txBody>
-                    <a:bodyPr/>
-                    <a:lstStyle/>
-                    <a:p>
-                      <a:r>
-                        <a:rPr lang="en-US" sz="800"/>
-                        <a:t>In iPPG, face ROI used for green-channel brightness analysis.</a:t>
-                      </a:r>
-                    </a:p>
-                  </a:txBody>
-                  <a:tcPr marL="16336" marR="16336" marT="8168" marB="8168" anchor="ctr">
-                    <a:lnL>
-                      <a:noFill/>
-                    </a:lnL>
-                    <a:lnR>
-                      <a:noFill/>
-                    </a:lnR>
-                    <a:lnT>
-                      <a:noFill/>
-                    </a:lnT>
-                    <a:lnB>
-                      <a:noFill/>
-                    </a:lnB>
-                    <a:noFill/>
-                  </a:tcPr>
-                </a:tc>
-                <a:extLst>
-                  <a:ext uri="{0D108BD9-81ED-4DB2-BD59-A6C34878D82A}">
-                    <a16:rowId xmlns:a16="http://schemas.microsoft.com/office/drawing/2014/main" val="2509235589"/>
-                  </a:ext>
-                </a:extLst>
-              </a:tr>
-              <a:tr h="289441">
-                <a:tc>
-                  <a:txBody>
-                    <a:bodyPr/>
-                    <a:lstStyle/>
-                    <a:p>
-                      <a:r>
-                        <a:rPr lang="en-US" sz="800" b="1"/>
-                        <a:t>FIR</a:t>
-                      </a:r>
-                      <a:endParaRPr lang="en-US" sz="800"/>
-                    </a:p>
-                  </a:txBody>
-                  <a:tcPr marL="16336" marR="16336" marT="8168" marB="8168" anchor="ctr">
-                    <a:lnL>
-                      <a:noFill/>
-                    </a:lnL>
-                    <a:lnR>
-                      <a:noFill/>
-                    </a:lnR>
-                    <a:lnT>
-                      <a:noFill/>
-                    </a:lnT>
-                    <a:lnB>
-                      <a:noFill/>
-                    </a:lnB>
-                    <a:noFill/>
-                  </a:tcPr>
-                </a:tc>
-                <a:tc>
-                  <a:txBody>
-                    <a:bodyPr/>
-                    <a:lstStyle/>
-                    <a:p>
-                      <a:r>
-                        <a:rPr lang="en-US" sz="800" b="1"/>
-                        <a:t>Finite Impulse Response</a:t>
-                      </a:r>
-                      <a:endParaRPr lang="en-US" sz="800"/>
-                    </a:p>
-                  </a:txBody>
-                  <a:tcPr marL="16336" marR="16336" marT="8168" marB="8168" anchor="ctr">
-                    <a:lnL>
-                      <a:noFill/>
-                    </a:lnL>
-                    <a:lnR>
-                      <a:noFill/>
-                    </a:lnR>
-                    <a:lnT>
-                      <a:noFill/>
-                    </a:lnT>
-                    <a:lnB>
-                      <a:noFill/>
-                    </a:lnB>
-                    <a:noFill/>
-                  </a:tcPr>
-                </a:tc>
-                <a:tc>
-                  <a:txBody>
-                    <a:bodyPr/>
-                    <a:lstStyle/>
-                    <a:p>
-                      <a:r>
-                        <a:rPr lang="en-US" sz="800"/>
-                        <a:t>Type of digital filter used for signal smoothing and noise reduction.</a:t>
-                      </a:r>
-                    </a:p>
-                  </a:txBody>
-                  <a:tcPr marL="16336" marR="16336" marT="8168" marB="8168" anchor="ctr">
-                    <a:lnL>
-                      <a:noFill/>
-                    </a:lnL>
-                    <a:lnR>
-                      <a:noFill/>
-                    </a:lnR>
-                    <a:lnT>
-                      <a:noFill/>
-                    </a:lnT>
-                    <a:lnB>
-                      <a:noFill/>
-                    </a:lnB>
-                    <a:noFill/>
-                  </a:tcPr>
-                </a:tc>
-                <a:tc>
-                  <a:txBody>
-                    <a:bodyPr/>
-                    <a:lstStyle/>
-                    <a:p>
-                      <a:r>
-                        <a:rPr lang="en-US" sz="800"/>
-                        <a:t>Applied to iPPG signals before peak detection in Yoshioka et al. (2020).</a:t>
-                      </a:r>
-                    </a:p>
-                  </a:txBody>
-                  <a:tcPr marL="16336" marR="16336" marT="8168" marB="8168" anchor="ctr">
-                    <a:lnL>
-                      <a:noFill/>
-                    </a:lnL>
-                    <a:lnR>
-                      <a:noFill/>
-                    </a:lnR>
-                    <a:lnT>
-                      <a:noFill/>
-                    </a:lnT>
-                    <a:lnB>
-                      <a:noFill/>
-                    </a:lnB>
-                    <a:noFill/>
-                  </a:tcPr>
-                </a:tc>
-                <a:extLst>
-                  <a:ext uri="{0D108BD9-81ED-4DB2-BD59-A6C34878D82A}">
-                    <a16:rowId xmlns:a16="http://schemas.microsoft.com/office/drawing/2014/main" val="1048163924"/>
-                  </a:ext>
-                </a:extLst>
-              </a:tr>
-              <a:tr h="289441">
-                <a:tc>
-                  <a:txBody>
-                    <a:bodyPr/>
-                    <a:lstStyle/>
-                    <a:p>
-                      <a:r>
-                        <a:rPr lang="en-US" sz="800" b="1"/>
-                        <a:t>cPTT</a:t>
-                      </a:r>
-                      <a:endParaRPr lang="en-US" sz="800"/>
-                    </a:p>
-                  </a:txBody>
-                  <a:tcPr marL="16336" marR="16336" marT="8168" marB="8168" anchor="ctr">
-                    <a:lnL>
-                      <a:noFill/>
-                    </a:lnL>
-                    <a:lnR>
-                      <a:noFill/>
-                    </a:lnR>
-                    <a:lnT>
-                      <a:noFill/>
-                    </a:lnT>
-                    <a:lnB>
-                      <a:noFill/>
-                    </a:lnB>
-                    <a:noFill/>
-                  </a:tcPr>
-                </a:tc>
-                <a:tc>
-                  <a:txBody>
-                    <a:bodyPr/>
-                    <a:lstStyle/>
-                    <a:p>
-                      <a:r>
-                        <a:rPr lang="en-US" sz="800" b="1"/>
-                        <a:t>Conventional Pulse Transit Time</a:t>
-                      </a:r>
-                      <a:endParaRPr lang="en-US" sz="800"/>
-                    </a:p>
-                  </a:txBody>
-                  <a:tcPr marL="16336" marR="16336" marT="8168" marB="8168" anchor="ctr">
-                    <a:lnL>
-                      <a:noFill/>
-                    </a:lnL>
-                    <a:lnR>
-                      <a:noFill/>
-                    </a:lnR>
-                    <a:lnT>
-                      <a:noFill/>
-                    </a:lnT>
-                    <a:lnB>
-                      <a:noFill/>
-                    </a:lnB>
-                    <a:noFill/>
-                  </a:tcPr>
-                </a:tc>
-                <a:tc>
-                  <a:txBody>
-                    <a:bodyPr/>
-                    <a:lstStyle/>
-                    <a:p>
-                      <a:r>
-                        <a:rPr lang="en-US" sz="800"/>
-                        <a:t>PTT derived from </a:t>
-                      </a:r>
-                      <a:r>
-                        <a:rPr lang="en-US" sz="800" b="1"/>
-                        <a:t>ECG–PPG</a:t>
-                      </a:r>
-                      <a:r>
-                        <a:rPr lang="en-US" sz="800"/>
-                        <a:t> or </a:t>
-                      </a:r>
-                      <a:r>
-                        <a:rPr lang="en-US" sz="800" b="1"/>
-                        <a:t>PPG–PPG</a:t>
-                      </a:r>
-                      <a:r>
-                        <a:rPr lang="en-US" sz="800"/>
-                        <a:t> pairs using contact sensors.</a:t>
-                      </a:r>
-                    </a:p>
-                  </a:txBody>
-                  <a:tcPr marL="16336" marR="16336" marT="8168" marB="8168" anchor="ctr">
-                    <a:lnL>
-                      <a:noFill/>
-                    </a:lnL>
-                    <a:lnR>
-                      <a:noFill/>
-                    </a:lnR>
-                    <a:lnT>
-                      <a:noFill/>
-                    </a:lnT>
-                    <a:lnB>
-                      <a:noFill/>
-                    </a:lnB>
-                    <a:noFill/>
-                  </a:tcPr>
-                </a:tc>
-                <a:tc>
-                  <a:txBody>
-                    <a:bodyPr/>
-                    <a:lstStyle/>
-                    <a:p>
-                      <a:r>
-                        <a:rPr lang="en-US" sz="800" dirty="0"/>
-                        <a:t>Defined in Block et al. (2020) as traditional, contact-based methods.</a:t>
-                      </a:r>
-                    </a:p>
-                  </a:txBody>
-                  <a:tcPr marL="16336" marR="16336" marT="8168" marB="8168" anchor="ctr">
-                    <a:lnL>
-                      <a:noFill/>
-                    </a:lnL>
-                    <a:lnR>
-                      <a:noFill/>
-                    </a:lnR>
-                    <a:lnT>
-                      <a:noFill/>
-                    </a:lnT>
-                    <a:lnB>
-                      <a:noFill/>
-                    </a:lnB>
-                    <a:noFill/>
-                  </a:tcPr>
-                </a:tc>
-                <a:extLst>
-                  <a:ext uri="{0D108BD9-81ED-4DB2-BD59-A6C34878D82A}">
-                    <a16:rowId xmlns:a16="http://schemas.microsoft.com/office/drawing/2014/main" val="852911810"/>
-                  </a:ext>
-                </a:extLst>
-              </a:tr>
-              <a:tr h="289441">
-                <a:tc>
-                  <a:txBody>
-                    <a:bodyPr/>
-                    <a:lstStyle/>
-                    <a:p>
-                      <a:r>
-                        <a:rPr lang="en-US" sz="800" b="1"/>
-                        <a:t>dPTT</a:t>
-                      </a:r>
-                      <a:endParaRPr lang="en-US" sz="800"/>
-                    </a:p>
-                  </a:txBody>
-                  <a:tcPr marL="16336" marR="16336" marT="8168" marB="8168" anchor="ctr">
-                    <a:lnL>
-                      <a:noFill/>
-                    </a:lnL>
-                    <a:lnR>
-                      <a:noFill/>
-                    </a:lnR>
-                    <a:lnT>
-                      <a:noFill/>
-                    </a:lnT>
-                    <a:lnB>
-                      <a:noFill/>
-                    </a:lnB>
-                    <a:noFill/>
-                  </a:tcPr>
-                </a:tc>
-                <a:tc>
-                  <a:txBody>
-                    <a:bodyPr/>
-                    <a:lstStyle/>
-                    <a:p>
-                      <a:r>
-                        <a:rPr lang="en-US" sz="800" b="1"/>
-                        <a:t>Differential Pulse Transit Time</a:t>
-                      </a:r>
-                      <a:endParaRPr lang="en-US" sz="800"/>
-                    </a:p>
-                  </a:txBody>
-                  <a:tcPr marL="16336" marR="16336" marT="8168" marB="8168" anchor="ctr">
-                    <a:lnL>
-                      <a:noFill/>
-                    </a:lnL>
-                    <a:lnR>
-                      <a:noFill/>
-                    </a:lnR>
-                    <a:lnT>
-                      <a:noFill/>
-                    </a:lnT>
-                    <a:lnB>
-                      <a:noFill/>
-                    </a:lnB>
-                    <a:noFill/>
-                  </a:tcPr>
-                </a:tc>
-                <a:tc>
-                  <a:txBody>
-                    <a:bodyPr/>
-                    <a:lstStyle/>
-                    <a:p>
-                      <a:r>
-                        <a:rPr lang="en-US" sz="800"/>
-                        <a:t>Time difference between two distal PPGs (e.g., ear–toe).</a:t>
-                      </a:r>
-                    </a:p>
-                  </a:txBody>
-                  <a:tcPr marL="16336" marR="16336" marT="8168" marB="8168" anchor="ctr">
-                    <a:lnL>
-                      <a:noFill/>
-                    </a:lnL>
-                    <a:lnR>
-                      <a:noFill/>
-                    </a:lnR>
-                    <a:lnT>
-                      <a:noFill/>
-                    </a:lnT>
-                    <a:lnB>
-                      <a:noFill/>
-                    </a:lnB>
-                    <a:noFill/>
-                  </a:tcPr>
-                </a:tc>
-                <a:tc>
-                  <a:txBody>
-                    <a:bodyPr/>
-                    <a:lstStyle/>
-                    <a:p>
-                      <a:r>
-                        <a:rPr lang="en-US" sz="800" dirty="0"/>
-                        <a:t>Represents the </a:t>
-                      </a:r>
-                      <a:r>
-                        <a:rPr lang="en-US" sz="800" b="1" dirty="0"/>
-                        <a:t>difference of two PTTs</a:t>
-                      </a:r>
-                      <a:r>
-                        <a:rPr lang="en-US" sz="800" dirty="0"/>
-                        <a:t>, not a true PTT.</a:t>
-                      </a:r>
-                    </a:p>
-                  </a:txBody>
-                  <a:tcPr marL="16336" marR="16336" marT="8168" marB="8168" anchor="ctr">
-                    <a:lnL>
-                      <a:noFill/>
-                    </a:lnL>
-                    <a:lnR>
-                      <a:noFill/>
-                    </a:lnR>
-                    <a:lnT>
-                      <a:noFill/>
-                    </a:lnT>
-                    <a:lnB>
-                      <a:noFill/>
-                    </a:lnB>
-                    <a:noFill/>
-                  </a:tcPr>
-                </a:tc>
-                <a:extLst>
-                  <a:ext uri="{0D108BD9-81ED-4DB2-BD59-A6C34878D82A}">
-                    <a16:rowId xmlns:a16="http://schemas.microsoft.com/office/drawing/2014/main" val="3516564356"/>
-                  </a:ext>
-                </a:extLst>
-              </a:tr>
-              <a:tr h="356752">
-                <a:tc>
-                  <a:txBody>
-                    <a:bodyPr/>
-                    <a:lstStyle/>
-                    <a:p>
-                      <a:r>
-                        <a:rPr lang="en-US" sz="800" b="1"/>
-                        <a:t>PATfoot / PPG foot</a:t>
-                      </a:r>
-                      <a:endParaRPr lang="en-US" sz="800"/>
-                    </a:p>
-                  </a:txBody>
-                  <a:tcPr marL="16336" marR="16336" marT="8168" marB="8168" anchor="ctr">
-                    <a:lnL>
-                      <a:noFill/>
-                    </a:lnL>
-                    <a:lnR>
-                      <a:noFill/>
-                    </a:lnR>
-                    <a:lnT>
-                      <a:noFill/>
-                    </a:lnT>
-                    <a:lnB>
-                      <a:noFill/>
-                    </a:lnB>
-                    <a:noFill/>
-                  </a:tcPr>
-                </a:tc>
-                <a:tc>
-                  <a:txBody>
-                    <a:bodyPr/>
-                    <a:lstStyle/>
-                    <a:p>
-                      <a:r>
-                        <a:rPr lang="en-US" sz="800"/>
-                        <a:t>—</a:t>
-                      </a:r>
-                    </a:p>
-                  </a:txBody>
-                  <a:tcPr marL="16336" marR="16336" marT="8168" marB="8168" anchor="ctr">
-                    <a:lnL>
-                      <a:noFill/>
-                    </a:lnL>
-                    <a:lnR>
-                      <a:noFill/>
-                    </a:lnR>
-                    <a:lnT>
-                      <a:noFill/>
-                    </a:lnT>
-                    <a:lnB>
-                      <a:noFill/>
-                    </a:lnB>
-                    <a:noFill/>
-                  </a:tcPr>
-                </a:tc>
-                <a:tc>
-                  <a:txBody>
-                    <a:bodyPr/>
-                    <a:lstStyle/>
-                    <a:p>
-                      <a:r>
-                        <a:rPr lang="en-US" sz="800"/>
-                        <a:t>The </a:t>
-                      </a:r>
-                      <a:r>
-                        <a:rPr lang="en-US" sz="800" b="1"/>
-                        <a:t>waveform onset</a:t>
-                      </a:r>
-                      <a:r>
-                        <a:rPr lang="en-US" sz="800"/>
-                        <a:t> (foot) used as a reliable timing marker for pulse arrival.</a:t>
-                      </a:r>
-                    </a:p>
-                  </a:txBody>
-                  <a:tcPr marL="16336" marR="16336" marT="8168" marB="8168" anchor="ctr">
-                    <a:lnL>
-                      <a:noFill/>
-                    </a:lnL>
-                    <a:lnR>
-                      <a:noFill/>
-                    </a:lnR>
-                    <a:lnT>
-                      <a:noFill/>
-                    </a:lnT>
-                    <a:lnB>
-                      <a:noFill/>
-                    </a:lnB>
-                    <a:noFill/>
-                  </a:tcPr>
-                </a:tc>
-                <a:tc>
-                  <a:txBody>
-                    <a:bodyPr/>
-                    <a:lstStyle/>
-                    <a:p>
-                      <a:r>
-                        <a:rPr lang="en-US" sz="800" dirty="0"/>
-                        <a:t>Identified in Block et al. (2020) as more consistent than the peak.</a:t>
-                      </a:r>
-                    </a:p>
-                  </a:txBody>
-                  <a:tcPr marL="16336" marR="16336" marT="8168" marB="8168" anchor="ctr">
-                    <a:lnL>
-                      <a:noFill/>
-                    </a:lnL>
-                    <a:lnR>
-                      <a:noFill/>
-                    </a:lnR>
-                    <a:lnT>
-                      <a:noFill/>
-                    </a:lnT>
-                    <a:lnB>
-                      <a:noFill/>
-                    </a:lnB>
-                    <a:noFill/>
-                  </a:tcPr>
-                </a:tc>
-                <a:extLst>
-                  <a:ext uri="{0D108BD9-81ED-4DB2-BD59-A6C34878D82A}">
-                    <a16:rowId xmlns:a16="http://schemas.microsoft.com/office/drawing/2014/main" val="3256277479"/>
-                  </a:ext>
-                </a:extLst>
-              </a:tr>
-            </a:tbl>
-          </a:graphicData>
-        </a:graphic>
-      </p:graphicFrame>
+          <p:cNvSpPr>
+            <a:spLocks noChangeAspect="1" noChangeArrowheads="1"/>
+          </p:cNvSpPr>
+          <p:nvPr/>
+        </p:nvSpPr>
+        <p:spPr bwMode="auto">
+          <a:xfrm>
+            <a:off x="190500" y="152400"/>
+            <a:ext cx="10617200" cy="7561263"/>
+          </a:xfrm>
+          <a:prstGeom prst="rect">
+            <a:avLst/>
+          </a:prstGeom>
+          <a:noFill/>
+          <a:extLst>
+            <a:ext uri="{909E8E84-426E-40DD-AFC4-6F175D3DCCD1}">
+              <a14:hiddenFill xmlns:a14="http://schemas.microsoft.com/office/drawing/2010/main">
+                <a:solidFill>
+                  <a:srgbClr val="FFFFFF"/>
+                </a:solidFill>
+              </a14:hiddenFill>
+            </a:ext>
+          </a:extLst>
+        </p:spPr>
+        <p:txBody>
+          <a:bodyPr vert="horz" wrap="square" lIns="91440" tIns="45720" rIns="91440" bIns="45720" numCol="1" anchor="t" anchorCtr="0" compatLnSpc="1">
+            <a:prstTxWarp prst="textNoShape">
+              <a:avLst/>
+            </a:prstTxWarp>
+          </a:bodyPr>
+          <a:lstStyle/>
+          <a:p>
+            <a:endParaRPr lang="en-US"/>
+          </a:p>
+        </p:txBody>
+      </p:sp>
+      <p:pic>
+        <p:nvPicPr>
+          <p:cNvPr id="4" name="Picture 3">
+            <a:extLst>
+              <a:ext uri="{FF2B5EF4-FFF2-40B4-BE49-F238E27FC236}">
+                <a16:creationId xmlns:a16="http://schemas.microsoft.com/office/drawing/2014/main" id="{63CBFEA2-B8CB-BCCC-EAF9-C70C88AA41F5}"/>
+              </a:ext>
+            </a:extLst>
+          </p:cNvPr>
+          <p:cNvPicPr>
+            <a:picLocks noChangeAspect="1"/>
+          </p:cNvPicPr>
+          <p:nvPr/>
+        </p:nvPicPr>
+        <p:blipFill>
+          <a:blip r:embed="rId4">
+            <a:extLst>
+              <a:ext uri="{28A0092B-C50C-407E-A947-70E740481C1C}">
+                <a14:useLocalDpi xmlns:a14="http://schemas.microsoft.com/office/drawing/2010/main" val="0"/>
+              </a:ext>
+            </a:extLst>
+          </a:blip>
+          <a:stretch>
+            <a:fillRect/>
+          </a:stretch>
+        </p:blipFill>
+        <p:spPr>
+          <a:xfrm>
+            <a:off x="53658" y="965237"/>
+            <a:ext cx="10449241" cy="4390438"/>
+          </a:xfrm>
+          <a:prstGeom prst="rect">
+            <a:avLst/>
+          </a:prstGeom>
+        </p:spPr>
+      </p:pic>
+      <p:sp>
+        <p:nvSpPr>
+          <p:cNvPr id="9" name="TextBox 8">
+            <a:extLst>
+              <a:ext uri="{FF2B5EF4-FFF2-40B4-BE49-F238E27FC236}">
+                <a16:creationId xmlns:a16="http://schemas.microsoft.com/office/drawing/2014/main" id="{A37621FD-0AA5-FE67-2C74-31BA94CCE1BC}"/>
+              </a:ext>
+            </a:extLst>
+          </p:cNvPr>
+          <p:cNvSpPr txBox="1"/>
+          <p:nvPr/>
+        </p:nvSpPr>
+        <p:spPr>
+          <a:xfrm>
+            <a:off x="306140" y="5392110"/>
+            <a:ext cx="4580136" cy="461665"/>
+          </a:xfrm>
+          <a:prstGeom prst="rect">
+            <a:avLst/>
+          </a:prstGeom>
+          <a:noFill/>
+        </p:spPr>
+        <p:txBody>
+          <a:bodyPr wrap="square">
+            <a:spAutoFit/>
+          </a:bodyPr>
+          <a:lstStyle/>
+          <a:p>
+            <a:r>
+              <a:rPr lang="en-US" sz="1200" dirty="0">
+                <a:latin typeface="Consolas" panose="020B0609020204030204" pitchFamily="49" charset="0"/>
+              </a:rPr>
+              <a:t>| seq id | </a:t>
+            </a:r>
+            <a:r>
+              <a:rPr lang="el-GR" sz="1200" dirty="0">
+                <a:latin typeface="Consolas" panose="020B0609020204030204" pitchFamily="49" charset="0"/>
+              </a:rPr>
+              <a:t>Δ</a:t>
+            </a:r>
+            <a:r>
+              <a:rPr lang="en-US" sz="1200" dirty="0" err="1">
+                <a:latin typeface="Consolas" panose="020B0609020204030204" pitchFamily="49" charset="0"/>
+              </a:rPr>
+              <a:t>orig</a:t>
+            </a:r>
+            <a:r>
+              <a:rPr lang="en-US" sz="1200" dirty="0">
+                <a:latin typeface="Consolas" panose="020B0609020204030204" pitchFamily="49" charset="0"/>
+              </a:rPr>
+              <a:t>  | </a:t>
+            </a:r>
+            <a:r>
+              <a:rPr lang="el-GR" sz="1200" dirty="0">
+                <a:latin typeface="Consolas" panose="020B0609020204030204" pitchFamily="49" charset="0"/>
+              </a:rPr>
+              <a:t>Δ</a:t>
+            </a:r>
+            <a:r>
+              <a:rPr lang="en-US" sz="1200" dirty="0" err="1">
+                <a:latin typeface="Consolas" panose="020B0609020204030204" pitchFamily="49" charset="0"/>
+              </a:rPr>
+              <a:t>corr</a:t>
+            </a:r>
+            <a:r>
+              <a:rPr lang="en-US" sz="1200" dirty="0">
+                <a:latin typeface="Consolas" panose="020B0609020204030204" pitchFamily="49" charset="0"/>
+              </a:rPr>
+              <a:t>  | delta </a:t>
+            </a:r>
+            <a:r>
+              <a:rPr lang="en-US" sz="1200" dirty="0" err="1">
+                <a:latin typeface="Consolas" panose="020B0609020204030204" pitchFamily="49" charset="0"/>
+              </a:rPr>
+              <a:t>fr</a:t>
+            </a:r>
+            <a:r>
+              <a:rPr lang="en-US" sz="1200" dirty="0">
+                <a:latin typeface="Consolas" panose="020B0609020204030204" pitchFamily="49" charset="0"/>
+              </a:rPr>
+              <a:t> | remain </a:t>
+            </a:r>
+            <a:r>
+              <a:rPr lang="en-US" sz="1200" dirty="0" err="1">
+                <a:latin typeface="Consolas" panose="020B0609020204030204" pitchFamily="49" charset="0"/>
+              </a:rPr>
+              <a:t>fr</a:t>
+            </a:r>
+            <a:r>
+              <a:rPr lang="en-US" sz="1200" dirty="0">
+                <a:latin typeface="Consolas" panose="020B0609020204030204" pitchFamily="49" charset="0"/>
+              </a:rPr>
+              <a:t> |</a:t>
+            </a:r>
+          </a:p>
+          <a:p>
+            <a:r>
+              <a:rPr lang="en-US" sz="1200" dirty="0">
+                <a:latin typeface="Consolas" panose="020B0609020204030204" pitchFamily="49" charset="0"/>
+              </a:rPr>
+              <a:t>| seq id | 44.00  | 45.00  | 44.000   | 0.000     |</a:t>
+            </a:r>
+          </a:p>
+        </p:txBody>
+      </p:sp>
     </p:spTree>
     <p:extLst>
       <p:ext uri="{BB962C8B-B14F-4D97-AF65-F5344CB8AC3E}">
-        <p14:creationId xmlns:p14="http://schemas.microsoft.com/office/powerpoint/2010/main" val="2649717829"/>
+        <p14:creationId xmlns:p14="http://schemas.microsoft.com/office/powerpoint/2010/main" val="2734378528"/>
+      </p:ext>
+    </p:extLst>
+  </p:cSld>
+  <p:clrMapOvr>
+    <a:masterClrMapping/>
+  </p:clrMapOvr>
+</p:sld>
+</file>
+
+<file path=ppt/slides/slide9.xml><?xml version="1.0" encoding="utf-8"?>
+<p:sld xmlns:a="http://schemas.openxmlformats.org/drawingml/2006/main" xmlns:r="http://schemas.openxmlformats.org/officeDocument/2006/relationships" xmlns:p="http://schemas.openxmlformats.org/presentationml/2006/main">
+  <p:cSld>
+    <p:spTree>
+      <p:nvGrpSpPr>
+        <p:cNvPr id="1" name="">
+          <a:extLst>
+            <a:ext uri="{FF2B5EF4-FFF2-40B4-BE49-F238E27FC236}">
+              <a16:creationId xmlns:a16="http://schemas.microsoft.com/office/drawing/2014/main" id="{E871697D-9580-B24A-F1FC-3CF451DEE104}"/>
+            </a:ext>
+          </a:extLst>
+        </p:cNvPr>
+        <p:cNvGrpSpPr/>
+        <p:nvPr/>
+      </p:nvGrpSpPr>
+      <p:grpSpPr>
+        <a:xfrm>
+          <a:off x="0" y="0"/>
+          <a:ext cx="0" cy="0"/>
+          <a:chOff x="0" y="0"/>
+          <a:chExt cx="0" cy="0"/>
+        </a:xfrm>
+      </p:grpSpPr>
+      <p:pic>
+        <p:nvPicPr>
+          <p:cNvPr id="7" name="Picture 6">
+            <a:extLst>
+              <a:ext uri="{FF2B5EF4-FFF2-40B4-BE49-F238E27FC236}">
+                <a16:creationId xmlns:a16="http://schemas.microsoft.com/office/drawing/2014/main" id="{D7945CC2-28F9-4A66-91B1-DC51417A1360}"/>
+              </a:ext>
+            </a:extLst>
+          </p:cNvPr>
+          <p:cNvPicPr>
+            <a:picLocks noChangeAspect="1"/>
+          </p:cNvPicPr>
+          <p:nvPr/>
+        </p:nvPicPr>
+        <p:blipFill>
+          <a:blip r:embed="rId3">
+            <a:extLst>
+              <a:ext uri="{28A0092B-C50C-407E-A947-70E740481C1C}">
+                <a14:useLocalDpi xmlns:a14="http://schemas.microsoft.com/office/drawing/2010/main" val="0"/>
+              </a:ext>
+            </a:extLst>
+          </a:blip>
+          <a:stretch>
+            <a:fillRect/>
+          </a:stretch>
+        </p:blipFill>
+        <p:spPr>
+          <a:xfrm>
+            <a:off x="9372917" y="-107801"/>
+            <a:ext cx="1571625" cy="747713"/>
+          </a:xfrm>
+          <a:prstGeom prst="rect">
+            <a:avLst/>
+          </a:prstGeom>
+        </p:spPr>
+      </p:pic>
+      <p:sp>
+        <p:nvSpPr>
+          <p:cNvPr id="64" name="슬라이드 번호 개체 틀 2">
+            <a:extLst>
+              <a:ext uri="{FF2B5EF4-FFF2-40B4-BE49-F238E27FC236}">
+                <a16:creationId xmlns:a16="http://schemas.microsoft.com/office/drawing/2014/main" id="{E24F6677-9527-B590-58C4-88BA25798912}"/>
+              </a:ext>
+            </a:extLst>
+          </p:cNvPr>
+          <p:cNvSpPr txBox="1">
+            <a:spLocks/>
+          </p:cNvSpPr>
+          <p:nvPr/>
+        </p:nvSpPr>
+        <p:spPr>
+          <a:xfrm>
+            <a:off x="7925012" y="7042731"/>
+            <a:ext cx="2495127" cy="402567"/>
+          </a:xfrm>
+          <a:prstGeom prst="rect">
+            <a:avLst/>
+          </a:prstGeom>
+        </p:spPr>
+        <p:txBody>
+          <a:bodyPr vert="horz" lIns="99569" tIns="49785" rIns="99569" bIns="49785" rtlCol="0" anchor="ctr"/>
+          <a:lstStyle>
+            <a:defPPr>
+              <a:defRPr lang="ko-KR"/>
+            </a:defPPr>
+            <a:lvl1pPr marL="0" algn="r" defTabSz="995690" rtl="0" eaLnBrk="1" latinLnBrk="1" hangingPunct="1">
+              <a:defRPr sz="1300" kern="1200">
+                <a:solidFill>
+                  <a:schemeClr val="tx1">
+                    <a:tint val="75000"/>
+                  </a:schemeClr>
+                </a:solidFill>
+                <a:latin typeface="+mn-lt"/>
+                <a:ea typeface="+mn-ea"/>
+                <a:cs typeface="+mn-cs"/>
+              </a:defRPr>
+            </a:lvl1pPr>
+            <a:lvl2pPr marL="497845" algn="l" defTabSz="995690" rtl="0" eaLnBrk="1" latinLnBrk="1" hangingPunct="1">
+              <a:defRPr sz="2000" kern="1200">
+                <a:solidFill>
+                  <a:schemeClr val="tx1"/>
+                </a:solidFill>
+                <a:latin typeface="+mn-lt"/>
+                <a:ea typeface="+mn-ea"/>
+                <a:cs typeface="+mn-cs"/>
+              </a:defRPr>
+            </a:lvl2pPr>
+            <a:lvl3pPr marL="995690" algn="l" defTabSz="995690" rtl="0" eaLnBrk="1" latinLnBrk="1" hangingPunct="1">
+              <a:defRPr sz="2000" kern="1200">
+                <a:solidFill>
+                  <a:schemeClr val="tx1"/>
+                </a:solidFill>
+                <a:latin typeface="+mn-lt"/>
+                <a:ea typeface="+mn-ea"/>
+                <a:cs typeface="+mn-cs"/>
+              </a:defRPr>
+            </a:lvl3pPr>
+            <a:lvl4pPr marL="1493535" algn="l" defTabSz="995690" rtl="0" eaLnBrk="1" latinLnBrk="1" hangingPunct="1">
+              <a:defRPr sz="2000" kern="1200">
+                <a:solidFill>
+                  <a:schemeClr val="tx1"/>
+                </a:solidFill>
+                <a:latin typeface="+mn-lt"/>
+                <a:ea typeface="+mn-ea"/>
+                <a:cs typeface="+mn-cs"/>
+              </a:defRPr>
+            </a:lvl4pPr>
+            <a:lvl5pPr marL="1991380" algn="l" defTabSz="995690" rtl="0" eaLnBrk="1" latinLnBrk="1" hangingPunct="1">
+              <a:defRPr sz="2000" kern="1200">
+                <a:solidFill>
+                  <a:schemeClr val="tx1"/>
+                </a:solidFill>
+                <a:latin typeface="+mn-lt"/>
+                <a:ea typeface="+mn-ea"/>
+                <a:cs typeface="+mn-cs"/>
+              </a:defRPr>
+            </a:lvl5pPr>
+            <a:lvl6pPr marL="2489225" algn="l" defTabSz="995690" rtl="0" eaLnBrk="1" latinLnBrk="1" hangingPunct="1">
+              <a:defRPr sz="2000" kern="1200">
+                <a:solidFill>
+                  <a:schemeClr val="tx1"/>
+                </a:solidFill>
+                <a:latin typeface="+mn-lt"/>
+                <a:ea typeface="+mn-ea"/>
+                <a:cs typeface="+mn-cs"/>
+              </a:defRPr>
+            </a:lvl6pPr>
+            <a:lvl7pPr marL="2987070" algn="l" defTabSz="995690" rtl="0" eaLnBrk="1" latinLnBrk="1" hangingPunct="1">
+              <a:defRPr sz="2000" kern="1200">
+                <a:solidFill>
+                  <a:schemeClr val="tx1"/>
+                </a:solidFill>
+                <a:latin typeface="+mn-lt"/>
+                <a:ea typeface="+mn-ea"/>
+                <a:cs typeface="+mn-cs"/>
+              </a:defRPr>
+            </a:lvl7pPr>
+            <a:lvl8pPr marL="3484916" algn="l" defTabSz="995690" rtl="0" eaLnBrk="1" latinLnBrk="1" hangingPunct="1">
+              <a:defRPr sz="2000" kern="1200">
+                <a:solidFill>
+                  <a:schemeClr val="tx1"/>
+                </a:solidFill>
+                <a:latin typeface="+mn-lt"/>
+                <a:ea typeface="+mn-ea"/>
+                <a:cs typeface="+mn-cs"/>
+              </a:defRPr>
+            </a:lvl8pPr>
+            <a:lvl9pPr marL="3982761" algn="l" defTabSz="995690" rtl="0" eaLnBrk="1" latinLnBrk="1" hangingPunct="1">
+              <a:defRPr sz="2000" kern="1200">
+                <a:solidFill>
+                  <a:schemeClr val="tx1"/>
+                </a:solidFill>
+                <a:latin typeface="+mn-lt"/>
+                <a:ea typeface="+mn-ea"/>
+                <a:cs typeface="+mn-cs"/>
+              </a:defRPr>
+            </a:lvl9pPr>
+          </a:lstStyle>
+          <a:p>
+            <a:fld id="{1B597EC8-03FB-421D-BA76-5865596B8B77}" type="slidenum">
+              <a:rPr lang="ko-KR" altLang="en-US" smtClean="0"/>
+              <a:pPr/>
+              <a:t>8</a:t>
+            </a:fld>
+            <a:endParaRPr lang="ko-KR" altLang="en-US" dirty="0"/>
+          </a:p>
+        </p:txBody>
+      </p:sp>
+      <p:sp>
+        <p:nvSpPr>
+          <p:cNvPr id="2" name="TextBox 1">
+            <a:extLst>
+              <a:ext uri="{FF2B5EF4-FFF2-40B4-BE49-F238E27FC236}">
+                <a16:creationId xmlns:a16="http://schemas.microsoft.com/office/drawing/2014/main" id="{E03D9315-840B-297E-6DF5-E7088C14CDC7}"/>
+              </a:ext>
+            </a:extLst>
+          </p:cNvPr>
+          <p:cNvSpPr txBox="1"/>
+          <p:nvPr/>
+        </p:nvSpPr>
+        <p:spPr>
+          <a:xfrm>
+            <a:off x="162124" y="115965"/>
+            <a:ext cx="8327848" cy="589072"/>
+          </a:xfrm>
+          <a:prstGeom prst="rect">
+            <a:avLst/>
+          </a:prstGeom>
+          <a:noFill/>
+        </p:spPr>
+        <p:txBody>
+          <a:bodyPr wrap="square" rtlCol="0">
+            <a:spAutoFit/>
+          </a:bodyPr>
+          <a:lstStyle/>
+          <a:p>
+            <a:pPr>
+              <a:lnSpc>
+                <a:spcPct val="150000"/>
+              </a:lnSpc>
+            </a:pPr>
+            <a:r>
+              <a:rPr lang="en-US" altLang="ko-KR" sz="2400" dirty="0">
+                <a:solidFill>
+                  <a:schemeClr val="accent6"/>
+                </a:solidFill>
+                <a:latin typeface="Caladea"/>
+                <a:ea typeface="HY견고딕" pitchFamily="18" charset="-127"/>
+              </a:rPr>
+              <a:t>UBFC: Vid_14 </a:t>
+            </a:r>
+          </a:p>
+        </p:txBody>
+      </p:sp>
+      <p:sp>
+        <p:nvSpPr>
+          <p:cNvPr id="15" name="AutoShape 4" descr="Output image">
+            <a:extLst>
+              <a:ext uri="{FF2B5EF4-FFF2-40B4-BE49-F238E27FC236}">
+                <a16:creationId xmlns:a16="http://schemas.microsoft.com/office/drawing/2014/main" id="{6D6FBE01-F851-694A-905C-7E34796C12B4}"/>
+              </a:ext>
+            </a:extLst>
+          </p:cNvPr>
+          <p:cNvSpPr>
+            <a:spLocks noChangeAspect="1" noChangeArrowheads="1"/>
+          </p:cNvSpPr>
+          <p:nvPr/>
+        </p:nvSpPr>
+        <p:spPr bwMode="auto">
+          <a:xfrm>
+            <a:off x="190500" y="152400"/>
+            <a:ext cx="10617200" cy="7561263"/>
+          </a:xfrm>
+          <a:prstGeom prst="rect">
+            <a:avLst/>
+          </a:prstGeom>
+          <a:noFill/>
+          <a:extLst>
+            <a:ext uri="{909E8E84-426E-40DD-AFC4-6F175D3DCCD1}">
+              <a14:hiddenFill xmlns:a14="http://schemas.microsoft.com/office/drawing/2010/main">
+                <a:solidFill>
+                  <a:srgbClr val="FFFFFF"/>
+                </a:solidFill>
+              </a14:hiddenFill>
+            </a:ext>
+          </a:extLst>
+        </p:spPr>
+        <p:txBody>
+          <a:bodyPr vert="horz" wrap="square" lIns="91440" tIns="45720" rIns="91440" bIns="45720" numCol="1" anchor="t" anchorCtr="0" compatLnSpc="1">
+            <a:prstTxWarp prst="textNoShape">
+              <a:avLst/>
+            </a:prstTxWarp>
+          </a:bodyPr>
+          <a:lstStyle/>
+          <a:p>
+            <a:endParaRPr lang="en-US"/>
+          </a:p>
+        </p:txBody>
+      </p:sp>
+      <p:pic>
+        <p:nvPicPr>
+          <p:cNvPr id="5" name="Picture 4">
+            <a:extLst>
+              <a:ext uri="{FF2B5EF4-FFF2-40B4-BE49-F238E27FC236}">
+                <a16:creationId xmlns:a16="http://schemas.microsoft.com/office/drawing/2014/main" id="{D19E15FE-A803-F729-E498-DB211826CAF9}"/>
+              </a:ext>
+            </a:extLst>
+          </p:cNvPr>
+          <p:cNvPicPr>
+            <a:picLocks noChangeAspect="1"/>
+          </p:cNvPicPr>
+          <p:nvPr/>
+        </p:nvPicPr>
+        <p:blipFill>
+          <a:blip r:embed="rId4">
+            <a:extLst>
+              <a:ext uri="{28A0092B-C50C-407E-A947-70E740481C1C}">
+                <a14:useLocalDpi xmlns:a14="http://schemas.microsoft.com/office/drawing/2010/main" val="0"/>
+              </a:ext>
+            </a:extLst>
+          </a:blip>
+          <a:stretch>
+            <a:fillRect/>
+          </a:stretch>
+        </p:blipFill>
+        <p:spPr>
+          <a:xfrm>
+            <a:off x="0" y="1102439"/>
+            <a:ext cx="10693400" cy="4990253"/>
+          </a:xfrm>
+          <a:prstGeom prst="rect">
+            <a:avLst/>
+          </a:prstGeom>
+        </p:spPr>
+      </p:pic>
+    </p:spTree>
+    <p:extLst>
+      <p:ext uri="{BB962C8B-B14F-4D97-AF65-F5344CB8AC3E}">
+        <p14:creationId xmlns:p14="http://schemas.microsoft.com/office/powerpoint/2010/main" val="3678888921"/>
       </p:ext>
     </p:extLst>
   </p:cSld>
